--- a/lecture-materials/Migration&Transfer/aws_server_migration_service/aws_server_migration_service.pptx
+++ b/lecture-materials/Migration&Transfer/aws_server_migration_service/aws_server_migration_service.pptx
@@ -6,9 +6,14 @@
   </p:sldMasterIdLst>
   <p:sldIdLst>
     <p:sldId id="256" r:id="rId2"/>
-    <p:sldId id="257" r:id="rId3"/>
-    <p:sldId id="258" r:id="rId4"/>
-    <p:sldId id="259" r:id="rId5"/>
+    <p:sldId id="262" r:id="rId3"/>
+    <p:sldId id="257" r:id="rId4"/>
+    <p:sldId id="260" r:id="rId5"/>
+    <p:sldId id="261" r:id="rId6"/>
+    <p:sldId id="263" r:id="rId7"/>
+    <p:sldId id="264" r:id="rId8"/>
+    <p:sldId id="259" r:id="rId9"/>
+    <p:sldId id="258" r:id="rId10"/>
   </p:sldIdLst>
   <p:sldSz cx="12192000" cy="6858000"/>
   <p:notesSz cx="6858000" cy="9144000"/>
@@ -264,7 +269,7 @@
           <a:p>
             <a:fld id="{322C9020-58D6-4B4B-AE71-CBBD8D6FD410}" type="datetimeFigureOut">
               <a:rPr lang="en-CH" smtClean="0"/>
-              <a:t>03.09.23</a:t>
+              <a:t>06.02.2024</a:t>
             </a:fld>
             <a:endParaRPr lang="en-CH"/>
           </a:p>
@@ -464,7 +469,7 @@
           <a:p>
             <a:fld id="{322C9020-58D6-4B4B-AE71-CBBD8D6FD410}" type="datetimeFigureOut">
               <a:rPr lang="en-CH" smtClean="0"/>
-              <a:t>03.09.23</a:t>
+              <a:t>06.02.2024</a:t>
             </a:fld>
             <a:endParaRPr lang="en-CH"/>
           </a:p>
@@ -674,7 +679,7 @@
           <a:p>
             <a:fld id="{322C9020-58D6-4B4B-AE71-CBBD8D6FD410}" type="datetimeFigureOut">
               <a:rPr lang="en-CH" smtClean="0"/>
-              <a:t>03.09.23</a:t>
+              <a:t>06.02.2024</a:t>
             </a:fld>
             <a:endParaRPr lang="en-CH"/>
           </a:p>
@@ -874,7 +879,7 @@
           <a:p>
             <a:fld id="{322C9020-58D6-4B4B-AE71-CBBD8D6FD410}" type="datetimeFigureOut">
               <a:rPr lang="en-CH" smtClean="0"/>
-              <a:t>03.09.23</a:t>
+              <a:t>06.02.2024</a:t>
             </a:fld>
             <a:endParaRPr lang="en-CH"/>
           </a:p>
@@ -1150,7 +1155,7 @@
           <a:p>
             <a:fld id="{322C9020-58D6-4B4B-AE71-CBBD8D6FD410}" type="datetimeFigureOut">
               <a:rPr lang="en-CH" smtClean="0"/>
-              <a:t>03.09.23</a:t>
+              <a:t>06.02.2024</a:t>
             </a:fld>
             <a:endParaRPr lang="en-CH"/>
           </a:p>
@@ -1418,7 +1423,7 @@
           <a:p>
             <a:fld id="{322C9020-58D6-4B4B-AE71-CBBD8D6FD410}" type="datetimeFigureOut">
               <a:rPr lang="en-CH" smtClean="0"/>
-              <a:t>03.09.23</a:t>
+              <a:t>06.02.2024</a:t>
             </a:fld>
             <a:endParaRPr lang="en-CH"/>
           </a:p>
@@ -1833,7 +1838,7 @@
           <a:p>
             <a:fld id="{322C9020-58D6-4B4B-AE71-CBBD8D6FD410}" type="datetimeFigureOut">
               <a:rPr lang="en-CH" smtClean="0"/>
-              <a:t>03.09.23</a:t>
+              <a:t>06.02.2024</a:t>
             </a:fld>
             <a:endParaRPr lang="en-CH"/>
           </a:p>
@@ -1975,7 +1980,7 @@
           <a:p>
             <a:fld id="{322C9020-58D6-4B4B-AE71-CBBD8D6FD410}" type="datetimeFigureOut">
               <a:rPr lang="en-CH" smtClean="0"/>
-              <a:t>03.09.23</a:t>
+              <a:t>06.02.2024</a:t>
             </a:fld>
             <a:endParaRPr lang="en-CH"/>
           </a:p>
@@ -2088,7 +2093,7 @@
           <a:p>
             <a:fld id="{322C9020-58D6-4B4B-AE71-CBBD8D6FD410}" type="datetimeFigureOut">
               <a:rPr lang="en-CH" smtClean="0"/>
-              <a:t>03.09.23</a:t>
+              <a:t>06.02.2024</a:t>
             </a:fld>
             <a:endParaRPr lang="en-CH"/>
           </a:p>
@@ -2401,7 +2406,7 @@
           <a:p>
             <a:fld id="{322C9020-58D6-4B4B-AE71-CBBD8D6FD410}" type="datetimeFigureOut">
               <a:rPr lang="en-CH" smtClean="0"/>
-              <a:t>03.09.23</a:t>
+              <a:t>06.02.2024</a:t>
             </a:fld>
             <a:endParaRPr lang="en-CH"/>
           </a:p>
@@ -2690,7 +2695,7 @@
           <a:p>
             <a:fld id="{322C9020-58D6-4B4B-AE71-CBBD8D6FD410}" type="datetimeFigureOut">
               <a:rPr lang="en-CH" smtClean="0"/>
-              <a:t>03.09.23</a:t>
+              <a:t>06.02.2024</a:t>
             </a:fld>
             <a:endParaRPr lang="en-CH"/>
           </a:p>
@@ -2933,7 +2938,7 @@
           <a:p>
             <a:fld id="{322C9020-58D6-4B4B-AE71-CBBD8D6FD410}" type="datetimeFigureOut">
               <a:rPr lang="en-CH" smtClean="0"/>
-              <a:t>03.09.23</a:t>
+              <a:t>06.02.2024</a:t>
             </a:fld>
             <a:endParaRPr lang="en-CH"/>
           </a:p>
@@ -4039,6 +4044,920 @@
 </file>
 
 <file path=ppt/slides/slide2.xml><?xml version="1.0" encoding="utf-8"?>
+<p:sld xmlns:a="http://schemas.openxmlformats.org/drawingml/2006/main" xmlns:r="http://schemas.openxmlformats.org/officeDocument/2006/relationships" xmlns:p="http://schemas.openxmlformats.org/presentationml/2006/main">
+  <p:cSld>
+    <p:bg>
+      <p:bgPr>
+        <a:solidFill>
+          <a:schemeClr val="bg1"/>
+        </a:solidFill>
+        <a:effectLst/>
+      </p:bgPr>
+    </p:bg>
+    <p:spTree>
+      <p:nvGrpSpPr>
+        <p:cNvPr id="1" name=""/>
+        <p:cNvGrpSpPr/>
+        <p:nvPr/>
+      </p:nvGrpSpPr>
+      <p:grpSpPr>
+        <a:xfrm>
+          <a:off x="0" y="0"/>
+          <a:ext cx="0" cy="0"/>
+          <a:chOff x="0" y="0"/>
+          <a:chExt cx="0" cy="0"/>
+        </a:xfrm>
+      </p:grpSpPr>
+      <p:sp useBgFill="1">
+        <p:nvSpPr>
+          <p:cNvPr id="8" name="Rectangle 7">
+            <a:extLst>
+              <a:ext uri="{FF2B5EF4-FFF2-40B4-BE49-F238E27FC236}">
+                <a16:creationId xmlns:a16="http://schemas.microsoft.com/office/drawing/2014/main" id="{100EDD19-6802-4EC3-95CE-CFFAB042CFD6}"/>
+              </a:ext>
+              <a:ext uri="{C183D7F6-B498-43B3-948B-1728B52AA6E4}">
+                <adec:decorative xmlns:adec="http://schemas.microsoft.com/office/drawing/2017/decorative" val="1"/>
+              </a:ext>
+            </a:extLst>
+          </p:cNvPr>
+          <p:cNvSpPr>
+            <a:spLocks noGrp="1" noRot="1" noChangeAspect="1" noMove="1" noResize="1" noEditPoints="1" noAdjustHandles="1" noChangeArrowheads="1" noChangeShapeType="1" noTextEdit="1"/>
+          </p:cNvSpPr>
+          <p:nvPr>
+            <p:extLst>
+              <p:ext uri="{386F3935-93C4-4BCD-93E2-E3B085C9AB24}">
+                <p16:designElem xmlns:p16="http://schemas.microsoft.com/office/powerpoint/2015/main" val="1"/>
+              </p:ext>
+            </p:extLst>
+          </p:nvPr>
+        </p:nvSpPr>
+        <p:spPr>
+          <a:xfrm>
+            <a:off x="0" y="0"/>
+            <a:ext cx="12188952" cy="6858000"/>
+          </a:xfrm>
+          <a:prstGeom prst="rect">
+            <a:avLst/>
+          </a:prstGeom>
+          <a:ln>
+            <a:noFill/>
+          </a:ln>
+        </p:spPr>
+        <p:style>
+          <a:lnRef idx="2">
+            <a:schemeClr val="accent1">
+              <a:shade val="50000"/>
+            </a:schemeClr>
+          </a:lnRef>
+          <a:fillRef idx="1">
+            <a:schemeClr val="accent1"/>
+          </a:fillRef>
+          <a:effectRef idx="0">
+            <a:schemeClr val="accent1"/>
+          </a:effectRef>
+          <a:fontRef idx="minor">
+            <a:schemeClr val="lt1"/>
+          </a:fontRef>
+        </p:style>
+        <p:txBody>
+          <a:bodyPr rtlCol="0" anchor="ctr"/>
+          <a:lstStyle/>
+          <a:p>
+            <a:pPr algn="ctr"/>
+            <a:endParaRPr lang="en-US"/>
+          </a:p>
+        </p:txBody>
+      </p:sp>
+      <p:sp>
+        <p:nvSpPr>
+          <p:cNvPr id="2" name="Title 1">
+            <a:extLst>
+              <a:ext uri="{FF2B5EF4-FFF2-40B4-BE49-F238E27FC236}">
+                <a16:creationId xmlns:a16="http://schemas.microsoft.com/office/drawing/2014/main" id="{BA7DC373-2513-8BB1-A1D8-D2BA5E207F21}"/>
+              </a:ext>
+            </a:extLst>
+          </p:cNvPr>
+          <p:cNvSpPr>
+            <a:spLocks noGrp="1"/>
+          </p:cNvSpPr>
+          <p:nvPr>
+            <p:ph type="title"/>
+          </p:nvPr>
+        </p:nvSpPr>
+        <p:spPr>
+          <a:xfrm>
+            <a:off x="838200" y="365125"/>
+            <a:ext cx="10515600" cy="1325563"/>
+          </a:xfrm>
+        </p:spPr>
+        <p:txBody>
+          <a:bodyPr>
+            <a:normAutofit/>
+          </a:bodyPr>
+          <a:lstStyle/>
+          <a:p>
+            <a:r>
+              <a:rPr lang="en-GB" sz="5400" b="0" i="0">
+                <a:effectLst/>
+                <a:latin typeface="+mn-lt"/>
+              </a:rPr>
+              <a:t>AWS Application Migration Service</a:t>
+            </a:r>
+            <a:endParaRPr lang="en-CH" sz="5400"/>
+          </a:p>
+        </p:txBody>
+      </p:sp>
+      <p:sp>
+        <p:nvSpPr>
+          <p:cNvPr id="10" name="sketch line">
+            <a:extLst>
+              <a:ext uri="{FF2B5EF4-FFF2-40B4-BE49-F238E27FC236}">
+                <a16:creationId xmlns:a16="http://schemas.microsoft.com/office/drawing/2014/main" id="{DB17E863-922E-4C26-BD64-E8FD41D28661}"/>
+              </a:ext>
+              <a:ext uri="{C183D7F6-B498-43B3-948B-1728B52AA6E4}">
+                <adec:decorative xmlns:adec="http://schemas.microsoft.com/office/drawing/2017/decorative" val="1"/>
+              </a:ext>
+            </a:extLst>
+          </p:cNvPr>
+          <p:cNvSpPr>
+            <a:spLocks noGrp="1" noRot="1" noChangeAspect="1" noMove="1" noResize="1" noEditPoints="1" noAdjustHandles="1" noChangeArrowheads="1" noChangeShapeType="1" noTextEdit="1"/>
+          </p:cNvSpPr>
+          <p:nvPr>
+            <p:extLst>
+              <p:ext uri="{386F3935-93C4-4BCD-93E2-E3B085C9AB24}">
+                <p16:designElem xmlns:p16="http://schemas.microsoft.com/office/powerpoint/2015/main" val="1"/>
+              </p:ext>
+            </p:extLst>
+          </p:nvPr>
+        </p:nvSpPr>
+        <p:spPr>
+          <a:xfrm>
+            <a:off x="669036" y="1677373"/>
+            <a:ext cx="10853928" cy="18288"/>
+          </a:xfrm>
+          <a:custGeom>
+            <a:avLst/>
+            <a:gdLst>
+              <a:gd name="connsiteX0" fmla="*/ 0 w 10853928"/>
+              <a:gd name="connsiteY0" fmla="*/ 0 h 18288"/>
+              <a:gd name="connsiteX1" fmla="*/ 461292 w 10853928"/>
+              <a:gd name="connsiteY1" fmla="*/ 0 h 18288"/>
+              <a:gd name="connsiteX2" fmla="*/ 1139662 w 10853928"/>
+              <a:gd name="connsiteY2" fmla="*/ 0 h 18288"/>
+              <a:gd name="connsiteX3" fmla="*/ 1926572 w 10853928"/>
+              <a:gd name="connsiteY3" fmla="*/ 0 h 18288"/>
+              <a:gd name="connsiteX4" fmla="*/ 2279325 w 10853928"/>
+              <a:gd name="connsiteY4" fmla="*/ 0 h 18288"/>
+              <a:gd name="connsiteX5" fmla="*/ 2632078 w 10853928"/>
+              <a:gd name="connsiteY5" fmla="*/ 0 h 18288"/>
+              <a:gd name="connsiteX6" fmla="*/ 3527527 w 10853928"/>
+              <a:gd name="connsiteY6" fmla="*/ 0 h 18288"/>
+              <a:gd name="connsiteX7" fmla="*/ 4205897 w 10853928"/>
+              <a:gd name="connsiteY7" fmla="*/ 0 h 18288"/>
+              <a:gd name="connsiteX8" fmla="*/ 4558650 w 10853928"/>
+              <a:gd name="connsiteY8" fmla="*/ 0 h 18288"/>
+              <a:gd name="connsiteX9" fmla="*/ 5237020 w 10853928"/>
+              <a:gd name="connsiteY9" fmla="*/ 0 h 18288"/>
+              <a:gd name="connsiteX10" fmla="*/ 6132469 w 10853928"/>
+              <a:gd name="connsiteY10" fmla="*/ 0 h 18288"/>
+              <a:gd name="connsiteX11" fmla="*/ 6702301 w 10853928"/>
+              <a:gd name="connsiteY11" fmla="*/ 0 h 18288"/>
+              <a:gd name="connsiteX12" fmla="*/ 7272132 w 10853928"/>
+              <a:gd name="connsiteY12" fmla="*/ 0 h 18288"/>
+              <a:gd name="connsiteX13" fmla="*/ 7950502 w 10853928"/>
+              <a:gd name="connsiteY13" fmla="*/ 0 h 18288"/>
+              <a:gd name="connsiteX14" fmla="*/ 8737412 w 10853928"/>
+              <a:gd name="connsiteY14" fmla="*/ 0 h 18288"/>
+              <a:gd name="connsiteX15" fmla="*/ 9524322 w 10853928"/>
+              <a:gd name="connsiteY15" fmla="*/ 0 h 18288"/>
+              <a:gd name="connsiteX16" fmla="*/ 10853928 w 10853928"/>
+              <a:gd name="connsiteY16" fmla="*/ 0 h 18288"/>
+              <a:gd name="connsiteX17" fmla="*/ 10853928 w 10853928"/>
+              <a:gd name="connsiteY17" fmla="*/ 18288 h 18288"/>
+              <a:gd name="connsiteX18" fmla="*/ 10392636 w 10853928"/>
+              <a:gd name="connsiteY18" fmla="*/ 18288 h 18288"/>
+              <a:gd name="connsiteX19" fmla="*/ 9497187 w 10853928"/>
+              <a:gd name="connsiteY19" fmla="*/ 18288 h 18288"/>
+              <a:gd name="connsiteX20" fmla="*/ 8818817 w 10853928"/>
+              <a:gd name="connsiteY20" fmla="*/ 18288 h 18288"/>
+              <a:gd name="connsiteX21" fmla="*/ 8466064 w 10853928"/>
+              <a:gd name="connsiteY21" fmla="*/ 18288 h 18288"/>
+              <a:gd name="connsiteX22" fmla="*/ 7787693 w 10853928"/>
+              <a:gd name="connsiteY22" fmla="*/ 18288 h 18288"/>
+              <a:gd name="connsiteX23" fmla="*/ 7217862 w 10853928"/>
+              <a:gd name="connsiteY23" fmla="*/ 18288 h 18288"/>
+              <a:gd name="connsiteX24" fmla="*/ 6648031 w 10853928"/>
+              <a:gd name="connsiteY24" fmla="*/ 18288 h 18288"/>
+              <a:gd name="connsiteX25" fmla="*/ 6078200 w 10853928"/>
+              <a:gd name="connsiteY25" fmla="*/ 18288 h 18288"/>
+              <a:gd name="connsiteX26" fmla="*/ 5508368 w 10853928"/>
+              <a:gd name="connsiteY26" fmla="*/ 18288 h 18288"/>
+              <a:gd name="connsiteX27" fmla="*/ 4721459 w 10853928"/>
+              <a:gd name="connsiteY27" fmla="*/ 18288 h 18288"/>
+              <a:gd name="connsiteX28" fmla="*/ 4043088 w 10853928"/>
+              <a:gd name="connsiteY28" fmla="*/ 18288 h 18288"/>
+              <a:gd name="connsiteX29" fmla="*/ 3690336 w 10853928"/>
+              <a:gd name="connsiteY29" fmla="*/ 18288 h 18288"/>
+              <a:gd name="connsiteX30" fmla="*/ 3120504 w 10853928"/>
+              <a:gd name="connsiteY30" fmla="*/ 18288 h 18288"/>
+              <a:gd name="connsiteX31" fmla="*/ 2333595 w 10853928"/>
+              <a:gd name="connsiteY31" fmla="*/ 18288 h 18288"/>
+              <a:gd name="connsiteX32" fmla="*/ 1872303 w 10853928"/>
+              <a:gd name="connsiteY32" fmla="*/ 18288 h 18288"/>
+              <a:gd name="connsiteX33" fmla="*/ 976854 w 10853928"/>
+              <a:gd name="connsiteY33" fmla="*/ 18288 h 18288"/>
+              <a:gd name="connsiteX34" fmla="*/ 0 w 10853928"/>
+              <a:gd name="connsiteY34" fmla="*/ 18288 h 18288"/>
+              <a:gd name="connsiteX35" fmla="*/ 0 w 10853928"/>
+              <a:gd name="connsiteY35" fmla="*/ 0 h 18288"/>
+            </a:gdLst>
+            <a:ahLst/>
+            <a:cxnLst>
+              <a:cxn ang="0">
+                <a:pos x="connsiteX0" y="connsiteY0"/>
+              </a:cxn>
+              <a:cxn ang="0">
+                <a:pos x="connsiteX1" y="connsiteY1"/>
+              </a:cxn>
+              <a:cxn ang="0">
+                <a:pos x="connsiteX2" y="connsiteY2"/>
+              </a:cxn>
+              <a:cxn ang="0">
+                <a:pos x="connsiteX3" y="connsiteY3"/>
+              </a:cxn>
+              <a:cxn ang="0">
+                <a:pos x="connsiteX4" y="connsiteY4"/>
+              </a:cxn>
+              <a:cxn ang="0">
+                <a:pos x="connsiteX5" y="connsiteY5"/>
+              </a:cxn>
+              <a:cxn ang="0">
+                <a:pos x="connsiteX6" y="connsiteY6"/>
+              </a:cxn>
+              <a:cxn ang="0">
+                <a:pos x="connsiteX7" y="connsiteY7"/>
+              </a:cxn>
+              <a:cxn ang="0">
+                <a:pos x="connsiteX8" y="connsiteY8"/>
+              </a:cxn>
+              <a:cxn ang="0">
+                <a:pos x="connsiteX9" y="connsiteY9"/>
+              </a:cxn>
+              <a:cxn ang="0">
+                <a:pos x="connsiteX10" y="connsiteY10"/>
+              </a:cxn>
+              <a:cxn ang="0">
+                <a:pos x="connsiteX11" y="connsiteY11"/>
+              </a:cxn>
+              <a:cxn ang="0">
+                <a:pos x="connsiteX12" y="connsiteY12"/>
+              </a:cxn>
+              <a:cxn ang="0">
+                <a:pos x="connsiteX13" y="connsiteY13"/>
+              </a:cxn>
+              <a:cxn ang="0">
+                <a:pos x="connsiteX14" y="connsiteY14"/>
+              </a:cxn>
+              <a:cxn ang="0">
+                <a:pos x="connsiteX15" y="connsiteY15"/>
+              </a:cxn>
+              <a:cxn ang="0">
+                <a:pos x="connsiteX16" y="connsiteY16"/>
+              </a:cxn>
+              <a:cxn ang="0">
+                <a:pos x="connsiteX17" y="connsiteY17"/>
+              </a:cxn>
+              <a:cxn ang="0">
+                <a:pos x="connsiteX18" y="connsiteY18"/>
+              </a:cxn>
+              <a:cxn ang="0">
+                <a:pos x="connsiteX19" y="connsiteY19"/>
+              </a:cxn>
+              <a:cxn ang="0">
+                <a:pos x="connsiteX20" y="connsiteY20"/>
+              </a:cxn>
+              <a:cxn ang="0">
+                <a:pos x="connsiteX21" y="connsiteY21"/>
+              </a:cxn>
+              <a:cxn ang="0">
+                <a:pos x="connsiteX22" y="connsiteY22"/>
+              </a:cxn>
+              <a:cxn ang="0">
+                <a:pos x="connsiteX23" y="connsiteY23"/>
+              </a:cxn>
+              <a:cxn ang="0">
+                <a:pos x="connsiteX24" y="connsiteY24"/>
+              </a:cxn>
+              <a:cxn ang="0">
+                <a:pos x="connsiteX25" y="connsiteY25"/>
+              </a:cxn>
+              <a:cxn ang="0">
+                <a:pos x="connsiteX26" y="connsiteY26"/>
+              </a:cxn>
+              <a:cxn ang="0">
+                <a:pos x="connsiteX27" y="connsiteY27"/>
+              </a:cxn>
+              <a:cxn ang="0">
+                <a:pos x="connsiteX28" y="connsiteY28"/>
+              </a:cxn>
+              <a:cxn ang="0">
+                <a:pos x="connsiteX29" y="connsiteY29"/>
+              </a:cxn>
+              <a:cxn ang="0">
+                <a:pos x="connsiteX30" y="connsiteY30"/>
+              </a:cxn>
+              <a:cxn ang="0">
+                <a:pos x="connsiteX31" y="connsiteY31"/>
+              </a:cxn>
+              <a:cxn ang="0">
+                <a:pos x="connsiteX32" y="connsiteY32"/>
+              </a:cxn>
+              <a:cxn ang="0">
+                <a:pos x="connsiteX33" y="connsiteY33"/>
+              </a:cxn>
+              <a:cxn ang="0">
+                <a:pos x="connsiteX34" y="connsiteY34"/>
+              </a:cxn>
+              <a:cxn ang="0">
+                <a:pos x="connsiteX35" y="connsiteY35"/>
+              </a:cxn>
+            </a:cxnLst>
+            <a:rect l="l" t="t" r="r" b="b"/>
+            <a:pathLst>
+              <a:path w="10853928" h="18288" fill="none" extrusionOk="0">
+                <a:moveTo>
+                  <a:pt x="0" y="0"/>
+                </a:moveTo>
+                <a:cubicBezTo>
+                  <a:pt x="146993" y="-19076"/>
+                  <a:pt x="347684" y="-4790"/>
+                  <a:pt x="461292" y="0"/>
+                </a:cubicBezTo>
+                <a:cubicBezTo>
+                  <a:pt x="574900" y="4790"/>
+                  <a:pt x="808367" y="19821"/>
+                  <a:pt x="1139662" y="0"/>
+                </a:cubicBezTo>
+                <a:cubicBezTo>
+                  <a:pt x="1470957" y="-19821"/>
+                  <a:pt x="1627405" y="5721"/>
+                  <a:pt x="1926572" y="0"/>
+                </a:cubicBezTo>
+                <a:cubicBezTo>
+                  <a:pt x="2225739" y="-5721"/>
+                  <a:pt x="2137730" y="-3235"/>
+                  <a:pt x="2279325" y="0"/>
+                </a:cubicBezTo>
+                <a:cubicBezTo>
+                  <a:pt x="2420920" y="3235"/>
+                  <a:pt x="2456518" y="9685"/>
+                  <a:pt x="2632078" y="0"/>
+                </a:cubicBezTo>
+                <a:cubicBezTo>
+                  <a:pt x="2807638" y="-9685"/>
+                  <a:pt x="3211516" y="-43007"/>
+                  <a:pt x="3527527" y="0"/>
+                </a:cubicBezTo>
+                <a:cubicBezTo>
+                  <a:pt x="3843538" y="43007"/>
+                  <a:pt x="4058833" y="22042"/>
+                  <a:pt x="4205897" y="0"/>
+                </a:cubicBezTo>
+                <a:cubicBezTo>
+                  <a:pt x="4352961" y="-22042"/>
+                  <a:pt x="4474805" y="-11846"/>
+                  <a:pt x="4558650" y="0"/>
+                </a:cubicBezTo>
+                <a:cubicBezTo>
+                  <a:pt x="4642495" y="11846"/>
+                  <a:pt x="5041928" y="-6069"/>
+                  <a:pt x="5237020" y="0"/>
+                </a:cubicBezTo>
+                <a:cubicBezTo>
+                  <a:pt x="5432112" y="6069"/>
+                  <a:pt x="5943266" y="-17479"/>
+                  <a:pt x="6132469" y="0"/>
+                </a:cubicBezTo>
+                <a:cubicBezTo>
+                  <a:pt x="6321672" y="17479"/>
+                  <a:pt x="6483872" y="26234"/>
+                  <a:pt x="6702301" y="0"/>
+                </a:cubicBezTo>
+                <a:cubicBezTo>
+                  <a:pt x="6920730" y="-26234"/>
+                  <a:pt x="6991194" y="-15156"/>
+                  <a:pt x="7272132" y="0"/>
+                </a:cubicBezTo>
+                <a:cubicBezTo>
+                  <a:pt x="7553070" y="15156"/>
+                  <a:pt x="7684444" y="-32961"/>
+                  <a:pt x="7950502" y="0"/>
+                </a:cubicBezTo>
+                <a:cubicBezTo>
+                  <a:pt x="8216560" y="32961"/>
+                  <a:pt x="8493290" y="-10491"/>
+                  <a:pt x="8737412" y="0"/>
+                </a:cubicBezTo>
+                <a:cubicBezTo>
+                  <a:pt x="8981534" y="10491"/>
+                  <a:pt x="9191586" y="-13899"/>
+                  <a:pt x="9524322" y="0"/>
+                </a:cubicBezTo>
+                <a:cubicBezTo>
+                  <a:pt x="9857058" y="13899"/>
+                  <a:pt x="10297509" y="7485"/>
+                  <a:pt x="10853928" y="0"/>
+                </a:cubicBezTo>
+                <a:cubicBezTo>
+                  <a:pt x="10854574" y="4451"/>
+                  <a:pt x="10854418" y="9226"/>
+                  <a:pt x="10853928" y="18288"/>
+                </a:cubicBezTo>
+                <a:cubicBezTo>
+                  <a:pt x="10691638" y="28522"/>
+                  <a:pt x="10574319" y="29578"/>
+                  <a:pt x="10392636" y="18288"/>
+                </a:cubicBezTo>
+                <a:cubicBezTo>
+                  <a:pt x="10210953" y="6998"/>
+                  <a:pt x="9836277" y="-16742"/>
+                  <a:pt x="9497187" y="18288"/>
+                </a:cubicBezTo>
+                <a:cubicBezTo>
+                  <a:pt x="9158097" y="53318"/>
+                  <a:pt x="9119479" y="30714"/>
+                  <a:pt x="8818817" y="18288"/>
+                </a:cubicBezTo>
+                <a:cubicBezTo>
+                  <a:pt x="8518155" y="5863"/>
+                  <a:pt x="8640037" y="6483"/>
+                  <a:pt x="8466064" y="18288"/>
+                </a:cubicBezTo>
+                <a:cubicBezTo>
+                  <a:pt x="8292091" y="30093"/>
+                  <a:pt x="7997656" y="18914"/>
+                  <a:pt x="7787693" y="18288"/>
+                </a:cubicBezTo>
+                <a:cubicBezTo>
+                  <a:pt x="7577730" y="17662"/>
+                  <a:pt x="7412468" y="21416"/>
+                  <a:pt x="7217862" y="18288"/>
+                </a:cubicBezTo>
+                <a:cubicBezTo>
+                  <a:pt x="7023256" y="15160"/>
+                  <a:pt x="6898018" y="14824"/>
+                  <a:pt x="6648031" y="18288"/>
+                </a:cubicBezTo>
+                <a:cubicBezTo>
+                  <a:pt x="6398044" y="21752"/>
+                  <a:pt x="6254402" y="38625"/>
+                  <a:pt x="6078200" y="18288"/>
+                </a:cubicBezTo>
+                <a:cubicBezTo>
+                  <a:pt x="5901998" y="-2049"/>
+                  <a:pt x="5622886" y="3213"/>
+                  <a:pt x="5508368" y="18288"/>
+                </a:cubicBezTo>
+                <a:cubicBezTo>
+                  <a:pt x="5393850" y="33363"/>
+                  <a:pt x="5036260" y="26830"/>
+                  <a:pt x="4721459" y="18288"/>
+                </a:cubicBezTo>
+                <a:cubicBezTo>
+                  <a:pt x="4406658" y="9746"/>
+                  <a:pt x="4239221" y="41551"/>
+                  <a:pt x="4043088" y="18288"/>
+                </a:cubicBezTo>
+                <a:cubicBezTo>
+                  <a:pt x="3846955" y="-4975"/>
+                  <a:pt x="3818802" y="34658"/>
+                  <a:pt x="3690336" y="18288"/>
+                </a:cubicBezTo>
+                <a:cubicBezTo>
+                  <a:pt x="3561870" y="1918"/>
+                  <a:pt x="3265491" y="42194"/>
+                  <a:pt x="3120504" y="18288"/>
+                </a:cubicBezTo>
+                <a:cubicBezTo>
+                  <a:pt x="2975517" y="-5618"/>
+                  <a:pt x="2720254" y="36673"/>
+                  <a:pt x="2333595" y="18288"/>
+                </a:cubicBezTo>
+                <a:cubicBezTo>
+                  <a:pt x="1946936" y="-97"/>
+                  <a:pt x="2097241" y="5776"/>
+                  <a:pt x="1872303" y="18288"/>
+                </a:cubicBezTo>
+                <a:cubicBezTo>
+                  <a:pt x="1647365" y="30800"/>
+                  <a:pt x="1282708" y="45380"/>
+                  <a:pt x="976854" y="18288"/>
+                </a:cubicBezTo>
+                <a:cubicBezTo>
+                  <a:pt x="671000" y="-8804"/>
+                  <a:pt x="408401" y="-12775"/>
+                  <a:pt x="0" y="18288"/>
+                </a:cubicBezTo>
+                <a:cubicBezTo>
+                  <a:pt x="-213" y="9468"/>
+                  <a:pt x="187" y="4459"/>
+                  <a:pt x="0" y="0"/>
+                </a:cubicBezTo>
+                <a:close/>
+              </a:path>
+              <a:path w="10853928" h="18288" stroke="0" extrusionOk="0">
+                <a:moveTo>
+                  <a:pt x="0" y="0"/>
+                </a:moveTo>
+                <a:cubicBezTo>
+                  <a:pt x="267322" y="15284"/>
+                  <a:pt x="415388" y="-21048"/>
+                  <a:pt x="569831" y="0"/>
+                </a:cubicBezTo>
+                <a:cubicBezTo>
+                  <a:pt x="724274" y="21048"/>
+                  <a:pt x="769333" y="-2353"/>
+                  <a:pt x="922584" y="0"/>
+                </a:cubicBezTo>
+                <a:cubicBezTo>
+                  <a:pt x="1075835" y="2353"/>
+                  <a:pt x="1399490" y="-145"/>
+                  <a:pt x="1818033" y="0"/>
+                </a:cubicBezTo>
+                <a:cubicBezTo>
+                  <a:pt x="2236576" y="145"/>
+                  <a:pt x="2145330" y="5482"/>
+                  <a:pt x="2387864" y="0"/>
+                </a:cubicBezTo>
+                <a:cubicBezTo>
+                  <a:pt x="2630398" y="-5482"/>
+                  <a:pt x="2793207" y="18487"/>
+                  <a:pt x="2957695" y="0"/>
+                </a:cubicBezTo>
+                <a:cubicBezTo>
+                  <a:pt x="3122183" y="-18487"/>
+                  <a:pt x="3579141" y="19003"/>
+                  <a:pt x="3853144" y="0"/>
+                </a:cubicBezTo>
+                <a:cubicBezTo>
+                  <a:pt x="4127147" y="-19003"/>
+                  <a:pt x="4209857" y="12211"/>
+                  <a:pt x="4314436" y="0"/>
+                </a:cubicBezTo>
+                <a:cubicBezTo>
+                  <a:pt x="4419015" y="-12211"/>
+                  <a:pt x="4762459" y="-17220"/>
+                  <a:pt x="5209885" y="0"/>
+                </a:cubicBezTo>
+                <a:cubicBezTo>
+                  <a:pt x="5657311" y="17220"/>
+                  <a:pt x="5692663" y="-3290"/>
+                  <a:pt x="6105335" y="0"/>
+                </a:cubicBezTo>
+                <a:cubicBezTo>
+                  <a:pt x="6518007" y="3290"/>
+                  <a:pt x="6455516" y="-5124"/>
+                  <a:pt x="6783705" y="0"/>
+                </a:cubicBezTo>
+                <a:cubicBezTo>
+                  <a:pt x="7111894" y="5124"/>
+                  <a:pt x="7441941" y="-17829"/>
+                  <a:pt x="7679154" y="0"/>
+                </a:cubicBezTo>
+                <a:cubicBezTo>
+                  <a:pt x="7916367" y="17829"/>
+                  <a:pt x="8102967" y="-24363"/>
+                  <a:pt x="8248985" y="0"/>
+                </a:cubicBezTo>
+                <a:cubicBezTo>
+                  <a:pt x="8395003" y="24363"/>
+                  <a:pt x="8552393" y="25505"/>
+                  <a:pt x="8818817" y="0"/>
+                </a:cubicBezTo>
+                <a:cubicBezTo>
+                  <a:pt x="9085241" y="-25505"/>
+                  <a:pt x="9411308" y="38000"/>
+                  <a:pt x="9605726" y="0"/>
+                </a:cubicBezTo>
+                <a:cubicBezTo>
+                  <a:pt x="9800144" y="-38000"/>
+                  <a:pt x="10006468" y="-25741"/>
+                  <a:pt x="10175558" y="0"/>
+                </a:cubicBezTo>
+                <a:cubicBezTo>
+                  <a:pt x="10344648" y="25741"/>
+                  <a:pt x="10696282" y="695"/>
+                  <a:pt x="10853928" y="0"/>
+                </a:cubicBezTo>
+                <a:cubicBezTo>
+                  <a:pt x="10853521" y="8690"/>
+                  <a:pt x="10853774" y="14141"/>
+                  <a:pt x="10853928" y="18288"/>
+                </a:cubicBezTo>
+                <a:cubicBezTo>
+                  <a:pt x="10608124" y="24255"/>
+                  <a:pt x="10343415" y="22307"/>
+                  <a:pt x="10067018" y="18288"/>
+                </a:cubicBezTo>
+                <a:cubicBezTo>
+                  <a:pt x="9790621" y="14270"/>
+                  <a:pt x="9843266" y="3564"/>
+                  <a:pt x="9714266" y="18288"/>
+                </a:cubicBezTo>
+                <a:cubicBezTo>
+                  <a:pt x="9585266" y="33012"/>
+                  <a:pt x="9379484" y="1875"/>
+                  <a:pt x="9252974" y="18288"/>
+                </a:cubicBezTo>
+                <a:cubicBezTo>
+                  <a:pt x="9126464" y="34701"/>
+                  <a:pt x="8580678" y="-4904"/>
+                  <a:pt x="8357525" y="18288"/>
+                </a:cubicBezTo>
+                <a:cubicBezTo>
+                  <a:pt x="8134372" y="41480"/>
+                  <a:pt x="7903199" y="26458"/>
+                  <a:pt x="7679154" y="18288"/>
+                </a:cubicBezTo>
+                <a:cubicBezTo>
+                  <a:pt x="7455109" y="10118"/>
+                  <a:pt x="7435944" y="27109"/>
+                  <a:pt x="7217862" y="18288"/>
+                </a:cubicBezTo>
+                <a:cubicBezTo>
+                  <a:pt x="6999780" y="9467"/>
+                  <a:pt x="6680409" y="18985"/>
+                  <a:pt x="6539492" y="18288"/>
+                </a:cubicBezTo>
+                <a:cubicBezTo>
+                  <a:pt x="6398575" y="17592"/>
+                  <a:pt x="6312077" y="33018"/>
+                  <a:pt x="6186739" y="18288"/>
+                </a:cubicBezTo>
+                <a:cubicBezTo>
+                  <a:pt x="6061401" y="3558"/>
+                  <a:pt x="5947033" y="12075"/>
+                  <a:pt x="5833986" y="18288"/>
+                </a:cubicBezTo>
+                <a:cubicBezTo>
+                  <a:pt x="5720939" y="24501"/>
+                  <a:pt x="5482226" y="8586"/>
+                  <a:pt x="5155616" y="18288"/>
+                </a:cubicBezTo>
+                <a:cubicBezTo>
+                  <a:pt x="4829006" y="27991"/>
+                  <a:pt x="4841274" y="29316"/>
+                  <a:pt x="4694324" y="18288"/>
+                </a:cubicBezTo>
+                <a:cubicBezTo>
+                  <a:pt x="4547374" y="7260"/>
+                  <a:pt x="4077675" y="7013"/>
+                  <a:pt x="3907414" y="18288"/>
+                </a:cubicBezTo>
+                <a:cubicBezTo>
+                  <a:pt x="3737153" y="29564"/>
+                  <a:pt x="3538393" y="21630"/>
+                  <a:pt x="3446122" y="18288"/>
+                </a:cubicBezTo>
+                <a:cubicBezTo>
+                  <a:pt x="3353851" y="14946"/>
+                  <a:pt x="2990320" y="-8091"/>
+                  <a:pt x="2659212" y="18288"/>
+                </a:cubicBezTo>
+                <a:cubicBezTo>
+                  <a:pt x="2328104" y="44667"/>
+                  <a:pt x="2427653" y="9607"/>
+                  <a:pt x="2306460" y="18288"/>
+                </a:cubicBezTo>
+                <a:cubicBezTo>
+                  <a:pt x="2185267" y="26969"/>
+                  <a:pt x="1719763" y="3717"/>
+                  <a:pt x="1519550" y="18288"/>
+                </a:cubicBezTo>
+                <a:cubicBezTo>
+                  <a:pt x="1319337" y="32860"/>
+                  <a:pt x="1167371" y="17040"/>
+                  <a:pt x="1058258" y="18288"/>
+                </a:cubicBezTo>
+                <a:cubicBezTo>
+                  <a:pt x="949145" y="19536"/>
+                  <a:pt x="780234" y="31447"/>
+                  <a:pt x="705505" y="18288"/>
+                </a:cubicBezTo>
+                <a:cubicBezTo>
+                  <a:pt x="630776" y="5129"/>
+                  <a:pt x="215796" y="30056"/>
+                  <a:pt x="0" y="18288"/>
+                </a:cubicBezTo>
+                <a:cubicBezTo>
+                  <a:pt x="-53" y="11301"/>
+                  <a:pt x="-649" y="7756"/>
+                  <a:pt x="0" y="0"/>
+                </a:cubicBezTo>
+                <a:close/>
+              </a:path>
+            </a:pathLst>
+          </a:custGeom>
+          <a:solidFill>
+            <a:schemeClr val="accent2"/>
+          </a:solidFill>
+          <a:ln w="41275" cap="rnd">
+            <a:solidFill>
+              <a:schemeClr val="accent2"/>
+            </a:solidFill>
+            <a:round/>
+            <a:extLst>
+              <a:ext uri="{C807C97D-BFC1-408E-A445-0C87EB9F89A2}">
+                <ask:lineSketchStyleProps xmlns:ask="http://schemas.microsoft.com/office/drawing/2018/sketchyshapes" sd="1219033472">
+                  <a:prstGeom prst="rect">
+                    <a:avLst/>
+                  </a:prstGeom>
+                  <ask:type>
+                    <ask:lineSketchFreehand/>
+                  </ask:type>
+                </ask:lineSketchStyleProps>
+              </a:ext>
+            </a:extLst>
+          </a:ln>
+        </p:spPr>
+        <p:style>
+          <a:lnRef idx="2">
+            <a:schemeClr val="accent1">
+              <a:shade val="50000"/>
+            </a:schemeClr>
+          </a:lnRef>
+          <a:fillRef idx="1">
+            <a:schemeClr val="accent1"/>
+          </a:fillRef>
+          <a:effectRef idx="0">
+            <a:schemeClr val="accent1"/>
+          </a:effectRef>
+          <a:fontRef idx="minor">
+            <a:schemeClr val="lt1"/>
+          </a:fontRef>
+        </p:style>
+        <p:txBody>
+          <a:bodyPr rtlCol="0" anchor="ctr"/>
+          <a:lstStyle/>
+          <a:p>
+            <a:pPr algn="ctr"/>
+            <a:endParaRPr lang="en-US"/>
+          </a:p>
+        </p:txBody>
+      </p:sp>
+      <p:sp>
+        <p:nvSpPr>
+          <p:cNvPr id="3" name="Content Placeholder 2">
+            <a:extLst>
+              <a:ext uri="{FF2B5EF4-FFF2-40B4-BE49-F238E27FC236}">
+                <a16:creationId xmlns:a16="http://schemas.microsoft.com/office/drawing/2014/main" id="{668E03B2-9982-C386-7A53-9B117495C946}"/>
+              </a:ext>
+            </a:extLst>
+          </p:cNvPr>
+          <p:cNvSpPr>
+            <a:spLocks noGrp="1"/>
+          </p:cNvSpPr>
+          <p:nvPr>
+            <p:ph idx="1"/>
+          </p:nvPr>
+        </p:nvSpPr>
+        <p:spPr>
+          <a:xfrm>
+            <a:off x="838200" y="1929384"/>
+            <a:ext cx="10515600" cy="4251960"/>
+          </a:xfrm>
+        </p:spPr>
+        <p:txBody>
+          <a:bodyPr>
+            <a:normAutofit/>
+          </a:bodyPr>
+          <a:lstStyle/>
+          <a:p>
+            <a:r>
+              <a:rPr lang="en-GB" sz="1500" b="1" i="0" dirty="0">
+                <a:effectLst/>
+                <a:highlight>
+                  <a:srgbClr val="FFFF00"/>
+                </a:highlight>
+              </a:rPr>
+              <a:t>AWS Application Migration Service (MGN) is a highly automated lift-and-shift (rehost) solution that simplifies, expedites, and reduces the cost of migrating applications to AWS. </a:t>
+            </a:r>
+          </a:p>
+          <a:p>
+            <a:r>
+              <a:rPr lang="en-GB" sz="1500" b="0" i="0" dirty="0">
+                <a:effectLst/>
+              </a:rPr>
+              <a:t>It allows companies to lift-and-shift a large number of physical, virtual, or cloud servers without compatibility issues, performance disruption, or long cutover windows. </a:t>
+            </a:r>
+          </a:p>
+          <a:p>
+            <a:r>
+              <a:rPr lang="en-GB" sz="1500" b="0" i="0" dirty="0">
+                <a:effectLst/>
+              </a:rPr>
+              <a:t>MGN replicates source servers into your AWS account. </a:t>
+            </a:r>
+          </a:p>
+          <a:p>
+            <a:r>
+              <a:rPr lang="en-GB" sz="1500" b="0" i="0" dirty="0">
+                <a:effectLst/>
+              </a:rPr>
+              <a:t>When you’re ready, it automatically converts and launches your servers on AWS so you can quickly benefit from the cost savings, productivity, resilience, and agility of the Cloud. </a:t>
+            </a:r>
+          </a:p>
+          <a:p>
+            <a:r>
+              <a:rPr lang="en-GB" sz="1500" b="0" i="0" dirty="0">
+                <a:effectLst/>
+              </a:rPr>
+              <a:t>Once your applications are running on AWS, you can leverage AWS services and capabilities to quickly and easily </a:t>
+            </a:r>
+            <a:r>
+              <a:rPr lang="en-GB" sz="1500" b="0" i="0" dirty="0" err="1">
+                <a:effectLst/>
+              </a:rPr>
+              <a:t>replatform</a:t>
+            </a:r>
+            <a:r>
+              <a:rPr lang="en-GB" sz="1500" b="0" i="0" dirty="0">
+                <a:effectLst/>
+              </a:rPr>
+              <a:t> or refactor those applications – which makes lift-and-shift a fast route to modernization.</a:t>
+            </a:r>
+          </a:p>
+          <a:p>
+            <a:r>
+              <a:rPr lang="en-GB" sz="1500" b="0" i="0" dirty="0">
+                <a:effectLst/>
+              </a:rPr>
+              <a:t>Originally </a:t>
+            </a:r>
+            <a:r>
+              <a:rPr lang="en-GB" sz="1500" b="0" i="0" dirty="0" err="1">
+                <a:effectLst/>
+              </a:rPr>
+              <a:t>CloudEndure</a:t>
+            </a:r>
+            <a:r>
+              <a:rPr lang="en-GB" sz="1500" b="0" i="0" dirty="0">
+                <a:effectLst/>
+              </a:rPr>
+              <a:t> or Server Migration Service was migration tools to replicate the servers from on-prem or other clouds to AWS.</a:t>
+            </a:r>
+          </a:p>
+          <a:p>
+            <a:r>
+              <a:rPr lang="en-GB" sz="1500" b="0" i="0" dirty="0">
+                <a:effectLst/>
+              </a:rPr>
+              <a:t>In 2019 AWS acquired </a:t>
+            </a:r>
+            <a:r>
+              <a:rPr lang="en-GB" sz="1500" dirty="0" err="1"/>
+              <a:t>C</a:t>
+            </a:r>
+            <a:r>
+              <a:rPr lang="en-GB" sz="1500" b="0" i="0" dirty="0" err="1">
+                <a:effectLst/>
+              </a:rPr>
+              <a:t>loudEndure</a:t>
+            </a:r>
+            <a:r>
+              <a:rPr lang="en-GB" sz="1500" b="0" i="0" dirty="0">
+                <a:effectLst/>
+              </a:rPr>
+              <a:t> and in march 2022 AWS introduce Application Migration service which is became primary migration service for lift-and-shift migration to AWS.</a:t>
+            </a:r>
+          </a:p>
+          <a:p>
+            <a:r>
+              <a:rPr lang="en-GB" sz="1500" b="0" i="0" dirty="0">
+                <a:effectLst/>
+              </a:rPr>
+              <a:t>AWS MGN enables the customers to migrate their applications to AWS with minimal downtime and without having to make any changes to the applications and the source servers.</a:t>
+            </a:r>
+          </a:p>
+          <a:p>
+            <a:endParaRPr lang="en-CH" sz="1500" dirty="0"/>
+          </a:p>
+        </p:txBody>
+      </p:sp>
+    </p:spTree>
+    <p:extLst>
+      <p:ext uri="{BB962C8B-B14F-4D97-AF65-F5344CB8AC3E}">
+        <p14:creationId xmlns:p14="http://schemas.microsoft.com/office/powerpoint/2010/main" val="1301999256"/>
+      </p:ext>
+    </p:extLst>
+  </p:cSld>
+  <p:clrMapOvr>
+    <a:masterClrMapping/>
+  </p:clrMapOvr>
+</p:sld>
+</file>
+
+<file path=ppt/slides/slide3.xml><?xml version="1.0" encoding="utf-8"?>
 <p:sld xmlns:a="http://schemas.openxmlformats.org/drawingml/2006/main" xmlns:r="http://schemas.openxmlformats.org/officeDocument/2006/relationships" xmlns:p="http://schemas.openxmlformats.org/presentationml/2006/main">
   <p:cSld>
     <p:bg>
@@ -6601,7 +7520,7 @@
 </p:sld>
 </file>
 
-<file path=ppt/slides/slide3.xml><?xml version="1.0" encoding="utf-8"?>
+<file path=ppt/slides/slide4.xml><?xml version="1.0" encoding="utf-8"?>
 <p:sld xmlns:a="http://schemas.openxmlformats.org/drawingml/2006/main" xmlns:r="http://schemas.openxmlformats.org/officeDocument/2006/relationships" xmlns:p="http://schemas.openxmlformats.org/presentationml/2006/main">
   <p:cSld>
     <p:bg>
@@ -6628,10 +7547,10 @@
       </p:grpSpPr>
       <p:sp useBgFill="1">
         <p:nvSpPr>
-          <p:cNvPr id="19" name="Rectangle 18">
+          <p:cNvPr id="8" name="Rectangle 7">
             <a:extLst>
               <a:ext uri="{FF2B5EF4-FFF2-40B4-BE49-F238E27FC236}">
-                <a16:creationId xmlns:a16="http://schemas.microsoft.com/office/drawing/2014/main" id="{C4879EFC-8E62-4E00-973C-C45EE9EC676D}"/>
+                <a16:creationId xmlns:a16="http://schemas.microsoft.com/office/drawing/2014/main" id="{100EDD19-6802-4EC3-95CE-CFFAB042CFD6}"/>
               </a:ext>
               <a:ext uri="{C183D7F6-B498-43B3-948B-1728B52AA6E4}">
                 <adec:decorative xmlns:adec="http://schemas.microsoft.com/office/drawing/2017/decorative" val="1"/>
@@ -6691,7 +7610,7 @@
           <p:cNvPr id="2" name="Title 1">
             <a:extLst>
               <a:ext uri="{FF2B5EF4-FFF2-40B4-BE49-F238E27FC236}">
-                <a16:creationId xmlns:a16="http://schemas.microsoft.com/office/drawing/2014/main" id="{3DC2D6B8-DD22-0DE0-2C43-CCD64857FB2B}"/>
+                <a16:creationId xmlns:a16="http://schemas.microsoft.com/office/drawing/2014/main" id="{36BE02D8-75CA-D479-F30F-7B072E6A8ACE}"/>
               </a:ext>
             </a:extLst>
           </p:cNvPr>
@@ -6704,133 +7623,35 @@
         </p:nvSpPr>
         <p:spPr>
           <a:xfrm>
-            <a:off x="638881" y="457200"/>
-            <a:ext cx="10909640" cy="1368614"/>
+            <a:off x="838200" y="365125"/>
+            <a:ext cx="10515600" cy="1325563"/>
           </a:xfrm>
         </p:spPr>
         <p:txBody>
-          <a:bodyPr vert="horz" lIns="91440" tIns="45720" rIns="91440" bIns="45720" rtlCol="0" anchor="ctr">
+          <a:bodyPr>
             <a:normAutofit/>
           </a:bodyPr>
           <a:lstStyle/>
           <a:p>
-            <a:pPr algn="ctr"/>
-            <a:r>
-              <a:rPr lang="en-US" sz="4600" b="0" i="0" dirty="0">
+            <a:r>
+              <a:rPr lang="en-GB" sz="5400" b="0" i="0" dirty="0">
                 <a:effectLst/>
+                <a:latin typeface="+mn-lt"/>
               </a:rPr>
-              <a:t>AWS Application Migration Service </a:t>
-            </a:r>
-            <a:r>
-              <a:rPr lang="en-US" sz="4600" i="0" u="none" strike="noStrike" dirty="0">
-                <a:effectLst/>
-              </a:rPr>
-              <a:t>Use cases</a:t>
-            </a:r>
-            <a:endParaRPr lang="en-US" sz="4600" dirty="0"/>
+              <a:t>AWS Application Migration Service</a:t>
+            </a:r>
+            <a:endParaRPr lang="en-CH" sz="5400" dirty="0">
+              <a:latin typeface="+mn-lt"/>
+            </a:endParaRPr>
           </a:p>
         </p:txBody>
       </p:sp>
       <p:sp>
         <p:nvSpPr>
-          <p:cNvPr id="10" name="TextBox 9">
+          <p:cNvPr id="10" name="sketch line">
             <a:extLst>
               <a:ext uri="{FF2B5EF4-FFF2-40B4-BE49-F238E27FC236}">
-                <a16:creationId xmlns:a16="http://schemas.microsoft.com/office/drawing/2014/main" id="{27C7B7A7-F29E-179C-C729-7BB980CCF8F5}"/>
-              </a:ext>
-            </a:extLst>
-          </p:cNvPr>
-          <p:cNvSpPr txBox="1"/>
-          <p:nvPr/>
-        </p:nvSpPr>
-        <p:spPr>
-          <a:xfrm>
-            <a:off x="4589826" y="2187410"/>
-            <a:ext cx="3291839" cy="3276638"/>
-          </a:xfrm>
-          <a:prstGeom prst="rect">
-            <a:avLst/>
-          </a:prstGeom>
-        </p:spPr>
-        <p:txBody>
-          <a:bodyPr vert="horz" lIns="91440" tIns="45720" rIns="91440" bIns="45720" rtlCol="0" anchor="ctr">
-            <a:noAutofit/>
-          </a:bodyPr>
-          <a:lstStyle/>
-          <a:p>
-            <a:pPr algn="ctr">
-              <a:lnSpc>
-                <a:spcPct val="90000"/>
-              </a:lnSpc>
-              <a:spcBef>
-                <a:spcPts val="1000"/>
-              </a:spcBef>
-            </a:pPr>
-            <a:r>
-              <a:rPr lang="en-US" b="1" i="0" dirty="0">
-                <a:effectLst/>
-                <a:highlight>
-                  <a:srgbClr val="FFFF00"/>
-                </a:highlight>
-              </a:rPr>
-              <a:t>Cross-cloud migration</a:t>
-            </a:r>
-          </a:p>
-          <a:p>
-            <a:pPr algn="ctr">
-              <a:lnSpc>
-                <a:spcPct val="90000"/>
-              </a:lnSpc>
-              <a:spcBef>
-                <a:spcPts val="1000"/>
-              </a:spcBef>
-            </a:pPr>
-            <a:endParaRPr lang="en-US" b="0" i="0" dirty="0">
-              <a:effectLst/>
-            </a:endParaRPr>
-          </a:p>
-          <a:p>
-            <a:pPr algn="ctr">
-              <a:lnSpc>
-                <a:spcPct val="90000"/>
-              </a:lnSpc>
-              <a:spcBef>
-                <a:spcPts val="1000"/>
-              </a:spcBef>
-            </a:pPr>
-            <a:r>
-              <a:rPr lang="en-US" b="0" i="0" dirty="0">
-                <a:effectLst/>
-              </a:rPr>
-              <a:t>Easily migrate workloads running on another public or private cloud to AWS. AWS Application Migration Service automatically converts your cloud-based servers to run natively on AWS as EC2 instances.</a:t>
-            </a:r>
-          </a:p>
-          <a:p>
-            <a:pPr algn="ctr">
-              <a:lnSpc>
-                <a:spcPct val="90000"/>
-              </a:lnSpc>
-              <a:spcBef>
-                <a:spcPts val="1000"/>
-              </a:spcBef>
-            </a:pPr>
-            <a:br>
-              <a:rPr lang="en-US" b="0" i="0" dirty="0">
-                <a:effectLst/>
-              </a:rPr>
-            </a:br>
-            <a:endParaRPr lang="en-US" b="0" i="0" dirty="0">
-              <a:effectLst/>
-            </a:endParaRPr>
-          </a:p>
-        </p:txBody>
-      </p:sp>
-      <p:sp>
-        <p:nvSpPr>
-          <p:cNvPr id="21" name="sketch line">
-            <a:extLst>
-              <a:ext uri="{FF2B5EF4-FFF2-40B4-BE49-F238E27FC236}">
-                <a16:creationId xmlns:a16="http://schemas.microsoft.com/office/drawing/2014/main" id="{D6A9C53F-5F90-40A5-8C85-5412D39C8C68}"/>
+                <a16:creationId xmlns:a16="http://schemas.microsoft.com/office/drawing/2014/main" id="{DB17E863-922E-4C26-BD64-E8FD41D28661}"/>
               </a:ext>
               <a:ext uri="{C183D7F6-B498-43B3-948B-1728B52AA6E4}">
                 <adec:decorative xmlns:adec="http://schemas.microsoft.com/office/drawing/2017/decorative" val="1"/>
@@ -6850,38 +7671,84 @@
         </p:nvSpPr>
         <p:spPr>
           <a:xfrm>
-            <a:off x="4450080" y="1850683"/>
-            <a:ext cx="3291840" cy="18288"/>
+            <a:off x="669036" y="1677373"/>
+            <a:ext cx="10853928" cy="18288"/>
           </a:xfrm>
           <a:custGeom>
             <a:avLst/>
             <a:gdLst>
-              <a:gd name="connsiteX0" fmla="*/ 0 w 3291840"/>
+              <a:gd name="connsiteX0" fmla="*/ 0 w 10853928"/>
               <a:gd name="connsiteY0" fmla="*/ 0 h 18288"/>
-              <a:gd name="connsiteX1" fmla="*/ 658368 w 3291840"/>
+              <a:gd name="connsiteX1" fmla="*/ 461292 w 10853928"/>
               <a:gd name="connsiteY1" fmla="*/ 0 h 18288"/>
-              <a:gd name="connsiteX2" fmla="*/ 1283818 w 3291840"/>
+              <a:gd name="connsiteX2" fmla="*/ 1139662 w 10853928"/>
               <a:gd name="connsiteY2" fmla="*/ 0 h 18288"/>
-              <a:gd name="connsiteX3" fmla="*/ 1909267 w 3291840"/>
+              <a:gd name="connsiteX3" fmla="*/ 1926572 w 10853928"/>
               <a:gd name="connsiteY3" fmla="*/ 0 h 18288"/>
-              <a:gd name="connsiteX4" fmla="*/ 2633472 w 3291840"/>
+              <a:gd name="connsiteX4" fmla="*/ 2279325 w 10853928"/>
               <a:gd name="connsiteY4" fmla="*/ 0 h 18288"/>
-              <a:gd name="connsiteX5" fmla="*/ 3291840 w 3291840"/>
+              <a:gd name="connsiteX5" fmla="*/ 2632078 w 10853928"/>
               <a:gd name="connsiteY5" fmla="*/ 0 h 18288"/>
-              <a:gd name="connsiteX6" fmla="*/ 3291840 w 3291840"/>
-              <a:gd name="connsiteY6" fmla="*/ 18288 h 18288"/>
-              <a:gd name="connsiteX7" fmla="*/ 2633472 w 3291840"/>
-              <a:gd name="connsiteY7" fmla="*/ 18288 h 18288"/>
-              <a:gd name="connsiteX8" fmla="*/ 2073859 w 3291840"/>
-              <a:gd name="connsiteY8" fmla="*/ 18288 h 18288"/>
-              <a:gd name="connsiteX9" fmla="*/ 1448410 w 3291840"/>
-              <a:gd name="connsiteY9" fmla="*/ 18288 h 18288"/>
-              <a:gd name="connsiteX10" fmla="*/ 822960 w 3291840"/>
-              <a:gd name="connsiteY10" fmla="*/ 18288 h 18288"/>
-              <a:gd name="connsiteX11" fmla="*/ 0 w 3291840"/>
-              <a:gd name="connsiteY11" fmla="*/ 18288 h 18288"/>
-              <a:gd name="connsiteX12" fmla="*/ 0 w 3291840"/>
+              <a:gd name="connsiteX6" fmla="*/ 3527527 w 10853928"/>
+              <a:gd name="connsiteY6" fmla="*/ 0 h 18288"/>
+              <a:gd name="connsiteX7" fmla="*/ 4205897 w 10853928"/>
+              <a:gd name="connsiteY7" fmla="*/ 0 h 18288"/>
+              <a:gd name="connsiteX8" fmla="*/ 4558650 w 10853928"/>
+              <a:gd name="connsiteY8" fmla="*/ 0 h 18288"/>
+              <a:gd name="connsiteX9" fmla="*/ 5237020 w 10853928"/>
+              <a:gd name="connsiteY9" fmla="*/ 0 h 18288"/>
+              <a:gd name="connsiteX10" fmla="*/ 6132469 w 10853928"/>
+              <a:gd name="connsiteY10" fmla="*/ 0 h 18288"/>
+              <a:gd name="connsiteX11" fmla="*/ 6702301 w 10853928"/>
+              <a:gd name="connsiteY11" fmla="*/ 0 h 18288"/>
+              <a:gd name="connsiteX12" fmla="*/ 7272132 w 10853928"/>
               <a:gd name="connsiteY12" fmla="*/ 0 h 18288"/>
+              <a:gd name="connsiteX13" fmla="*/ 7950502 w 10853928"/>
+              <a:gd name="connsiteY13" fmla="*/ 0 h 18288"/>
+              <a:gd name="connsiteX14" fmla="*/ 8737412 w 10853928"/>
+              <a:gd name="connsiteY14" fmla="*/ 0 h 18288"/>
+              <a:gd name="connsiteX15" fmla="*/ 9524322 w 10853928"/>
+              <a:gd name="connsiteY15" fmla="*/ 0 h 18288"/>
+              <a:gd name="connsiteX16" fmla="*/ 10853928 w 10853928"/>
+              <a:gd name="connsiteY16" fmla="*/ 0 h 18288"/>
+              <a:gd name="connsiteX17" fmla="*/ 10853928 w 10853928"/>
+              <a:gd name="connsiteY17" fmla="*/ 18288 h 18288"/>
+              <a:gd name="connsiteX18" fmla="*/ 10392636 w 10853928"/>
+              <a:gd name="connsiteY18" fmla="*/ 18288 h 18288"/>
+              <a:gd name="connsiteX19" fmla="*/ 9497187 w 10853928"/>
+              <a:gd name="connsiteY19" fmla="*/ 18288 h 18288"/>
+              <a:gd name="connsiteX20" fmla="*/ 8818817 w 10853928"/>
+              <a:gd name="connsiteY20" fmla="*/ 18288 h 18288"/>
+              <a:gd name="connsiteX21" fmla="*/ 8466064 w 10853928"/>
+              <a:gd name="connsiteY21" fmla="*/ 18288 h 18288"/>
+              <a:gd name="connsiteX22" fmla="*/ 7787693 w 10853928"/>
+              <a:gd name="connsiteY22" fmla="*/ 18288 h 18288"/>
+              <a:gd name="connsiteX23" fmla="*/ 7217862 w 10853928"/>
+              <a:gd name="connsiteY23" fmla="*/ 18288 h 18288"/>
+              <a:gd name="connsiteX24" fmla="*/ 6648031 w 10853928"/>
+              <a:gd name="connsiteY24" fmla="*/ 18288 h 18288"/>
+              <a:gd name="connsiteX25" fmla="*/ 6078200 w 10853928"/>
+              <a:gd name="connsiteY25" fmla="*/ 18288 h 18288"/>
+              <a:gd name="connsiteX26" fmla="*/ 5508368 w 10853928"/>
+              <a:gd name="connsiteY26" fmla="*/ 18288 h 18288"/>
+              <a:gd name="connsiteX27" fmla="*/ 4721459 w 10853928"/>
+              <a:gd name="connsiteY27" fmla="*/ 18288 h 18288"/>
+              <a:gd name="connsiteX28" fmla="*/ 4043088 w 10853928"/>
+              <a:gd name="connsiteY28" fmla="*/ 18288 h 18288"/>
+              <a:gd name="connsiteX29" fmla="*/ 3690336 w 10853928"/>
+              <a:gd name="connsiteY29" fmla="*/ 18288 h 18288"/>
+              <a:gd name="connsiteX30" fmla="*/ 3120504 w 10853928"/>
+              <a:gd name="connsiteY30" fmla="*/ 18288 h 18288"/>
+              <a:gd name="connsiteX31" fmla="*/ 2333595 w 10853928"/>
+              <a:gd name="connsiteY31" fmla="*/ 18288 h 18288"/>
+              <a:gd name="connsiteX32" fmla="*/ 1872303 w 10853928"/>
+              <a:gd name="connsiteY32" fmla="*/ 18288 h 18288"/>
+              <a:gd name="connsiteX33" fmla="*/ 976854 w 10853928"/>
+              <a:gd name="connsiteY33" fmla="*/ 18288 h 18288"/>
+              <a:gd name="connsiteX34" fmla="*/ 0 w 10853928"/>
+              <a:gd name="connsiteY34" fmla="*/ 18288 h 18288"/>
+              <a:gd name="connsiteX35" fmla="*/ 0 w 10853928"/>
+              <a:gd name="connsiteY35" fmla="*/ 0 h 18288"/>
             </a:gdLst>
             <a:ahLst/>
             <a:cxnLst>
@@ -6924,137 +7791,446 @@
               <a:cxn ang="0">
                 <a:pos x="connsiteX12" y="connsiteY12"/>
               </a:cxn>
+              <a:cxn ang="0">
+                <a:pos x="connsiteX13" y="connsiteY13"/>
+              </a:cxn>
+              <a:cxn ang="0">
+                <a:pos x="connsiteX14" y="connsiteY14"/>
+              </a:cxn>
+              <a:cxn ang="0">
+                <a:pos x="connsiteX15" y="connsiteY15"/>
+              </a:cxn>
+              <a:cxn ang="0">
+                <a:pos x="connsiteX16" y="connsiteY16"/>
+              </a:cxn>
+              <a:cxn ang="0">
+                <a:pos x="connsiteX17" y="connsiteY17"/>
+              </a:cxn>
+              <a:cxn ang="0">
+                <a:pos x="connsiteX18" y="connsiteY18"/>
+              </a:cxn>
+              <a:cxn ang="0">
+                <a:pos x="connsiteX19" y="connsiteY19"/>
+              </a:cxn>
+              <a:cxn ang="0">
+                <a:pos x="connsiteX20" y="connsiteY20"/>
+              </a:cxn>
+              <a:cxn ang="0">
+                <a:pos x="connsiteX21" y="connsiteY21"/>
+              </a:cxn>
+              <a:cxn ang="0">
+                <a:pos x="connsiteX22" y="connsiteY22"/>
+              </a:cxn>
+              <a:cxn ang="0">
+                <a:pos x="connsiteX23" y="connsiteY23"/>
+              </a:cxn>
+              <a:cxn ang="0">
+                <a:pos x="connsiteX24" y="connsiteY24"/>
+              </a:cxn>
+              <a:cxn ang="0">
+                <a:pos x="connsiteX25" y="connsiteY25"/>
+              </a:cxn>
+              <a:cxn ang="0">
+                <a:pos x="connsiteX26" y="connsiteY26"/>
+              </a:cxn>
+              <a:cxn ang="0">
+                <a:pos x="connsiteX27" y="connsiteY27"/>
+              </a:cxn>
+              <a:cxn ang="0">
+                <a:pos x="connsiteX28" y="connsiteY28"/>
+              </a:cxn>
+              <a:cxn ang="0">
+                <a:pos x="connsiteX29" y="connsiteY29"/>
+              </a:cxn>
+              <a:cxn ang="0">
+                <a:pos x="connsiteX30" y="connsiteY30"/>
+              </a:cxn>
+              <a:cxn ang="0">
+                <a:pos x="connsiteX31" y="connsiteY31"/>
+              </a:cxn>
+              <a:cxn ang="0">
+                <a:pos x="connsiteX32" y="connsiteY32"/>
+              </a:cxn>
+              <a:cxn ang="0">
+                <a:pos x="connsiteX33" y="connsiteY33"/>
+              </a:cxn>
+              <a:cxn ang="0">
+                <a:pos x="connsiteX34" y="connsiteY34"/>
+              </a:cxn>
+              <a:cxn ang="0">
+                <a:pos x="connsiteX35" y="connsiteY35"/>
+              </a:cxn>
             </a:cxnLst>
             <a:rect l="l" t="t" r="r" b="b"/>
             <a:pathLst>
-              <a:path w="3291840" h="18288" fill="none" extrusionOk="0">
+              <a:path w="10853928" h="18288" fill="none" extrusionOk="0">
                 <a:moveTo>
                   <a:pt x="0" y="0"/>
                 </a:moveTo>
                 <a:cubicBezTo>
-                  <a:pt x="173077" y="-20031"/>
-                  <a:pt x="443104" y="6424"/>
-                  <a:pt x="658368" y="0"/>
-                </a:cubicBezTo>
-                <a:cubicBezTo>
-                  <a:pt x="873632" y="-6424"/>
-                  <a:pt x="1034028" y="11764"/>
-                  <a:pt x="1283818" y="0"/>
-                </a:cubicBezTo>
-                <a:cubicBezTo>
-                  <a:pt x="1533608" y="-11764"/>
-                  <a:pt x="1691227" y="-30112"/>
-                  <a:pt x="1909267" y="0"/>
-                </a:cubicBezTo>
-                <a:cubicBezTo>
-                  <a:pt x="2127307" y="30112"/>
-                  <a:pt x="2272465" y="-18735"/>
-                  <a:pt x="2633472" y="0"/>
-                </a:cubicBezTo>
-                <a:cubicBezTo>
-                  <a:pt x="2994479" y="18735"/>
-                  <a:pt x="3023324" y="-32030"/>
-                  <a:pt x="3291840" y="0"/>
-                </a:cubicBezTo>
-                <a:cubicBezTo>
-                  <a:pt x="3291406" y="7551"/>
-                  <a:pt x="3291373" y="9822"/>
-                  <a:pt x="3291840" y="18288"/>
-                </a:cubicBezTo>
-                <a:cubicBezTo>
-                  <a:pt x="3048445" y="38989"/>
-                  <a:pt x="2846548" y="-14400"/>
-                  <a:pt x="2633472" y="18288"/>
-                </a:cubicBezTo>
-                <a:cubicBezTo>
-                  <a:pt x="2420396" y="50976"/>
-                  <a:pt x="2304099" y="6336"/>
-                  <a:pt x="2073859" y="18288"/>
-                </a:cubicBezTo>
-                <a:cubicBezTo>
-                  <a:pt x="1843619" y="30240"/>
-                  <a:pt x="1706926" y="10778"/>
-                  <a:pt x="1448410" y="18288"/>
-                </a:cubicBezTo>
-                <a:cubicBezTo>
-                  <a:pt x="1189894" y="25798"/>
-                  <a:pt x="1002278" y="8992"/>
-                  <a:pt x="822960" y="18288"/>
-                </a:cubicBezTo>
-                <a:cubicBezTo>
-                  <a:pt x="643642" y="27585"/>
-                  <a:pt x="307039" y="38051"/>
+                  <a:pt x="146993" y="-19076"/>
+                  <a:pt x="347684" y="-4790"/>
+                  <a:pt x="461292" y="0"/>
+                </a:cubicBezTo>
+                <a:cubicBezTo>
+                  <a:pt x="574900" y="4790"/>
+                  <a:pt x="808367" y="19821"/>
+                  <a:pt x="1139662" y="0"/>
+                </a:cubicBezTo>
+                <a:cubicBezTo>
+                  <a:pt x="1470957" y="-19821"/>
+                  <a:pt x="1627405" y="5721"/>
+                  <a:pt x="1926572" y="0"/>
+                </a:cubicBezTo>
+                <a:cubicBezTo>
+                  <a:pt x="2225739" y="-5721"/>
+                  <a:pt x="2137730" y="-3235"/>
+                  <a:pt x="2279325" y="0"/>
+                </a:cubicBezTo>
+                <a:cubicBezTo>
+                  <a:pt x="2420920" y="3235"/>
+                  <a:pt x="2456518" y="9685"/>
+                  <a:pt x="2632078" y="0"/>
+                </a:cubicBezTo>
+                <a:cubicBezTo>
+                  <a:pt x="2807638" y="-9685"/>
+                  <a:pt x="3211516" y="-43007"/>
+                  <a:pt x="3527527" y="0"/>
+                </a:cubicBezTo>
+                <a:cubicBezTo>
+                  <a:pt x="3843538" y="43007"/>
+                  <a:pt x="4058833" y="22042"/>
+                  <a:pt x="4205897" y="0"/>
+                </a:cubicBezTo>
+                <a:cubicBezTo>
+                  <a:pt x="4352961" y="-22042"/>
+                  <a:pt x="4474805" y="-11846"/>
+                  <a:pt x="4558650" y="0"/>
+                </a:cubicBezTo>
+                <a:cubicBezTo>
+                  <a:pt x="4642495" y="11846"/>
+                  <a:pt x="5041928" y="-6069"/>
+                  <a:pt x="5237020" y="0"/>
+                </a:cubicBezTo>
+                <a:cubicBezTo>
+                  <a:pt x="5432112" y="6069"/>
+                  <a:pt x="5943266" y="-17479"/>
+                  <a:pt x="6132469" y="0"/>
+                </a:cubicBezTo>
+                <a:cubicBezTo>
+                  <a:pt x="6321672" y="17479"/>
+                  <a:pt x="6483872" y="26234"/>
+                  <a:pt x="6702301" y="0"/>
+                </a:cubicBezTo>
+                <a:cubicBezTo>
+                  <a:pt x="6920730" y="-26234"/>
+                  <a:pt x="6991194" y="-15156"/>
+                  <a:pt x="7272132" y="0"/>
+                </a:cubicBezTo>
+                <a:cubicBezTo>
+                  <a:pt x="7553070" y="15156"/>
+                  <a:pt x="7684444" y="-32961"/>
+                  <a:pt x="7950502" y="0"/>
+                </a:cubicBezTo>
+                <a:cubicBezTo>
+                  <a:pt x="8216560" y="32961"/>
+                  <a:pt x="8493290" y="-10491"/>
+                  <a:pt x="8737412" y="0"/>
+                </a:cubicBezTo>
+                <a:cubicBezTo>
+                  <a:pt x="8981534" y="10491"/>
+                  <a:pt x="9191586" y="-13899"/>
+                  <a:pt x="9524322" y="0"/>
+                </a:cubicBezTo>
+                <a:cubicBezTo>
+                  <a:pt x="9857058" y="13899"/>
+                  <a:pt x="10297509" y="7485"/>
+                  <a:pt x="10853928" y="0"/>
+                </a:cubicBezTo>
+                <a:cubicBezTo>
+                  <a:pt x="10854574" y="4451"/>
+                  <a:pt x="10854418" y="9226"/>
+                  <a:pt x="10853928" y="18288"/>
+                </a:cubicBezTo>
+                <a:cubicBezTo>
+                  <a:pt x="10691638" y="28522"/>
+                  <a:pt x="10574319" y="29578"/>
+                  <a:pt x="10392636" y="18288"/>
+                </a:cubicBezTo>
+                <a:cubicBezTo>
+                  <a:pt x="10210953" y="6998"/>
+                  <a:pt x="9836277" y="-16742"/>
+                  <a:pt x="9497187" y="18288"/>
+                </a:cubicBezTo>
+                <a:cubicBezTo>
+                  <a:pt x="9158097" y="53318"/>
+                  <a:pt x="9119479" y="30714"/>
+                  <a:pt x="8818817" y="18288"/>
+                </a:cubicBezTo>
+                <a:cubicBezTo>
+                  <a:pt x="8518155" y="5863"/>
+                  <a:pt x="8640037" y="6483"/>
+                  <a:pt x="8466064" y="18288"/>
+                </a:cubicBezTo>
+                <a:cubicBezTo>
+                  <a:pt x="8292091" y="30093"/>
+                  <a:pt x="7997656" y="18914"/>
+                  <a:pt x="7787693" y="18288"/>
+                </a:cubicBezTo>
+                <a:cubicBezTo>
+                  <a:pt x="7577730" y="17662"/>
+                  <a:pt x="7412468" y="21416"/>
+                  <a:pt x="7217862" y="18288"/>
+                </a:cubicBezTo>
+                <a:cubicBezTo>
+                  <a:pt x="7023256" y="15160"/>
+                  <a:pt x="6898018" y="14824"/>
+                  <a:pt x="6648031" y="18288"/>
+                </a:cubicBezTo>
+                <a:cubicBezTo>
+                  <a:pt x="6398044" y="21752"/>
+                  <a:pt x="6254402" y="38625"/>
+                  <a:pt x="6078200" y="18288"/>
+                </a:cubicBezTo>
+                <a:cubicBezTo>
+                  <a:pt x="5901998" y="-2049"/>
+                  <a:pt x="5622886" y="3213"/>
+                  <a:pt x="5508368" y="18288"/>
+                </a:cubicBezTo>
+                <a:cubicBezTo>
+                  <a:pt x="5393850" y="33363"/>
+                  <a:pt x="5036260" y="26830"/>
+                  <a:pt x="4721459" y="18288"/>
+                </a:cubicBezTo>
+                <a:cubicBezTo>
+                  <a:pt x="4406658" y="9746"/>
+                  <a:pt x="4239221" y="41551"/>
+                  <a:pt x="4043088" y="18288"/>
+                </a:cubicBezTo>
+                <a:cubicBezTo>
+                  <a:pt x="3846955" y="-4975"/>
+                  <a:pt x="3818802" y="34658"/>
+                  <a:pt x="3690336" y="18288"/>
+                </a:cubicBezTo>
+                <a:cubicBezTo>
+                  <a:pt x="3561870" y="1918"/>
+                  <a:pt x="3265491" y="42194"/>
+                  <a:pt x="3120504" y="18288"/>
+                </a:cubicBezTo>
+                <a:cubicBezTo>
+                  <a:pt x="2975517" y="-5618"/>
+                  <a:pt x="2720254" y="36673"/>
+                  <a:pt x="2333595" y="18288"/>
+                </a:cubicBezTo>
+                <a:cubicBezTo>
+                  <a:pt x="1946936" y="-97"/>
+                  <a:pt x="2097241" y="5776"/>
+                  <a:pt x="1872303" y="18288"/>
+                </a:cubicBezTo>
+                <a:cubicBezTo>
+                  <a:pt x="1647365" y="30800"/>
+                  <a:pt x="1282708" y="45380"/>
+                  <a:pt x="976854" y="18288"/>
+                </a:cubicBezTo>
+                <a:cubicBezTo>
+                  <a:pt x="671000" y="-8804"/>
+                  <a:pt x="408401" y="-12775"/>
                   <a:pt x="0" y="18288"/>
                 </a:cubicBezTo>
                 <a:cubicBezTo>
-                  <a:pt x="60" y="11696"/>
-                  <a:pt x="66" y="3758"/>
+                  <a:pt x="-213" y="9468"/>
+                  <a:pt x="187" y="4459"/>
                   <a:pt x="0" y="0"/>
                 </a:cubicBezTo>
                 <a:close/>
               </a:path>
-              <a:path w="3291840" h="18288" stroke="0" extrusionOk="0">
+              <a:path w="10853928" h="18288" stroke="0" extrusionOk="0">
                 <a:moveTo>
                   <a:pt x="0" y="0"/>
                 </a:moveTo>
                 <a:cubicBezTo>
-                  <a:pt x="195850" y="28018"/>
-                  <a:pt x="434891" y="17390"/>
-                  <a:pt x="592531" y="0"/>
-                </a:cubicBezTo>
-                <a:cubicBezTo>
-                  <a:pt x="750171" y="-17390"/>
-                  <a:pt x="1018709" y="32200"/>
-                  <a:pt x="1316736" y="0"/>
-                </a:cubicBezTo>
-                <a:cubicBezTo>
-                  <a:pt x="1614763" y="-32200"/>
-                  <a:pt x="1696480" y="-11367"/>
-                  <a:pt x="1876349" y="0"/>
-                </a:cubicBezTo>
-                <a:cubicBezTo>
-                  <a:pt x="2056218" y="11367"/>
-                  <a:pt x="2193364" y="13433"/>
-                  <a:pt x="2435962" y="0"/>
-                </a:cubicBezTo>
-                <a:cubicBezTo>
-                  <a:pt x="2678560" y="-13433"/>
-                  <a:pt x="3010901" y="-42367"/>
-                  <a:pt x="3291840" y="0"/>
-                </a:cubicBezTo>
-                <a:cubicBezTo>
-                  <a:pt x="3291758" y="4406"/>
-                  <a:pt x="3291751" y="9982"/>
-                  <a:pt x="3291840" y="18288"/>
-                </a:cubicBezTo>
-                <a:cubicBezTo>
-                  <a:pt x="3108993" y="14228"/>
-                  <a:pt x="2952658" y="46900"/>
-                  <a:pt x="2666390" y="18288"/>
-                </a:cubicBezTo>
-                <a:cubicBezTo>
-                  <a:pt x="2380122" y="-10324"/>
-                  <a:pt x="2263855" y="41055"/>
-                  <a:pt x="2040941" y="18288"/>
-                </a:cubicBezTo>
-                <a:cubicBezTo>
-                  <a:pt x="1818027" y="-4479"/>
-                  <a:pt x="1675097" y="6509"/>
-                  <a:pt x="1415491" y="18288"/>
-                </a:cubicBezTo>
-                <a:cubicBezTo>
-                  <a:pt x="1155885" y="30068"/>
-                  <a:pt x="852976" y="36210"/>
-                  <a:pt x="691286" y="18288"/>
-                </a:cubicBezTo>
-                <a:cubicBezTo>
-                  <a:pt x="529596" y="366"/>
-                  <a:pt x="187183" y="13912"/>
+                  <a:pt x="267322" y="15284"/>
+                  <a:pt x="415388" y="-21048"/>
+                  <a:pt x="569831" y="0"/>
+                </a:cubicBezTo>
+                <a:cubicBezTo>
+                  <a:pt x="724274" y="21048"/>
+                  <a:pt x="769333" y="-2353"/>
+                  <a:pt x="922584" y="0"/>
+                </a:cubicBezTo>
+                <a:cubicBezTo>
+                  <a:pt x="1075835" y="2353"/>
+                  <a:pt x="1399490" y="-145"/>
+                  <a:pt x="1818033" y="0"/>
+                </a:cubicBezTo>
+                <a:cubicBezTo>
+                  <a:pt x="2236576" y="145"/>
+                  <a:pt x="2145330" y="5482"/>
+                  <a:pt x="2387864" y="0"/>
+                </a:cubicBezTo>
+                <a:cubicBezTo>
+                  <a:pt x="2630398" y="-5482"/>
+                  <a:pt x="2793207" y="18487"/>
+                  <a:pt x="2957695" y="0"/>
+                </a:cubicBezTo>
+                <a:cubicBezTo>
+                  <a:pt x="3122183" y="-18487"/>
+                  <a:pt x="3579141" y="19003"/>
+                  <a:pt x="3853144" y="0"/>
+                </a:cubicBezTo>
+                <a:cubicBezTo>
+                  <a:pt x="4127147" y="-19003"/>
+                  <a:pt x="4209857" y="12211"/>
+                  <a:pt x="4314436" y="0"/>
+                </a:cubicBezTo>
+                <a:cubicBezTo>
+                  <a:pt x="4419015" y="-12211"/>
+                  <a:pt x="4762459" y="-17220"/>
+                  <a:pt x="5209885" y="0"/>
+                </a:cubicBezTo>
+                <a:cubicBezTo>
+                  <a:pt x="5657311" y="17220"/>
+                  <a:pt x="5692663" y="-3290"/>
+                  <a:pt x="6105335" y="0"/>
+                </a:cubicBezTo>
+                <a:cubicBezTo>
+                  <a:pt x="6518007" y="3290"/>
+                  <a:pt x="6455516" y="-5124"/>
+                  <a:pt x="6783705" y="0"/>
+                </a:cubicBezTo>
+                <a:cubicBezTo>
+                  <a:pt x="7111894" y="5124"/>
+                  <a:pt x="7441941" y="-17829"/>
+                  <a:pt x="7679154" y="0"/>
+                </a:cubicBezTo>
+                <a:cubicBezTo>
+                  <a:pt x="7916367" y="17829"/>
+                  <a:pt x="8102967" y="-24363"/>
+                  <a:pt x="8248985" y="0"/>
+                </a:cubicBezTo>
+                <a:cubicBezTo>
+                  <a:pt x="8395003" y="24363"/>
+                  <a:pt x="8552393" y="25505"/>
+                  <a:pt x="8818817" y="0"/>
+                </a:cubicBezTo>
+                <a:cubicBezTo>
+                  <a:pt x="9085241" y="-25505"/>
+                  <a:pt x="9411308" y="38000"/>
+                  <a:pt x="9605726" y="0"/>
+                </a:cubicBezTo>
+                <a:cubicBezTo>
+                  <a:pt x="9800144" y="-38000"/>
+                  <a:pt x="10006468" y="-25741"/>
+                  <a:pt x="10175558" y="0"/>
+                </a:cubicBezTo>
+                <a:cubicBezTo>
+                  <a:pt x="10344648" y="25741"/>
+                  <a:pt x="10696282" y="695"/>
+                  <a:pt x="10853928" y="0"/>
+                </a:cubicBezTo>
+                <a:cubicBezTo>
+                  <a:pt x="10853521" y="8690"/>
+                  <a:pt x="10853774" y="14141"/>
+                  <a:pt x="10853928" y="18288"/>
+                </a:cubicBezTo>
+                <a:cubicBezTo>
+                  <a:pt x="10608124" y="24255"/>
+                  <a:pt x="10343415" y="22307"/>
+                  <a:pt x="10067018" y="18288"/>
+                </a:cubicBezTo>
+                <a:cubicBezTo>
+                  <a:pt x="9790621" y="14270"/>
+                  <a:pt x="9843266" y="3564"/>
+                  <a:pt x="9714266" y="18288"/>
+                </a:cubicBezTo>
+                <a:cubicBezTo>
+                  <a:pt x="9585266" y="33012"/>
+                  <a:pt x="9379484" y="1875"/>
+                  <a:pt x="9252974" y="18288"/>
+                </a:cubicBezTo>
+                <a:cubicBezTo>
+                  <a:pt x="9126464" y="34701"/>
+                  <a:pt x="8580678" y="-4904"/>
+                  <a:pt x="8357525" y="18288"/>
+                </a:cubicBezTo>
+                <a:cubicBezTo>
+                  <a:pt x="8134372" y="41480"/>
+                  <a:pt x="7903199" y="26458"/>
+                  <a:pt x="7679154" y="18288"/>
+                </a:cubicBezTo>
+                <a:cubicBezTo>
+                  <a:pt x="7455109" y="10118"/>
+                  <a:pt x="7435944" y="27109"/>
+                  <a:pt x="7217862" y="18288"/>
+                </a:cubicBezTo>
+                <a:cubicBezTo>
+                  <a:pt x="6999780" y="9467"/>
+                  <a:pt x="6680409" y="18985"/>
+                  <a:pt x="6539492" y="18288"/>
+                </a:cubicBezTo>
+                <a:cubicBezTo>
+                  <a:pt x="6398575" y="17592"/>
+                  <a:pt x="6312077" y="33018"/>
+                  <a:pt x="6186739" y="18288"/>
+                </a:cubicBezTo>
+                <a:cubicBezTo>
+                  <a:pt x="6061401" y="3558"/>
+                  <a:pt x="5947033" y="12075"/>
+                  <a:pt x="5833986" y="18288"/>
+                </a:cubicBezTo>
+                <a:cubicBezTo>
+                  <a:pt x="5720939" y="24501"/>
+                  <a:pt x="5482226" y="8586"/>
+                  <a:pt x="5155616" y="18288"/>
+                </a:cubicBezTo>
+                <a:cubicBezTo>
+                  <a:pt x="4829006" y="27991"/>
+                  <a:pt x="4841274" y="29316"/>
+                  <a:pt x="4694324" y="18288"/>
+                </a:cubicBezTo>
+                <a:cubicBezTo>
+                  <a:pt x="4547374" y="7260"/>
+                  <a:pt x="4077675" y="7013"/>
+                  <a:pt x="3907414" y="18288"/>
+                </a:cubicBezTo>
+                <a:cubicBezTo>
+                  <a:pt x="3737153" y="29564"/>
+                  <a:pt x="3538393" y="21630"/>
+                  <a:pt x="3446122" y="18288"/>
+                </a:cubicBezTo>
+                <a:cubicBezTo>
+                  <a:pt x="3353851" y="14946"/>
+                  <a:pt x="2990320" y="-8091"/>
+                  <a:pt x="2659212" y="18288"/>
+                </a:cubicBezTo>
+                <a:cubicBezTo>
+                  <a:pt x="2328104" y="44667"/>
+                  <a:pt x="2427653" y="9607"/>
+                  <a:pt x="2306460" y="18288"/>
+                </a:cubicBezTo>
+                <a:cubicBezTo>
+                  <a:pt x="2185267" y="26969"/>
+                  <a:pt x="1719763" y="3717"/>
+                  <a:pt x="1519550" y="18288"/>
+                </a:cubicBezTo>
+                <a:cubicBezTo>
+                  <a:pt x="1319337" y="32860"/>
+                  <a:pt x="1167371" y="17040"/>
+                  <a:pt x="1058258" y="18288"/>
+                </a:cubicBezTo>
+                <a:cubicBezTo>
+                  <a:pt x="949145" y="19536"/>
+                  <a:pt x="780234" y="31447"/>
+                  <a:pt x="705505" y="18288"/>
+                </a:cubicBezTo>
+                <a:cubicBezTo>
+                  <a:pt x="630776" y="5129"/>
+                  <a:pt x="215796" y="30056"/>
                   <a:pt x="0" y="18288"/>
                 </a:cubicBezTo>
                 <a:cubicBezTo>
-                  <a:pt x="189" y="14288"/>
-                  <a:pt x="-703" y="3747"/>
+                  <a:pt x="-53" y="11301"/>
+                  <a:pt x="-649" y="7756"/>
                   <a:pt x="0" y="0"/>
                 </a:cubicBezTo>
                 <a:close/>
@@ -7071,7 +8247,7 @@
             <a:round/>
             <a:extLst>
               <a:ext uri="{C807C97D-BFC1-408E-A445-0C87EB9F89A2}">
-                <ask:lineSketchStyleProps xmlns:ask="http://schemas.microsoft.com/office/drawing/2018/sketchyshapes" sd="2863741219">
+                <ask:lineSketchStyleProps xmlns:ask="http://schemas.microsoft.com/office/drawing/2018/sketchyshapes" sd="1219033472">
                   <a:prstGeom prst="rect">
                     <a:avLst/>
                   </a:prstGeom>
@@ -7110,247 +8286,2330 @@
       </p:sp>
       <p:sp>
         <p:nvSpPr>
-          <p:cNvPr id="8" name="TextBox 7">
+          <p:cNvPr id="3" name="Content Placeholder 2">
             <a:extLst>
               <a:ext uri="{FF2B5EF4-FFF2-40B4-BE49-F238E27FC236}">
-                <a16:creationId xmlns:a16="http://schemas.microsoft.com/office/drawing/2014/main" id="{4C7CE268-2AA4-C9C7-B42D-94A9D6E5CB5B}"/>
+                <a16:creationId xmlns:a16="http://schemas.microsoft.com/office/drawing/2014/main" id="{4552132C-4DD2-3048-B482-E0264DA905F9}"/>
               </a:ext>
             </a:extLst>
           </p:cNvPr>
-          <p:cNvSpPr txBox="1"/>
-          <p:nvPr/>
+          <p:cNvSpPr>
+            <a:spLocks noGrp="1"/>
+          </p:cNvSpPr>
+          <p:nvPr>
+            <p:ph idx="1"/>
+          </p:nvPr>
         </p:nvSpPr>
         <p:spPr>
           <a:xfrm>
-            <a:off x="457200" y="2187410"/>
-            <a:ext cx="3384331" cy="3924151"/>
+            <a:off x="436005" y="1929384"/>
+            <a:ext cx="11433027" cy="4435082"/>
+          </a:xfrm>
+        </p:spPr>
+        <p:txBody>
+          <a:bodyPr>
+            <a:normAutofit fontScale="92500"/>
+          </a:bodyPr>
+          <a:lstStyle/>
+          <a:p>
+            <a:r>
+              <a:rPr lang="en-GB" sz="1400" b="1" i="0" dirty="0">
+                <a:effectLst/>
+              </a:rPr>
+              <a:t>Agentless Migration</a:t>
+            </a:r>
+            <a:r>
+              <a:rPr lang="en-GB" sz="1400" b="0" i="0" dirty="0">
+                <a:effectLst/>
+              </a:rPr>
+              <a:t>: AWS MGN supports agentless migration, which means you don't need to install agents on your source servers. </a:t>
+            </a:r>
+          </a:p>
+          <a:p>
+            <a:r>
+              <a:rPr lang="en-GB" sz="1400" b="1" i="0" dirty="0">
+                <a:effectLst/>
+              </a:rPr>
+              <a:t>Continuous Replication</a:t>
+            </a:r>
+            <a:r>
+              <a:rPr lang="en-GB" sz="1400" b="0" i="0" dirty="0">
+                <a:effectLst/>
+              </a:rPr>
+              <a:t>: AWS MGN continuously replicates your source server data, including operating system, applications, and data, to AWS. This ensures that your AWS target instances are up to date with the latest changes from your source environment.</a:t>
+            </a:r>
+          </a:p>
+          <a:p>
+            <a:r>
+              <a:rPr lang="en-GB" sz="1400" b="1" i="0" dirty="0">
+                <a:effectLst/>
+              </a:rPr>
+              <a:t>Automated Server Conversion</a:t>
+            </a:r>
+            <a:r>
+              <a:rPr lang="en-GB" sz="1400" b="0" i="0" dirty="0">
+                <a:effectLst/>
+              </a:rPr>
+              <a:t>: AWS MGN automatically converts source servers into AWS instances, allowing you to choose the target instance type that best matches your requirements.</a:t>
+            </a:r>
+          </a:p>
+          <a:p>
+            <a:r>
+              <a:rPr lang="en-GB" sz="1400" b="1" i="0" dirty="0">
+                <a:effectLst/>
+              </a:rPr>
+              <a:t>Integrated with AWS Migration Hub</a:t>
+            </a:r>
+            <a:r>
+              <a:rPr lang="en-GB" sz="1400" b="0" i="0" dirty="0">
+                <a:effectLst/>
+              </a:rPr>
+              <a:t>: AWS MGN is integrated with AWS Migration Hub, providing a centralized dashboard for tracking the progress of your migration projects. You can view the status of your applications and servers in one place.</a:t>
+            </a:r>
+          </a:p>
+          <a:p>
+            <a:r>
+              <a:rPr lang="en-GB" sz="1400" b="1" i="0" dirty="0">
+                <a:effectLst/>
+              </a:rPr>
+              <a:t>Multi-Server Migrations</a:t>
+            </a:r>
+            <a:r>
+              <a:rPr lang="en-GB" sz="1400" b="0" i="0" dirty="0">
+                <a:effectLst/>
+              </a:rPr>
+              <a:t>: AWS MGN supports the migration of multiple servers as part of an application, making it suitable for complex, multi-tier applications.</a:t>
+            </a:r>
+          </a:p>
+          <a:p>
+            <a:r>
+              <a:rPr lang="en-GB" sz="1400" b="1" i="0" dirty="0">
+                <a:effectLst/>
+              </a:rPr>
+              <a:t>Testing and Validation</a:t>
+            </a:r>
+            <a:r>
+              <a:rPr lang="en-GB" sz="1400" b="0" i="0" dirty="0">
+                <a:effectLst/>
+              </a:rPr>
+              <a:t>: You can perform testing and validation of migrated applications in a staging environment before fully migrating them to AWS.</a:t>
+            </a:r>
+          </a:p>
+          <a:p>
+            <a:r>
+              <a:rPr lang="en-GB" sz="1400" b="1" i="0" dirty="0">
+                <a:effectLst/>
+              </a:rPr>
+              <a:t>Zero-Downtime Migration</a:t>
+            </a:r>
+            <a:r>
+              <a:rPr lang="en-GB" sz="1400" b="0" i="0" dirty="0">
+                <a:effectLst/>
+              </a:rPr>
+              <a:t>: AWS MGN is designed to minimize downtime during the migration process, allowing you to maintain business continuity.</a:t>
+            </a:r>
+          </a:p>
+          <a:p>
+            <a:r>
+              <a:rPr lang="en-GB" sz="1400" b="1" i="0" dirty="0">
+                <a:effectLst/>
+              </a:rPr>
+              <a:t>Application Cutover</a:t>
+            </a:r>
+            <a:r>
+              <a:rPr lang="en-GB" sz="1400" b="0" i="0" dirty="0">
+                <a:effectLst/>
+              </a:rPr>
+              <a:t>: You can plan and execute the cutover of your applications to AWS when you are ready, ensuring a smooth transition.</a:t>
+            </a:r>
+          </a:p>
+          <a:p>
+            <a:r>
+              <a:rPr lang="en-GB" sz="1400" b="1" i="0" dirty="0">
+                <a:effectLst/>
+              </a:rPr>
+              <a:t>Cost Estimation</a:t>
+            </a:r>
+            <a:r>
+              <a:rPr lang="en-GB" sz="1400" b="0" i="0" dirty="0">
+                <a:effectLst/>
+              </a:rPr>
+              <a:t>: AWS MGN provides cost estimation tools to help you understand the cost implications of running your applications in AWS.</a:t>
+            </a:r>
+          </a:p>
+          <a:p>
+            <a:r>
+              <a:rPr lang="en-GB" sz="1400" b="1" i="0" dirty="0">
+                <a:effectLst/>
+              </a:rPr>
+              <a:t>Application Dependency Mapping</a:t>
+            </a:r>
+            <a:r>
+              <a:rPr lang="en-GB" sz="1400" b="0" i="0" dirty="0">
+                <a:effectLst/>
+              </a:rPr>
+              <a:t>: You can visualize and understand the dependencies between servers and applications to plan your migration effectively.</a:t>
+            </a:r>
+          </a:p>
+          <a:p>
+            <a:r>
+              <a:rPr lang="en-GB" sz="1400" b="1" i="0" dirty="0">
+                <a:effectLst/>
+              </a:rPr>
+              <a:t>Security and Compliance</a:t>
+            </a:r>
+            <a:r>
+              <a:rPr lang="en-GB" sz="1400" b="0" i="0" dirty="0">
+                <a:effectLst/>
+              </a:rPr>
+              <a:t>: AWS MGN provides security features, such as encryption of data in transit and at rest, to ensure the security of your migrated applications.</a:t>
+            </a:r>
+          </a:p>
+          <a:p>
+            <a:r>
+              <a:rPr lang="en-GB" sz="1400" b="1" i="0" dirty="0">
+                <a:effectLst/>
+              </a:rPr>
+              <a:t>Global Reach</a:t>
+            </a:r>
+            <a:r>
+              <a:rPr lang="en-GB" sz="1400" b="0" i="0" dirty="0">
+                <a:effectLst/>
+              </a:rPr>
+              <a:t>: AWS MGN is available in multiple AWS regions, allowing you to migrate applications to the AWS region of your choice.</a:t>
+            </a:r>
+            <a:endParaRPr lang="en-CH" sz="1400" dirty="0"/>
+          </a:p>
+        </p:txBody>
+      </p:sp>
+    </p:spTree>
+    <p:extLst>
+      <p:ext uri="{BB962C8B-B14F-4D97-AF65-F5344CB8AC3E}">
+        <p14:creationId xmlns:p14="http://schemas.microsoft.com/office/powerpoint/2010/main" val="1741424675"/>
+      </p:ext>
+    </p:extLst>
+  </p:cSld>
+  <p:clrMapOvr>
+    <a:masterClrMapping/>
+  </p:clrMapOvr>
+</p:sld>
+</file>
+
+<file path=ppt/slides/slide5.xml><?xml version="1.0" encoding="utf-8"?>
+<p:sld xmlns:a="http://schemas.openxmlformats.org/drawingml/2006/main" xmlns:r="http://schemas.openxmlformats.org/officeDocument/2006/relationships" xmlns:p="http://schemas.openxmlformats.org/presentationml/2006/main">
+  <p:cSld>
+    <p:bg>
+      <p:bgPr>
+        <a:solidFill>
+          <a:schemeClr val="bg1"/>
+        </a:solidFill>
+        <a:effectLst/>
+      </p:bgPr>
+    </p:bg>
+    <p:spTree>
+      <p:nvGrpSpPr>
+        <p:cNvPr id="1" name=""/>
+        <p:cNvGrpSpPr/>
+        <p:nvPr/>
+      </p:nvGrpSpPr>
+      <p:grpSpPr>
+        <a:xfrm>
+          <a:off x="0" y="0"/>
+          <a:ext cx="0" cy="0"/>
+          <a:chOff x="0" y="0"/>
+          <a:chExt cx="0" cy="0"/>
+        </a:xfrm>
+      </p:grpSpPr>
+      <p:sp useBgFill="1">
+        <p:nvSpPr>
+          <p:cNvPr id="8" name="Rectangle 7">
+            <a:extLst>
+              <a:ext uri="{FF2B5EF4-FFF2-40B4-BE49-F238E27FC236}">
+                <a16:creationId xmlns:a16="http://schemas.microsoft.com/office/drawing/2014/main" id="{100EDD19-6802-4EC3-95CE-CFFAB042CFD6}"/>
+              </a:ext>
+              <a:ext uri="{C183D7F6-B498-43B3-948B-1728B52AA6E4}">
+                <adec:decorative xmlns:adec="http://schemas.microsoft.com/office/drawing/2017/decorative" val="1"/>
+              </a:ext>
+            </a:extLst>
+          </p:cNvPr>
+          <p:cNvSpPr>
+            <a:spLocks noGrp="1" noRot="1" noChangeAspect="1" noMove="1" noResize="1" noEditPoints="1" noAdjustHandles="1" noChangeArrowheads="1" noChangeShapeType="1" noTextEdit="1"/>
+          </p:cNvSpPr>
+          <p:nvPr>
+            <p:extLst>
+              <p:ext uri="{386F3935-93C4-4BCD-93E2-E3B085C9AB24}">
+                <p16:designElem xmlns:p16="http://schemas.microsoft.com/office/powerpoint/2015/main" val="1"/>
+              </p:ext>
+            </p:extLst>
+          </p:nvPr>
+        </p:nvSpPr>
+        <p:spPr>
+          <a:xfrm>
+            <a:off x="0" y="0"/>
+            <a:ext cx="12188952" cy="6858000"/>
           </a:xfrm>
           <a:prstGeom prst="rect">
             <a:avLst/>
           </a:prstGeom>
-          <a:noFill/>
+          <a:ln>
+            <a:noFill/>
+          </a:ln>
+        </p:spPr>
+        <p:style>
+          <a:lnRef idx="2">
+            <a:schemeClr val="accent1">
+              <a:shade val="50000"/>
+            </a:schemeClr>
+          </a:lnRef>
+          <a:fillRef idx="1">
+            <a:schemeClr val="accent1"/>
+          </a:fillRef>
+          <a:effectRef idx="0">
+            <a:schemeClr val="accent1"/>
+          </a:effectRef>
+          <a:fontRef idx="minor">
+            <a:schemeClr val="lt1"/>
+          </a:fontRef>
+        </p:style>
+        <p:txBody>
+          <a:bodyPr rtlCol="0" anchor="ctr"/>
+          <a:lstStyle/>
+          <a:p>
+            <a:pPr algn="ctr"/>
+            <a:endParaRPr lang="en-US"/>
+          </a:p>
+        </p:txBody>
+      </p:sp>
+      <p:sp>
+        <p:nvSpPr>
+          <p:cNvPr id="2" name="Title 1">
+            <a:extLst>
+              <a:ext uri="{FF2B5EF4-FFF2-40B4-BE49-F238E27FC236}">
+                <a16:creationId xmlns:a16="http://schemas.microsoft.com/office/drawing/2014/main" id="{D01BAAD9-6A5C-2DB4-E9BE-74BCDF9A8A1D}"/>
+              </a:ext>
+            </a:extLst>
+          </p:cNvPr>
+          <p:cNvSpPr>
+            <a:spLocks noGrp="1"/>
+          </p:cNvSpPr>
+          <p:nvPr>
+            <p:ph type="title"/>
+          </p:nvPr>
+        </p:nvSpPr>
+        <p:spPr>
+          <a:xfrm>
+            <a:off x="838200" y="365125"/>
+            <a:ext cx="10515600" cy="1325563"/>
+          </a:xfrm>
         </p:spPr>
         <p:txBody>
-          <a:bodyPr wrap="square">
-            <a:spAutoFit/>
+          <a:bodyPr>
+            <a:normAutofit/>
           </a:bodyPr>
           <a:lstStyle/>
           <a:p>
-            <a:pPr algn="l">
-              <a:spcAft>
-                <a:spcPts val="600"/>
-              </a:spcAft>
-            </a:pPr>
-            <a:r>
-              <a:rPr lang="en-GB" b="1" i="0" dirty="0">
-                <a:solidFill>
-                  <a:srgbClr val="16191F"/>
-                </a:solidFill>
+            <a:r>
+              <a:rPr lang="en-GB" sz="4200" b="0" i="0">
+                <a:effectLst/>
+                <a:latin typeface="+mn-lt"/>
+              </a:rPr>
+              <a:t>Agentless snapshot based replication for vCenter source environments</a:t>
+            </a:r>
+            <a:endParaRPr lang="en-CH" sz="4200">
+              <a:latin typeface="+mn-lt"/>
+            </a:endParaRPr>
+          </a:p>
+        </p:txBody>
+      </p:sp>
+      <p:sp>
+        <p:nvSpPr>
+          <p:cNvPr id="10" name="sketch line">
+            <a:extLst>
+              <a:ext uri="{FF2B5EF4-FFF2-40B4-BE49-F238E27FC236}">
+                <a16:creationId xmlns:a16="http://schemas.microsoft.com/office/drawing/2014/main" id="{DB17E863-922E-4C26-BD64-E8FD41D28661}"/>
+              </a:ext>
+              <a:ext uri="{C183D7F6-B498-43B3-948B-1728B52AA6E4}">
+                <adec:decorative xmlns:adec="http://schemas.microsoft.com/office/drawing/2017/decorative" val="1"/>
+              </a:ext>
+            </a:extLst>
+          </p:cNvPr>
+          <p:cNvSpPr>
+            <a:spLocks noGrp="1" noRot="1" noChangeAspect="1" noMove="1" noResize="1" noEditPoints="1" noAdjustHandles="1" noChangeArrowheads="1" noChangeShapeType="1" noTextEdit="1"/>
+          </p:cNvSpPr>
+          <p:nvPr>
+            <p:extLst>
+              <p:ext uri="{386F3935-93C4-4BCD-93E2-E3B085C9AB24}">
+                <p16:designElem xmlns:p16="http://schemas.microsoft.com/office/powerpoint/2015/main" val="1"/>
+              </p:ext>
+            </p:extLst>
+          </p:nvPr>
+        </p:nvSpPr>
+        <p:spPr>
+          <a:xfrm>
+            <a:off x="669036" y="1677373"/>
+            <a:ext cx="10853928" cy="18288"/>
+          </a:xfrm>
+          <a:custGeom>
+            <a:avLst/>
+            <a:gdLst>
+              <a:gd name="connsiteX0" fmla="*/ 0 w 10853928"/>
+              <a:gd name="connsiteY0" fmla="*/ 0 h 18288"/>
+              <a:gd name="connsiteX1" fmla="*/ 461292 w 10853928"/>
+              <a:gd name="connsiteY1" fmla="*/ 0 h 18288"/>
+              <a:gd name="connsiteX2" fmla="*/ 1139662 w 10853928"/>
+              <a:gd name="connsiteY2" fmla="*/ 0 h 18288"/>
+              <a:gd name="connsiteX3" fmla="*/ 1926572 w 10853928"/>
+              <a:gd name="connsiteY3" fmla="*/ 0 h 18288"/>
+              <a:gd name="connsiteX4" fmla="*/ 2279325 w 10853928"/>
+              <a:gd name="connsiteY4" fmla="*/ 0 h 18288"/>
+              <a:gd name="connsiteX5" fmla="*/ 2632078 w 10853928"/>
+              <a:gd name="connsiteY5" fmla="*/ 0 h 18288"/>
+              <a:gd name="connsiteX6" fmla="*/ 3527527 w 10853928"/>
+              <a:gd name="connsiteY6" fmla="*/ 0 h 18288"/>
+              <a:gd name="connsiteX7" fmla="*/ 4205897 w 10853928"/>
+              <a:gd name="connsiteY7" fmla="*/ 0 h 18288"/>
+              <a:gd name="connsiteX8" fmla="*/ 4558650 w 10853928"/>
+              <a:gd name="connsiteY8" fmla="*/ 0 h 18288"/>
+              <a:gd name="connsiteX9" fmla="*/ 5237020 w 10853928"/>
+              <a:gd name="connsiteY9" fmla="*/ 0 h 18288"/>
+              <a:gd name="connsiteX10" fmla="*/ 6132469 w 10853928"/>
+              <a:gd name="connsiteY10" fmla="*/ 0 h 18288"/>
+              <a:gd name="connsiteX11" fmla="*/ 6702301 w 10853928"/>
+              <a:gd name="connsiteY11" fmla="*/ 0 h 18288"/>
+              <a:gd name="connsiteX12" fmla="*/ 7272132 w 10853928"/>
+              <a:gd name="connsiteY12" fmla="*/ 0 h 18288"/>
+              <a:gd name="connsiteX13" fmla="*/ 7950502 w 10853928"/>
+              <a:gd name="connsiteY13" fmla="*/ 0 h 18288"/>
+              <a:gd name="connsiteX14" fmla="*/ 8737412 w 10853928"/>
+              <a:gd name="connsiteY14" fmla="*/ 0 h 18288"/>
+              <a:gd name="connsiteX15" fmla="*/ 9524322 w 10853928"/>
+              <a:gd name="connsiteY15" fmla="*/ 0 h 18288"/>
+              <a:gd name="connsiteX16" fmla="*/ 10853928 w 10853928"/>
+              <a:gd name="connsiteY16" fmla="*/ 0 h 18288"/>
+              <a:gd name="connsiteX17" fmla="*/ 10853928 w 10853928"/>
+              <a:gd name="connsiteY17" fmla="*/ 18288 h 18288"/>
+              <a:gd name="connsiteX18" fmla="*/ 10392636 w 10853928"/>
+              <a:gd name="connsiteY18" fmla="*/ 18288 h 18288"/>
+              <a:gd name="connsiteX19" fmla="*/ 9497187 w 10853928"/>
+              <a:gd name="connsiteY19" fmla="*/ 18288 h 18288"/>
+              <a:gd name="connsiteX20" fmla="*/ 8818817 w 10853928"/>
+              <a:gd name="connsiteY20" fmla="*/ 18288 h 18288"/>
+              <a:gd name="connsiteX21" fmla="*/ 8466064 w 10853928"/>
+              <a:gd name="connsiteY21" fmla="*/ 18288 h 18288"/>
+              <a:gd name="connsiteX22" fmla="*/ 7787693 w 10853928"/>
+              <a:gd name="connsiteY22" fmla="*/ 18288 h 18288"/>
+              <a:gd name="connsiteX23" fmla="*/ 7217862 w 10853928"/>
+              <a:gd name="connsiteY23" fmla="*/ 18288 h 18288"/>
+              <a:gd name="connsiteX24" fmla="*/ 6648031 w 10853928"/>
+              <a:gd name="connsiteY24" fmla="*/ 18288 h 18288"/>
+              <a:gd name="connsiteX25" fmla="*/ 6078200 w 10853928"/>
+              <a:gd name="connsiteY25" fmla="*/ 18288 h 18288"/>
+              <a:gd name="connsiteX26" fmla="*/ 5508368 w 10853928"/>
+              <a:gd name="connsiteY26" fmla="*/ 18288 h 18288"/>
+              <a:gd name="connsiteX27" fmla="*/ 4721459 w 10853928"/>
+              <a:gd name="connsiteY27" fmla="*/ 18288 h 18288"/>
+              <a:gd name="connsiteX28" fmla="*/ 4043088 w 10853928"/>
+              <a:gd name="connsiteY28" fmla="*/ 18288 h 18288"/>
+              <a:gd name="connsiteX29" fmla="*/ 3690336 w 10853928"/>
+              <a:gd name="connsiteY29" fmla="*/ 18288 h 18288"/>
+              <a:gd name="connsiteX30" fmla="*/ 3120504 w 10853928"/>
+              <a:gd name="connsiteY30" fmla="*/ 18288 h 18288"/>
+              <a:gd name="connsiteX31" fmla="*/ 2333595 w 10853928"/>
+              <a:gd name="connsiteY31" fmla="*/ 18288 h 18288"/>
+              <a:gd name="connsiteX32" fmla="*/ 1872303 w 10853928"/>
+              <a:gd name="connsiteY32" fmla="*/ 18288 h 18288"/>
+              <a:gd name="connsiteX33" fmla="*/ 976854 w 10853928"/>
+              <a:gd name="connsiteY33" fmla="*/ 18288 h 18288"/>
+              <a:gd name="connsiteX34" fmla="*/ 0 w 10853928"/>
+              <a:gd name="connsiteY34" fmla="*/ 18288 h 18288"/>
+              <a:gd name="connsiteX35" fmla="*/ 0 w 10853928"/>
+              <a:gd name="connsiteY35" fmla="*/ 0 h 18288"/>
+            </a:gdLst>
+            <a:ahLst/>
+            <a:cxnLst>
+              <a:cxn ang="0">
+                <a:pos x="connsiteX0" y="connsiteY0"/>
+              </a:cxn>
+              <a:cxn ang="0">
+                <a:pos x="connsiteX1" y="connsiteY1"/>
+              </a:cxn>
+              <a:cxn ang="0">
+                <a:pos x="connsiteX2" y="connsiteY2"/>
+              </a:cxn>
+              <a:cxn ang="0">
+                <a:pos x="connsiteX3" y="connsiteY3"/>
+              </a:cxn>
+              <a:cxn ang="0">
+                <a:pos x="connsiteX4" y="connsiteY4"/>
+              </a:cxn>
+              <a:cxn ang="0">
+                <a:pos x="connsiteX5" y="connsiteY5"/>
+              </a:cxn>
+              <a:cxn ang="0">
+                <a:pos x="connsiteX6" y="connsiteY6"/>
+              </a:cxn>
+              <a:cxn ang="0">
+                <a:pos x="connsiteX7" y="connsiteY7"/>
+              </a:cxn>
+              <a:cxn ang="0">
+                <a:pos x="connsiteX8" y="connsiteY8"/>
+              </a:cxn>
+              <a:cxn ang="0">
+                <a:pos x="connsiteX9" y="connsiteY9"/>
+              </a:cxn>
+              <a:cxn ang="0">
+                <a:pos x="connsiteX10" y="connsiteY10"/>
+              </a:cxn>
+              <a:cxn ang="0">
+                <a:pos x="connsiteX11" y="connsiteY11"/>
+              </a:cxn>
+              <a:cxn ang="0">
+                <a:pos x="connsiteX12" y="connsiteY12"/>
+              </a:cxn>
+              <a:cxn ang="0">
+                <a:pos x="connsiteX13" y="connsiteY13"/>
+              </a:cxn>
+              <a:cxn ang="0">
+                <a:pos x="connsiteX14" y="connsiteY14"/>
+              </a:cxn>
+              <a:cxn ang="0">
+                <a:pos x="connsiteX15" y="connsiteY15"/>
+              </a:cxn>
+              <a:cxn ang="0">
+                <a:pos x="connsiteX16" y="connsiteY16"/>
+              </a:cxn>
+              <a:cxn ang="0">
+                <a:pos x="connsiteX17" y="connsiteY17"/>
+              </a:cxn>
+              <a:cxn ang="0">
+                <a:pos x="connsiteX18" y="connsiteY18"/>
+              </a:cxn>
+              <a:cxn ang="0">
+                <a:pos x="connsiteX19" y="connsiteY19"/>
+              </a:cxn>
+              <a:cxn ang="0">
+                <a:pos x="connsiteX20" y="connsiteY20"/>
+              </a:cxn>
+              <a:cxn ang="0">
+                <a:pos x="connsiteX21" y="connsiteY21"/>
+              </a:cxn>
+              <a:cxn ang="0">
+                <a:pos x="connsiteX22" y="connsiteY22"/>
+              </a:cxn>
+              <a:cxn ang="0">
+                <a:pos x="connsiteX23" y="connsiteY23"/>
+              </a:cxn>
+              <a:cxn ang="0">
+                <a:pos x="connsiteX24" y="connsiteY24"/>
+              </a:cxn>
+              <a:cxn ang="0">
+                <a:pos x="connsiteX25" y="connsiteY25"/>
+              </a:cxn>
+              <a:cxn ang="0">
+                <a:pos x="connsiteX26" y="connsiteY26"/>
+              </a:cxn>
+              <a:cxn ang="0">
+                <a:pos x="connsiteX27" y="connsiteY27"/>
+              </a:cxn>
+              <a:cxn ang="0">
+                <a:pos x="connsiteX28" y="connsiteY28"/>
+              </a:cxn>
+              <a:cxn ang="0">
+                <a:pos x="connsiteX29" y="connsiteY29"/>
+              </a:cxn>
+              <a:cxn ang="0">
+                <a:pos x="connsiteX30" y="connsiteY30"/>
+              </a:cxn>
+              <a:cxn ang="0">
+                <a:pos x="connsiteX31" y="connsiteY31"/>
+              </a:cxn>
+              <a:cxn ang="0">
+                <a:pos x="connsiteX32" y="connsiteY32"/>
+              </a:cxn>
+              <a:cxn ang="0">
+                <a:pos x="connsiteX33" y="connsiteY33"/>
+              </a:cxn>
+              <a:cxn ang="0">
+                <a:pos x="connsiteX34" y="connsiteY34"/>
+              </a:cxn>
+              <a:cxn ang="0">
+                <a:pos x="connsiteX35" y="connsiteY35"/>
+              </a:cxn>
+            </a:cxnLst>
+            <a:rect l="l" t="t" r="r" b="b"/>
+            <a:pathLst>
+              <a:path w="10853928" h="18288" fill="none" extrusionOk="0">
+                <a:moveTo>
+                  <a:pt x="0" y="0"/>
+                </a:moveTo>
+                <a:cubicBezTo>
+                  <a:pt x="146993" y="-19076"/>
+                  <a:pt x="347684" y="-4790"/>
+                  <a:pt x="461292" y="0"/>
+                </a:cubicBezTo>
+                <a:cubicBezTo>
+                  <a:pt x="574900" y="4790"/>
+                  <a:pt x="808367" y="19821"/>
+                  <a:pt x="1139662" y="0"/>
+                </a:cubicBezTo>
+                <a:cubicBezTo>
+                  <a:pt x="1470957" y="-19821"/>
+                  <a:pt x="1627405" y="5721"/>
+                  <a:pt x="1926572" y="0"/>
+                </a:cubicBezTo>
+                <a:cubicBezTo>
+                  <a:pt x="2225739" y="-5721"/>
+                  <a:pt x="2137730" y="-3235"/>
+                  <a:pt x="2279325" y="0"/>
+                </a:cubicBezTo>
+                <a:cubicBezTo>
+                  <a:pt x="2420920" y="3235"/>
+                  <a:pt x="2456518" y="9685"/>
+                  <a:pt x="2632078" y="0"/>
+                </a:cubicBezTo>
+                <a:cubicBezTo>
+                  <a:pt x="2807638" y="-9685"/>
+                  <a:pt x="3211516" y="-43007"/>
+                  <a:pt x="3527527" y="0"/>
+                </a:cubicBezTo>
+                <a:cubicBezTo>
+                  <a:pt x="3843538" y="43007"/>
+                  <a:pt x="4058833" y="22042"/>
+                  <a:pt x="4205897" y="0"/>
+                </a:cubicBezTo>
+                <a:cubicBezTo>
+                  <a:pt x="4352961" y="-22042"/>
+                  <a:pt x="4474805" y="-11846"/>
+                  <a:pt x="4558650" y="0"/>
+                </a:cubicBezTo>
+                <a:cubicBezTo>
+                  <a:pt x="4642495" y="11846"/>
+                  <a:pt x="5041928" y="-6069"/>
+                  <a:pt x="5237020" y="0"/>
+                </a:cubicBezTo>
+                <a:cubicBezTo>
+                  <a:pt x="5432112" y="6069"/>
+                  <a:pt x="5943266" y="-17479"/>
+                  <a:pt x="6132469" y="0"/>
+                </a:cubicBezTo>
+                <a:cubicBezTo>
+                  <a:pt x="6321672" y="17479"/>
+                  <a:pt x="6483872" y="26234"/>
+                  <a:pt x="6702301" y="0"/>
+                </a:cubicBezTo>
+                <a:cubicBezTo>
+                  <a:pt x="6920730" y="-26234"/>
+                  <a:pt x="6991194" y="-15156"/>
+                  <a:pt x="7272132" y="0"/>
+                </a:cubicBezTo>
+                <a:cubicBezTo>
+                  <a:pt x="7553070" y="15156"/>
+                  <a:pt x="7684444" y="-32961"/>
+                  <a:pt x="7950502" y="0"/>
+                </a:cubicBezTo>
+                <a:cubicBezTo>
+                  <a:pt x="8216560" y="32961"/>
+                  <a:pt x="8493290" y="-10491"/>
+                  <a:pt x="8737412" y="0"/>
+                </a:cubicBezTo>
+                <a:cubicBezTo>
+                  <a:pt x="8981534" y="10491"/>
+                  <a:pt x="9191586" y="-13899"/>
+                  <a:pt x="9524322" y="0"/>
+                </a:cubicBezTo>
+                <a:cubicBezTo>
+                  <a:pt x="9857058" y="13899"/>
+                  <a:pt x="10297509" y="7485"/>
+                  <a:pt x="10853928" y="0"/>
+                </a:cubicBezTo>
+                <a:cubicBezTo>
+                  <a:pt x="10854574" y="4451"/>
+                  <a:pt x="10854418" y="9226"/>
+                  <a:pt x="10853928" y="18288"/>
+                </a:cubicBezTo>
+                <a:cubicBezTo>
+                  <a:pt x="10691638" y="28522"/>
+                  <a:pt x="10574319" y="29578"/>
+                  <a:pt x="10392636" y="18288"/>
+                </a:cubicBezTo>
+                <a:cubicBezTo>
+                  <a:pt x="10210953" y="6998"/>
+                  <a:pt x="9836277" y="-16742"/>
+                  <a:pt x="9497187" y="18288"/>
+                </a:cubicBezTo>
+                <a:cubicBezTo>
+                  <a:pt x="9158097" y="53318"/>
+                  <a:pt x="9119479" y="30714"/>
+                  <a:pt x="8818817" y="18288"/>
+                </a:cubicBezTo>
+                <a:cubicBezTo>
+                  <a:pt x="8518155" y="5863"/>
+                  <a:pt x="8640037" y="6483"/>
+                  <a:pt x="8466064" y="18288"/>
+                </a:cubicBezTo>
+                <a:cubicBezTo>
+                  <a:pt x="8292091" y="30093"/>
+                  <a:pt x="7997656" y="18914"/>
+                  <a:pt x="7787693" y="18288"/>
+                </a:cubicBezTo>
+                <a:cubicBezTo>
+                  <a:pt x="7577730" y="17662"/>
+                  <a:pt x="7412468" y="21416"/>
+                  <a:pt x="7217862" y="18288"/>
+                </a:cubicBezTo>
+                <a:cubicBezTo>
+                  <a:pt x="7023256" y="15160"/>
+                  <a:pt x="6898018" y="14824"/>
+                  <a:pt x="6648031" y="18288"/>
+                </a:cubicBezTo>
+                <a:cubicBezTo>
+                  <a:pt x="6398044" y="21752"/>
+                  <a:pt x="6254402" y="38625"/>
+                  <a:pt x="6078200" y="18288"/>
+                </a:cubicBezTo>
+                <a:cubicBezTo>
+                  <a:pt x="5901998" y="-2049"/>
+                  <a:pt x="5622886" y="3213"/>
+                  <a:pt x="5508368" y="18288"/>
+                </a:cubicBezTo>
+                <a:cubicBezTo>
+                  <a:pt x="5393850" y="33363"/>
+                  <a:pt x="5036260" y="26830"/>
+                  <a:pt x="4721459" y="18288"/>
+                </a:cubicBezTo>
+                <a:cubicBezTo>
+                  <a:pt x="4406658" y="9746"/>
+                  <a:pt x="4239221" y="41551"/>
+                  <a:pt x="4043088" y="18288"/>
+                </a:cubicBezTo>
+                <a:cubicBezTo>
+                  <a:pt x="3846955" y="-4975"/>
+                  <a:pt x="3818802" y="34658"/>
+                  <a:pt x="3690336" y="18288"/>
+                </a:cubicBezTo>
+                <a:cubicBezTo>
+                  <a:pt x="3561870" y="1918"/>
+                  <a:pt x="3265491" y="42194"/>
+                  <a:pt x="3120504" y="18288"/>
+                </a:cubicBezTo>
+                <a:cubicBezTo>
+                  <a:pt x="2975517" y="-5618"/>
+                  <a:pt x="2720254" y="36673"/>
+                  <a:pt x="2333595" y="18288"/>
+                </a:cubicBezTo>
+                <a:cubicBezTo>
+                  <a:pt x="1946936" y="-97"/>
+                  <a:pt x="2097241" y="5776"/>
+                  <a:pt x="1872303" y="18288"/>
+                </a:cubicBezTo>
+                <a:cubicBezTo>
+                  <a:pt x="1647365" y="30800"/>
+                  <a:pt x="1282708" y="45380"/>
+                  <a:pt x="976854" y="18288"/>
+                </a:cubicBezTo>
+                <a:cubicBezTo>
+                  <a:pt x="671000" y="-8804"/>
+                  <a:pt x="408401" y="-12775"/>
+                  <a:pt x="0" y="18288"/>
+                </a:cubicBezTo>
+                <a:cubicBezTo>
+                  <a:pt x="-213" y="9468"/>
+                  <a:pt x="187" y="4459"/>
+                  <a:pt x="0" y="0"/>
+                </a:cubicBezTo>
+                <a:close/>
+              </a:path>
+              <a:path w="10853928" h="18288" stroke="0" extrusionOk="0">
+                <a:moveTo>
+                  <a:pt x="0" y="0"/>
+                </a:moveTo>
+                <a:cubicBezTo>
+                  <a:pt x="267322" y="15284"/>
+                  <a:pt x="415388" y="-21048"/>
+                  <a:pt x="569831" y="0"/>
+                </a:cubicBezTo>
+                <a:cubicBezTo>
+                  <a:pt x="724274" y="21048"/>
+                  <a:pt x="769333" y="-2353"/>
+                  <a:pt x="922584" y="0"/>
+                </a:cubicBezTo>
+                <a:cubicBezTo>
+                  <a:pt x="1075835" y="2353"/>
+                  <a:pt x="1399490" y="-145"/>
+                  <a:pt x="1818033" y="0"/>
+                </a:cubicBezTo>
+                <a:cubicBezTo>
+                  <a:pt x="2236576" y="145"/>
+                  <a:pt x="2145330" y="5482"/>
+                  <a:pt x="2387864" y="0"/>
+                </a:cubicBezTo>
+                <a:cubicBezTo>
+                  <a:pt x="2630398" y="-5482"/>
+                  <a:pt x="2793207" y="18487"/>
+                  <a:pt x="2957695" y="0"/>
+                </a:cubicBezTo>
+                <a:cubicBezTo>
+                  <a:pt x="3122183" y="-18487"/>
+                  <a:pt x="3579141" y="19003"/>
+                  <a:pt x="3853144" y="0"/>
+                </a:cubicBezTo>
+                <a:cubicBezTo>
+                  <a:pt x="4127147" y="-19003"/>
+                  <a:pt x="4209857" y="12211"/>
+                  <a:pt x="4314436" y="0"/>
+                </a:cubicBezTo>
+                <a:cubicBezTo>
+                  <a:pt x="4419015" y="-12211"/>
+                  <a:pt x="4762459" y="-17220"/>
+                  <a:pt x="5209885" y="0"/>
+                </a:cubicBezTo>
+                <a:cubicBezTo>
+                  <a:pt x="5657311" y="17220"/>
+                  <a:pt x="5692663" y="-3290"/>
+                  <a:pt x="6105335" y="0"/>
+                </a:cubicBezTo>
+                <a:cubicBezTo>
+                  <a:pt x="6518007" y="3290"/>
+                  <a:pt x="6455516" y="-5124"/>
+                  <a:pt x="6783705" y="0"/>
+                </a:cubicBezTo>
+                <a:cubicBezTo>
+                  <a:pt x="7111894" y="5124"/>
+                  <a:pt x="7441941" y="-17829"/>
+                  <a:pt x="7679154" y="0"/>
+                </a:cubicBezTo>
+                <a:cubicBezTo>
+                  <a:pt x="7916367" y="17829"/>
+                  <a:pt x="8102967" y="-24363"/>
+                  <a:pt x="8248985" y="0"/>
+                </a:cubicBezTo>
+                <a:cubicBezTo>
+                  <a:pt x="8395003" y="24363"/>
+                  <a:pt x="8552393" y="25505"/>
+                  <a:pt x="8818817" y="0"/>
+                </a:cubicBezTo>
+                <a:cubicBezTo>
+                  <a:pt x="9085241" y="-25505"/>
+                  <a:pt x="9411308" y="38000"/>
+                  <a:pt x="9605726" y="0"/>
+                </a:cubicBezTo>
+                <a:cubicBezTo>
+                  <a:pt x="9800144" y="-38000"/>
+                  <a:pt x="10006468" y="-25741"/>
+                  <a:pt x="10175558" y="0"/>
+                </a:cubicBezTo>
+                <a:cubicBezTo>
+                  <a:pt x="10344648" y="25741"/>
+                  <a:pt x="10696282" y="695"/>
+                  <a:pt x="10853928" y="0"/>
+                </a:cubicBezTo>
+                <a:cubicBezTo>
+                  <a:pt x="10853521" y="8690"/>
+                  <a:pt x="10853774" y="14141"/>
+                  <a:pt x="10853928" y="18288"/>
+                </a:cubicBezTo>
+                <a:cubicBezTo>
+                  <a:pt x="10608124" y="24255"/>
+                  <a:pt x="10343415" y="22307"/>
+                  <a:pt x="10067018" y="18288"/>
+                </a:cubicBezTo>
+                <a:cubicBezTo>
+                  <a:pt x="9790621" y="14270"/>
+                  <a:pt x="9843266" y="3564"/>
+                  <a:pt x="9714266" y="18288"/>
+                </a:cubicBezTo>
+                <a:cubicBezTo>
+                  <a:pt x="9585266" y="33012"/>
+                  <a:pt x="9379484" y="1875"/>
+                  <a:pt x="9252974" y="18288"/>
+                </a:cubicBezTo>
+                <a:cubicBezTo>
+                  <a:pt x="9126464" y="34701"/>
+                  <a:pt x="8580678" y="-4904"/>
+                  <a:pt x="8357525" y="18288"/>
+                </a:cubicBezTo>
+                <a:cubicBezTo>
+                  <a:pt x="8134372" y="41480"/>
+                  <a:pt x="7903199" y="26458"/>
+                  <a:pt x="7679154" y="18288"/>
+                </a:cubicBezTo>
+                <a:cubicBezTo>
+                  <a:pt x="7455109" y="10118"/>
+                  <a:pt x="7435944" y="27109"/>
+                  <a:pt x="7217862" y="18288"/>
+                </a:cubicBezTo>
+                <a:cubicBezTo>
+                  <a:pt x="6999780" y="9467"/>
+                  <a:pt x="6680409" y="18985"/>
+                  <a:pt x="6539492" y="18288"/>
+                </a:cubicBezTo>
+                <a:cubicBezTo>
+                  <a:pt x="6398575" y="17592"/>
+                  <a:pt x="6312077" y="33018"/>
+                  <a:pt x="6186739" y="18288"/>
+                </a:cubicBezTo>
+                <a:cubicBezTo>
+                  <a:pt x="6061401" y="3558"/>
+                  <a:pt x="5947033" y="12075"/>
+                  <a:pt x="5833986" y="18288"/>
+                </a:cubicBezTo>
+                <a:cubicBezTo>
+                  <a:pt x="5720939" y="24501"/>
+                  <a:pt x="5482226" y="8586"/>
+                  <a:pt x="5155616" y="18288"/>
+                </a:cubicBezTo>
+                <a:cubicBezTo>
+                  <a:pt x="4829006" y="27991"/>
+                  <a:pt x="4841274" y="29316"/>
+                  <a:pt x="4694324" y="18288"/>
+                </a:cubicBezTo>
+                <a:cubicBezTo>
+                  <a:pt x="4547374" y="7260"/>
+                  <a:pt x="4077675" y="7013"/>
+                  <a:pt x="3907414" y="18288"/>
+                </a:cubicBezTo>
+                <a:cubicBezTo>
+                  <a:pt x="3737153" y="29564"/>
+                  <a:pt x="3538393" y="21630"/>
+                  <a:pt x="3446122" y="18288"/>
+                </a:cubicBezTo>
+                <a:cubicBezTo>
+                  <a:pt x="3353851" y="14946"/>
+                  <a:pt x="2990320" y="-8091"/>
+                  <a:pt x="2659212" y="18288"/>
+                </a:cubicBezTo>
+                <a:cubicBezTo>
+                  <a:pt x="2328104" y="44667"/>
+                  <a:pt x="2427653" y="9607"/>
+                  <a:pt x="2306460" y="18288"/>
+                </a:cubicBezTo>
+                <a:cubicBezTo>
+                  <a:pt x="2185267" y="26969"/>
+                  <a:pt x="1719763" y="3717"/>
+                  <a:pt x="1519550" y="18288"/>
+                </a:cubicBezTo>
+                <a:cubicBezTo>
+                  <a:pt x="1319337" y="32860"/>
+                  <a:pt x="1167371" y="17040"/>
+                  <a:pt x="1058258" y="18288"/>
+                </a:cubicBezTo>
+                <a:cubicBezTo>
+                  <a:pt x="949145" y="19536"/>
+                  <a:pt x="780234" y="31447"/>
+                  <a:pt x="705505" y="18288"/>
+                </a:cubicBezTo>
+                <a:cubicBezTo>
+                  <a:pt x="630776" y="5129"/>
+                  <a:pt x="215796" y="30056"/>
+                  <a:pt x="0" y="18288"/>
+                </a:cubicBezTo>
+                <a:cubicBezTo>
+                  <a:pt x="-53" y="11301"/>
+                  <a:pt x="-649" y="7756"/>
+                  <a:pt x="0" y="0"/>
+                </a:cubicBezTo>
+                <a:close/>
+              </a:path>
+            </a:pathLst>
+          </a:custGeom>
+          <a:solidFill>
+            <a:schemeClr val="accent2"/>
+          </a:solidFill>
+          <a:ln w="41275" cap="rnd">
+            <a:solidFill>
+              <a:schemeClr val="accent2"/>
+            </a:solidFill>
+            <a:round/>
+            <a:extLst>
+              <a:ext uri="{C807C97D-BFC1-408E-A445-0C87EB9F89A2}">
+                <ask:lineSketchStyleProps xmlns:ask="http://schemas.microsoft.com/office/drawing/2018/sketchyshapes" sd="1219033472">
+                  <a:prstGeom prst="rect">
+                    <a:avLst/>
+                  </a:prstGeom>
+                  <ask:type>
+                    <ask:lineSketchFreehand/>
+                  </ask:type>
+                </ask:lineSketchStyleProps>
+              </a:ext>
+            </a:extLst>
+          </a:ln>
+        </p:spPr>
+        <p:style>
+          <a:lnRef idx="2">
+            <a:schemeClr val="accent1">
+              <a:shade val="50000"/>
+            </a:schemeClr>
+          </a:lnRef>
+          <a:fillRef idx="1">
+            <a:schemeClr val="accent1"/>
+          </a:fillRef>
+          <a:effectRef idx="0">
+            <a:schemeClr val="accent1"/>
+          </a:effectRef>
+          <a:fontRef idx="minor">
+            <a:schemeClr val="lt1"/>
+          </a:fontRef>
+        </p:style>
+        <p:txBody>
+          <a:bodyPr rtlCol="0" anchor="ctr"/>
+          <a:lstStyle/>
+          <a:p>
+            <a:pPr algn="ctr"/>
+            <a:endParaRPr lang="en-US"/>
+          </a:p>
+        </p:txBody>
+      </p:sp>
+      <p:sp>
+        <p:nvSpPr>
+          <p:cNvPr id="3" name="Content Placeholder 2">
+            <a:extLst>
+              <a:ext uri="{FF2B5EF4-FFF2-40B4-BE49-F238E27FC236}">
+                <a16:creationId xmlns:a16="http://schemas.microsoft.com/office/drawing/2014/main" id="{F2C3B3F4-E631-8CED-9186-7900A42B6A21}"/>
+              </a:ext>
+            </a:extLst>
+          </p:cNvPr>
+          <p:cNvSpPr>
+            <a:spLocks noGrp="1"/>
+          </p:cNvSpPr>
+          <p:nvPr>
+            <p:ph idx="1"/>
+          </p:nvPr>
+        </p:nvSpPr>
+        <p:spPr>
+          <a:xfrm>
+            <a:off x="838200" y="1929384"/>
+            <a:ext cx="10515600" cy="4251960"/>
+          </a:xfrm>
+        </p:spPr>
+        <p:txBody>
+          <a:bodyPr>
+            <a:normAutofit/>
+          </a:bodyPr>
+          <a:lstStyle/>
+          <a:p>
+            <a:r>
+              <a:rPr lang="en-GB" sz="1700" b="0" i="0" dirty="0">
+                <a:effectLst/>
+              </a:rPr>
+              <a:t>AWS Application Migration Service (AWS MGN) allows you to perform agentless snapshot replication from your vCenter source environment into AWS. </a:t>
+            </a:r>
+          </a:p>
+          <a:p>
+            <a:r>
+              <a:rPr lang="en-GB" sz="1700" b="0" i="0" dirty="0">
+                <a:effectLst/>
+              </a:rPr>
+              <a:t>This is achieved by installing the AWS MGN vCenter Client in your vCenter environment. AWS MGN recommends using agent-based replication when possible, as it supports CDP (Continuous Data Protection) and provides the shortest cutover window. </a:t>
+            </a:r>
+          </a:p>
+          <a:p>
+            <a:r>
+              <a:rPr lang="en-GB" sz="1700" b="0" i="0" dirty="0">
+                <a:effectLst/>
+              </a:rPr>
+              <a:t>Agentless replication should be used when your company’s policies prevent you from installing the AWS Replication Agent on each individual server.</a:t>
+            </a:r>
+          </a:p>
+          <a:p>
+            <a:r>
+              <a:rPr lang="en-GB" sz="1700" b="0" i="0" dirty="0">
+                <a:effectLst/>
+              </a:rPr>
+              <a:t>In order to use agentless replication, you must dedicate at least one VM in your vCenter environment to host the AWS MGN vCenter Client. The AWS MGN vCenter Client is a software bundle distributed by AWS MGN and is available for installation as a binary installer. The installation process will install services on the client VM which will allow AWS MGN to remotely discover your VMs that are suitable for agentless replication, and to perform data replication between your vCenter environment and AWS though the use of periodic snapshot shipping.</a:t>
+            </a:r>
+          </a:p>
+          <a:p>
+            <a:r>
+              <a:rPr lang="en-GB" sz="1700" dirty="0"/>
+              <a:t>https://</a:t>
+            </a:r>
+            <a:r>
+              <a:rPr lang="en-GB" sz="1700" dirty="0" err="1"/>
+              <a:t>docs.aws.amazon.com</a:t>
+            </a:r>
+            <a:r>
+              <a:rPr lang="en-GB" sz="1700" dirty="0"/>
+              <a:t>/</a:t>
+            </a:r>
+            <a:r>
+              <a:rPr lang="en-GB" sz="1700" dirty="0" err="1"/>
+              <a:t>mgn</a:t>
+            </a:r>
+            <a:r>
+              <a:rPr lang="en-GB" sz="1700" dirty="0"/>
+              <a:t>/latest/ug/agentless-</a:t>
+            </a:r>
+            <a:r>
+              <a:rPr lang="en-GB" sz="1700" dirty="0" err="1"/>
+              <a:t>mgn.html</a:t>
+            </a:r>
+            <a:endParaRPr lang="en-CH" sz="1700" dirty="0"/>
+          </a:p>
+        </p:txBody>
+      </p:sp>
+    </p:spTree>
+    <p:extLst>
+      <p:ext uri="{BB962C8B-B14F-4D97-AF65-F5344CB8AC3E}">
+        <p14:creationId xmlns:p14="http://schemas.microsoft.com/office/powerpoint/2010/main" val="377734660"/>
+      </p:ext>
+    </p:extLst>
+  </p:cSld>
+  <p:clrMapOvr>
+    <a:masterClrMapping/>
+  </p:clrMapOvr>
+</p:sld>
+</file>
+
+<file path=ppt/slides/slide6.xml><?xml version="1.0" encoding="utf-8"?>
+<p:sld xmlns:a="http://schemas.openxmlformats.org/drawingml/2006/main" xmlns:r="http://schemas.openxmlformats.org/officeDocument/2006/relationships" xmlns:p="http://schemas.openxmlformats.org/presentationml/2006/main">
+  <p:cSld>
+    <p:bg>
+      <p:bgPr>
+        <a:solidFill>
+          <a:schemeClr val="bg1"/>
+        </a:solidFill>
+        <a:effectLst/>
+      </p:bgPr>
+    </p:bg>
+    <p:spTree>
+      <p:nvGrpSpPr>
+        <p:cNvPr id="1" name="">
+          <a:extLst>
+            <a:ext uri="{FF2B5EF4-FFF2-40B4-BE49-F238E27FC236}">
+              <a16:creationId xmlns:a16="http://schemas.microsoft.com/office/drawing/2014/main" id="{2AC13492-EADE-AD33-C219-E4B9D7D98AFB}"/>
+            </a:ext>
+          </a:extLst>
+        </p:cNvPr>
+        <p:cNvGrpSpPr/>
+        <p:nvPr/>
+      </p:nvGrpSpPr>
+      <p:grpSpPr>
+        <a:xfrm>
+          <a:off x="0" y="0"/>
+          <a:ext cx="0" cy="0"/>
+          <a:chOff x="0" y="0"/>
+          <a:chExt cx="0" cy="0"/>
+        </a:xfrm>
+      </p:grpSpPr>
+      <p:sp useBgFill="1">
+        <p:nvSpPr>
+          <p:cNvPr id="12" name="Rectangle 11">
+            <a:extLst>
+              <a:ext uri="{FF2B5EF4-FFF2-40B4-BE49-F238E27FC236}">
+                <a16:creationId xmlns:a16="http://schemas.microsoft.com/office/drawing/2014/main" id="{100EDD19-6802-4EC3-95CE-CFFAB042CFD6}"/>
+              </a:ext>
+              <a:ext uri="{C183D7F6-B498-43B3-948B-1728B52AA6E4}">
+                <adec:decorative xmlns:adec="http://schemas.microsoft.com/office/drawing/2017/decorative" val="1"/>
+              </a:ext>
+            </a:extLst>
+          </p:cNvPr>
+          <p:cNvSpPr>
+            <a:spLocks noGrp="1" noRot="1" noChangeAspect="1" noMove="1" noResize="1" noEditPoints="1" noAdjustHandles="1" noChangeArrowheads="1" noChangeShapeType="1" noTextEdit="1"/>
+          </p:cNvSpPr>
+          <p:nvPr>
+            <p:extLst>
+              <p:ext uri="{386F3935-93C4-4BCD-93E2-E3B085C9AB24}">
+                <p16:designElem xmlns:p16="http://schemas.microsoft.com/office/powerpoint/2015/main" val="1"/>
+              </p:ext>
+            </p:extLst>
+          </p:nvPr>
+        </p:nvSpPr>
+        <p:spPr>
+          <a:xfrm>
+            <a:off x="0" y="0"/>
+            <a:ext cx="12188952" cy="6858000"/>
+          </a:xfrm>
+          <a:prstGeom prst="rect">
+            <a:avLst/>
+          </a:prstGeom>
+          <a:ln>
+            <a:noFill/>
+          </a:ln>
+        </p:spPr>
+        <p:style>
+          <a:lnRef idx="2">
+            <a:schemeClr val="accent1">
+              <a:shade val="50000"/>
+            </a:schemeClr>
+          </a:lnRef>
+          <a:fillRef idx="1">
+            <a:schemeClr val="accent1"/>
+          </a:fillRef>
+          <a:effectRef idx="0">
+            <a:schemeClr val="accent1"/>
+          </a:effectRef>
+          <a:fontRef idx="minor">
+            <a:schemeClr val="lt1"/>
+          </a:fontRef>
+        </p:style>
+        <p:txBody>
+          <a:bodyPr rtlCol="0" anchor="ctr"/>
+          <a:lstStyle/>
+          <a:p>
+            <a:pPr algn="ctr"/>
+            <a:endParaRPr lang="en-US"/>
+          </a:p>
+        </p:txBody>
+      </p:sp>
+      <p:sp>
+        <p:nvSpPr>
+          <p:cNvPr id="2" name="Title 1">
+            <a:extLst>
+              <a:ext uri="{FF2B5EF4-FFF2-40B4-BE49-F238E27FC236}">
+                <a16:creationId xmlns:a16="http://schemas.microsoft.com/office/drawing/2014/main" id="{FFDA2FD7-0092-EF47-5673-105024FE4E06}"/>
+              </a:ext>
+            </a:extLst>
+          </p:cNvPr>
+          <p:cNvSpPr>
+            <a:spLocks noGrp="1"/>
+          </p:cNvSpPr>
+          <p:nvPr>
+            <p:ph type="title"/>
+          </p:nvPr>
+        </p:nvSpPr>
+        <p:spPr>
+          <a:xfrm>
+            <a:off x="838200" y="365125"/>
+            <a:ext cx="10515600" cy="1325563"/>
+          </a:xfrm>
+        </p:spPr>
+        <p:txBody>
+          <a:bodyPr>
+            <a:normAutofit/>
+          </a:bodyPr>
+          <a:lstStyle/>
+          <a:p>
+            <a:r>
+              <a:rPr lang="en-GB" sz="4200" b="0" i="0">
+                <a:effectLst/>
+                <a:latin typeface="+mn-lt"/>
+              </a:rPr>
+              <a:t>Agentless snapshot based replication for vCenter source environments</a:t>
+            </a:r>
+            <a:endParaRPr lang="en-CH" sz="4200">
+              <a:latin typeface="+mn-lt"/>
+            </a:endParaRPr>
+          </a:p>
+        </p:txBody>
+      </p:sp>
+      <p:sp>
+        <p:nvSpPr>
+          <p:cNvPr id="13" name="sketch line">
+            <a:extLst>
+              <a:ext uri="{FF2B5EF4-FFF2-40B4-BE49-F238E27FC236}">
+                <a16:creationId xmlns:a16="http://schemas.microsoft.com/office/drawing/2014/main" id="{DB17E863-922E-4C26-BD64-E8FD41D28661}"/>
+              </a:ext>
+              <a:ext uri="{C183D7F6-B498-43B3-948B-1728B52AA6E4}">
+                <adec:decorative xmlns:adec="http://schemas.microsoft.com/office/drawing/2017/decorative" val="1"/>
+              </a:ext>
+            </a:extLst>
+          </p:cNvPr>
+          <p:cNvSpPr>
+            <a:spLocks noGrp="1" noRot="1" noChangeAspect="1" noMove="1" noResize="1" noEditPoints="1" noAdjustHandles="1" noChangeArrowheads="1" noChangeShapeType="1" noTextEdit="1"/>
+          </p:cNvSpPr>
+          <p:nvPr>
+            <p:extLst>
+              <p:ext uri="{386F3935-93C4-4BCD-93E2-E3B085C9AB24}">
+                <p16:designElem xmlns:p16="http://schemas.microsoft.com/office/powerpoint/2015/main" val="1"/>
+              </p:ext>
+            </p:extLst>
+          </p:nvPr>
+        </p:nvSpPr>
+        <p:spPr>
+          <a:xfrm>
+            <a:off x="669036" y="1677373"/>
+            <a:ext cx="10853928" cy="18288"/>
+          </a:xfrm>
+          <a:custGeom>
+            <a:avLst/>
+            <a:gdLst>
+              <a:gd name="connsiteX0" fmla="*/ 0 w 10853928"/>
+              <a:gd name="connsiteY0" fmla="*/ 0 h 18288"/>
+              <a:gd name="connsiteX1" fmla="*/ 461292 w 10853928"/>
+              <a:gd name="connsiteY1" fmla="*/ 0 h 18288"/>
+              <a:gd name="connsiteX2" fmla="*/ 1139662 w 10853928"/>
+              <a:gd name="connsiteY2" fmla="*/ 0 h 18288"/>
+              <a:gd name="connsiteX3" fmla="*/ 1926572 w 10853928"/>
+              <a:gd name="connsiteY3" fmla="*/ 0 h 18288"/>
+              <a:gd name="connsiteX4" fmla="*/ 2279325 w 10853928"/>
+              <a:gd name="connsiteY4" fmla="*/ 0 h 18288"/>
+              <a:gd name="connsiteX5" fmla="*/ 2632078 w 10853928"/>
+              <a:gd name="connsiteY5" fmla="*/ 0 h 18288"/>
+              <a:gd name="connsiteX6" fmla="*/ 3527527 w 10853928"/>
+              <a:gd name="connsiteY6" fmla="*/ 0 h 18288"/>
+              <a:gd name="connsiteX7" fmla="*/ 4205897 w 10853928"/>
+              <a:gd name="connsiteY7" fmla="*/ 0 h 18288"/>
+              <a:gd name="connsiteX8" fmla="*/ 4558650 w 10853928"/>
+              <a:gd name="connsiteY8" fmla="*/ 0 h 18288"/>
+              <a:gd name="connsiteX9" fmla="*/ 5237020 w 10853928"/>
+              <a:gd name="connsiteY9" fmla="*/ 0 h 18288"/>
+              <a:gd name="connsiteX10" fmla="*/ 6132469 w 10853928"/>
+              <a:gd name="connsiteY10" fmla="*/ 0 h 18288"/>
+              <a:gd name="connsiteX11" fmla="*/ 6702301 w 10853928"/>
+              <a:gd name="connsiteY11" fmla="*/ 0 h 18288"/>
+              <a:gd name="connsiteX12" fmla="*/ 7272132 w 10853928"/>
+              <a:gd name="connsiteY12" fmla="*/ 0 h 18288"/>
+              <a:gd name="connsiteX13" fmla="*/ 7950502 w 10853928"/>
+              <a:gd name="connsiteY13" fmla="*/ 0 h 18288"/>
+              <a:gd name="connsiteX14" fmla="*/ 8737412 w 10853928"/>
+              <a:gd name="connsiteY14" fmla="*/ 0 h 18288"/>
+              <a:gd name="connsiteX15" fmla="*/ 9524322 w 10853928"/>
+              <a:gd name="connsiteY15" fmla="*/ 0 h 18288"/>
+              <a:gd name="connsiteX16" fmla="*/ 10853928 w 10853928"/>
+              <a:gd name="connsiteY16" fmla="*/ 0 h 18288"/>
+              <a:gd name="connsiteX17" fmla="*/ 10853928 w 10853928"/>
+              <a:gd name="connsiteY17" fmla="*/ 18288 h 18288"/>
+              <a:gd name="connsiteX18" fmla="*/ 10392636 w 10853928"/>
+              <a:gd name="connsiteY18" fmla="*/ 18288 h 18288"/>
+              <a:gd name="connsiteX19" fmla="*/ 9497187 w 10853928"/>
+              <a:gd name="connsiteY19" fmla="*/ 18288 h 18288"/>
+              <a:gd name="connsiteX20" fmla="*/ 8818817 w 10853928"/>
+              <a:gd name="connsiteY20" fmla="*/ 18288 h 18288"/>
+              <a:gd name="connsiteX21" fmla="*/ 8466064 w 10853928"/>
+              <a:gd name="connsiteY21" fmla="*/ 18288 h 18288"/>
+              <a:gd name="connsiteX22" fmla="*/ 7787693 w 10853928"/>
+              <a:gd name="connsiteY22" fmla="*/ 18288 h 18288"/>
+              <a:gd name="connsiteX23" fmla="*/ 7217862 w 10853928"/>
+              <a:gd name="connsiteY23" fmla="*/ 18288 h 18288"/>
+              <a:gd name="connsiteX24" fmla="*/ 6648031 w 10853928"/>
+              <a:gd name="connsiteY24" fmla="*/ 18288 h 18288"/>
+              <a:gd name="connsiteX25" fmla="*/ 6078200 w 10853928"/>
+              <a:gd name="connsiteY25" fmla="*/ 18288 h 18288"/>
+              <a:gd name="connsiteX26" fmla="*/ 5508368 w 10853928"/>
+              <a:gd name="connsiteY26" fmla="*/ 18288 h 18288"/>
+              <a:gd name="connsiteX27" fmla="*/ 4721459 w 10853928"/>
+              <a:gd name="connsiteY27" fmla="*/ 18288 h 18288"/>
+              <a:gd name="connsiteX28" fmla="*/ 4043088 w 10853928"/>
+              <a:gd name="connsiteY28" fmla="*/ 18288 h 18288"/>
+              <a:gd name="connsiteX29" fmla="*/ 3690336 w 10853928"/>
+              <a:gd name="connsiteY29" fmla="*/ 18288 h 18288"/>
+              <a:gd name="connsiteX30" fmla="*/ 3120504 w 10853928"/>
+              <a:gd name="connsiteY30" fmla="*/ 18288 h 18288"/>
+              <a:gd name="connsiteX31" fmla="*/ 2333595 w 10853928"/>
+              <a:gd name="connsiteY31" fmla="*/ 18288 h 18288"/>
+              <a:gd name="connsiteX32" fmla="*/ 1872303 w 10853928"/>
+              <a:gd name="connsiteY32" fmla="*/ 18288 h 18288"/>
+              <a:gd name="connsiteX33" fmla="*/ 976854 w 10853928"/>
+              <a:gd name="connsiteY33" fmla="*/ 18288 h 18288"/>
+              <a:gd name="connsiteX34" fmla="*/ 0 w 10853928"/>
+              <a:gd name="connsiteY34" fmla="*/ 18288 h 18288"/>
+              <a:gd name="connsiteX35" fmla="*/ 0 w 10853928"/>
+              <a:gd name="connsiteY35" fmla="*/ 0 h 18288"/>
+            </a:gdLst>
+            <a:ahLst/>
+            <a:cxnLst>
+              <a:cxn ang="0">
+                <a:pos x="connsiteX0" y="connsiteY0"/>
+              </a:cxn>
+              <a:cxn ang="0">
+                <a:pos x="connsiteX1" y="connsiteY1"/>
+              </a:cxn>
+              <a:cxn ang="0">
+                <a:pos x="connsiteX2" y="connsiteY2"/>
+              </a:cxn>
+              <a:cxn ang="0">
+                <a:pos x="connsiteX3" y="connsiteY3"/>
+              </a:cxn>
+              <a:cxn ang="0">
+                <a:pos x="connsiteX4" y="connsiteY4"/>
+              </a:cxn>
+              <a:cxn ang="0">
+                <a:pos x="connsiteX5" y="connsiteY5"/>
+              </a:cxn>
+              <a:cxn ang="0">
+                <a:pos x="connsiteX6" y="connsiteY6"/>
+              </a:cxn>
+              <a:cxn ang="0">
+                <a:pos x="connsiteX7" y="connsiteY7"/>
+              </a:cxn>
+              <a:cxn ang="0">
+                <a:pos x="connsiteX8" y="connsiteY8"/>
+              </a:cxn>
+              <a:cxn ang="0">
+                <a:pos x="connsiteX9" y="connsiteY9"/>
+              </a:cxn>
+              <a:cxn ang="0">
+                <a:pos x="connsiteX10" y="connsiteY10"/>
+              </a:cxn>
+              <a:cxn ang="0">
+                <a:pos x="connsiteX11" y="connsiteY11"/>
+              </a:cxn>
+              <a:cxn ang="0">
+                <a:pos x="connsiteX12" y="connsiteY12"/>
+              </a:cxn>
+              <a:cxn ang="0">
+                <a:pos x="connsiteX13" y="connsiteY13"/>
+              </a:cxn>
+              <a:cxn ang="0">
+                <a:pos x="connsiteX14" y="connsiteY14"/>
+              </a:cxn>
+              <a:cxn ang="0">
+                <a:pos x="connsiteX15" y="connsiteY15"/>
+              </a:cxn>
+              <a:cxn ang="0">
+                <a:pos x="connsiteX16" y="connsiteY16"/>
+              </a:cxn>
+              <a:cxn ang="0">
+                <a:pos x="connsiteX17" y="connsiteY17"/>
+              </a:cxn>
+              <a:cxn ang="0">
+                <a:pos x="connsiteX18" y="connsiteY18"/>
+              </a:cxn>
+              <a:cxn ang="0">
+                <a:pos x="connsiteX19" y="connsiteY19"/>
+              </a:cxn>
+              <a:cxn ang="0">
+                <a:pos x="connsiteX20" y="connsiteY20"/>
+              </a:cxn>
+              <a:cxn ang="0">
+                <a:pos x="connsiteX21" y="connsiteY21"/>
+              </a:cxn>
+              <a:cxn ang="0">
+                <a:pos x="connsiteX22" y="connsiteY22"/>
+              </a:cxn>
+              <a:cxn ang="0">
+                <a:pos x="connsiteX23" y="connsiteY23"/>
+              </a:cxn>
+              <a:cxn ang="0">
+                <a:pos x="connsiteX24" y="connsiteY24"/>
+              </a:cxn>
+              <a:cxn ang="0">
+                <a:pos x="connsiteX25" y="connsiteY25"/>
+              </a:cxn>
+              <a:cxn ang="0">
+                <a:pos x="connsiteX26" y="connsiteY26"/>
+              </a:cxn>
+              <a:cxn ang="0">
+                <a:pos x="connsiteX27" y="connsiteY27"/>
+              </a:cxn>
+              <a:cxn ang="0">
+                <a:pos x="connsiteX28" y="connsiteY28"/>
+              </a:cxn>
+              <a:cxn ang="0">
+                <a:pos x="connsiteX29" y="connsiteY29"/>
+              </a:cxn>
+              <a:cxn ang="0">
+                <a:pos x="connsiteX30" y="connsiteY30"/>
+              </a:cxn>
+              <a:cxn ang="0">
+                <a:pos x="connsiteX31" y="connsiteY31"/>
+              </a:cxn>
+              <a:cxn ang="0">
+                <a:pos x="connsiteX32" y="connsiteY32"/>
+              </a:cxn>
+              <a:cxn ang="0">
+                <a:pos x="connsiteX33" y="connsiteY33"/>
+              </a:cxn>
+              <a:cxn ang="0">
+                <a:pos x="connsiteX34" y="connsiteY34"/>
+              </a:cxn>
+              <a:cxn ang="0">
+                <a:pos x="connsiteX35" y="connsiteY35"/>
+              </a:cxn>
+            </a:cxnLst>
+            <a:rect l="l" t="t" r="r" b="b"/>
+            <a:pathLst>
+              <a:path w="10853928" h="18288" fill="none" extrusionOk="0">
+                <a:moveTo>
+                  <a:pt x="0" y="0"/>
+                </a:moveTo>
+                <a:cubicBezTo>
+                  <a:pt x="146993" y="-19076"/>
+                  <a:pt x="347684" y="-4790"/>
+                  <a:pt x="461292" y="0"/>
+                </a:cubicBezTo>
+                <a:cubicBezTo>
+                  <a:pt x="574900" y="4790"/>
+                  <a:pt x="808367" y="19821"/>
+                  <a:pt x="1139662" y="0"/>
+                </a:cubicBezTo>
+                <a:cubicBezTo>
+                  <a:pt x="1470957" y="-19821"/>
+                  <a:pt x="1627405" y="5721"/>
+                  <a:pt x="1926572" y="0"/>
+                </a:cubicBezTo>
+                <a:cubicBezTo>
+                  <a:pt x="2225739" y="-5721"/>
+                  <a:pt x="2137730" y="-3235"/>
+                  <a:pt x="2279325" y="0"/>
+                </a:cubicBezTo>
+                <a:cubicBezTo>
+                  <a:pt x="2420920" y="3235"/>
+                  <a:pt x="2456518" y="9685"/>
+                  <a:pt x="2632078" y="0"/>
+                </a:cubicBezTo>
+                <a:cubicBezTo>
+                  <a:pt x="2807638" y="-9685"/>
+                  <a:pt x="3211516" y="-43007"/>
+                  <a:pt x="3527527" y="0"/>
+                </a:cubicBezTo>
+                <a:cubicBezTo>
+                  <a:pt x="3843538" y="43007"/>
+                  <a:pt x="4058833" y="22042"/>
+                  <a:pt x="4205897" y="0"/>
+                </a:cubicBezTo>
+                <a:cubicBezTo>
+                  <a:pt x="4352961" y="-22042"/>
+                  <a:pt x="4474805" y="-11846"/>
+                  <a:pt x="4558650" y="0"/>
+                </a:cubicBezTo>
+                <a:cubicBezTo>
+                  <a:pt x="4642495" y="11846"/>
+                  <a:pt x="5041928" y="-6069"/>
+                  <a:pt x="5237020" y="0"/>
+                </a:cubicBezTo>
+                <a:cubicBezTo>
+                  <a:pt x="5432112" y="6069"/>
+                  <a:pt x="5943266" y="-17479"/>
+                  <a:pt x="6132469" y="0"/>
+                </a:cubicBezTo>
+                <a:cubicBezTo>
+                  <a:pt x="6321672" y="17479"/>
+                  <a:pt x="6483872" y="26234"/>
+                  <a:pt x="6702301" y="0"/>
+                </a:cubicBezTo>
+                <a:cubicBezTo>
+                  <a:pt x="6920730" y="-26234"/>
+                  <a:pt x="6991194" y="-15156"/>
+                  <a:pt x="7272132" y="0"/>
+                </a:cubicBezTo>
+                <a:cubicBezTo>
+                  <a:pt x="7553070" y="15156"/>
+                  <a:pt x="7684444" y="-32961"/>
+                  <a:pt x="7950502" y="0"/>
+                </a:cubicBezTo>
+                <a:cubicBezTo>
+                  <a:pt x="8216560" y="32961"/>
+                  <a:pt x="8493290" y="-10491"/>
+                  <a:pt x="8737412" y="0"/>
+                </a:cubicBezTo>
+                <a:cubicBezTo>
+                  <a:pt x="8981534" y="10491"/>
+                  <a:pt x="9191586" y="-13899"/>
+                  <a:pt x="9524322" y="0"/>
+                </a:cubicBezTo>
+                <a:cubicBezTo>
+                  <a:pt x="9857058" y="13899"/>
+                  <a:pt x="10297509" y="7485"/>
+                  <a:pt x="10853928" y="0"/>
+                </a:cubicBezTo>
+                <a:cubicBezTo>
+                  <a:pt x="10854574" y="4451"/>
+                  <a:pt x="10854418" y="9226"/>
+                  <a:pt x="10853928" y="18288"/>
+                </a:cubicBezTo>
+                <a:cubicBezTo>
+                  <a:pt x="10691638" y="28522"/>
+                  <a:pt x="10574319" y="29578"/>
+                  <a:pt x="10392636" y="18288"/>
+                </a:cubicBezTo>
+                <a:cubicBezTo>
+                  <a:pt x="10210953" y="6998"/>
+                  <a:pt x="9836277" y="-16742"/>
+                  <a:pt x="9497187" y="18288"/>
+                </a:cubicBezTo>
+                <a:cubicBezTo>
+                  <a:pt x="9158097" y="53318"/>
+                  <a:pt x="9119479" y="30714"/>
+                  <a:pt x="8818817" y="18288"/>
+                </a:cubicBezTo>
+                <a:cubicBezTo>
+                  <a:pt x="8518155" y="5863"/>
+                  <a:pt x="8640037" y="6483"/>
+                  <a:pt x="8466064" y="18288"/>
+                </a:cubicBezTo>
+                <a:cubicBezTo>
+                  <a:pt x="8292091" y="30093"/>
+                  <a:pt x="7997656" y="18914"/>
+                  <a:pt x="7787693" y="18288"/>
+                </a:cubicBezTo>
+                <a:cubicBezTo>
+                  <a:pt x="7577730" y="17662"/>
+                  <a:pt x="7412468" y="21416"/>
+                  <a:pt x="7217862" y="18288"/>
+                </a:cubicBezTo>
+                <a:cubicBezTo>
+                  <a:pt x="7023256" y="15160"/>
+                  <a:pt x="6898018" y="14824"/>
+                  <a:pt x="6648031" y="18288"/>
+                </a:cubicBezTo>
+                <a:cubicBezTo>
+                  <a:pt x="6398044" y="21752"/>
+                  <a:pt x="6254402" y="38625"/>
+                  <a:pt x="6078200" y="18288"/>
+                </a:cubicBezTo>
+                <a:cubicBezTo>
+                  <a:pt x="5901998" y="-2049"/>
+                  <a:pt x="5622886" y="3213"/>
+                  <a:pt x="5508368" y="18288"/>
+                </a:cubicBezTo>
+                <a:cubicBezTo>
+                  <a:pt x="5393850" y="33363"/>
+                  <a:pt x="5036260" y="26830"/>
+                  <a:pt x="4721459" y="18288"/>
+                </a:cubicBezTo>
+                <a:cubicBezTo>
+                  <a:pt x="4406658" y="9746"/>
+                  <a:pt x="4239221" y="41551"/>
+                  <a:pt x="4043088" y="18288"/>
+                </a:cubicBezTo>
+                <a:cubicBezTo>
+                  <a:pt x="3846955" y="-4975"/>
+                  <a:pt x="3818802" y="34658"/>
+                  <a:pt x="3690336" y="18288"/>
+                </a:cubicBezTo>
+                <a:cubicBezTo>
+                  <a:pt x="3561870" y="1918"/>
+                  <a:pt x="3265491" y="42194"/>
+                  <a:pt x="3120504" y="18288"/>
+                </a:cubicBezTo>
+                <a:cubicBezTo>
+                  <a:pt x="2975517" y="-5618"/>
+                  <a:pt x="2720254" y="36673"/>
+                  <a:pt x="2333595" y="18288"/>
+                </a:cubicBezTo>
+                <a:cubicBezTo>
+                  <a:pt x="1946936" y="-97"/>
+                  <a:pt x="2097241" y="5776"/>
+                  <a:pt x="1872303" y="18288"/>
+                </a:cubicBezTo>
+                <a:cubicBezTo>
+                  <a:pt x="1647365" y="30800"/>
+                  <a:pt x="1282708" y="45380"/>
+                  <a:pt x="976854" y="18288"/>
+                </a:cubicBezTo>
+                <a:cubicBezTo>
+                  <a:pt x="671000" y="-8804"/>
+                  <a:pt x="408401" y="-12775"/>
+                  <a:pt x="0" y="18288"/>
+                </a:cubicBezTo>
+                <a:cubicBezTo>
+                  <a:pt x="-213" y="9468"/>
+                  <a:pt x="187" y="4459"/>
+                  <a:pt x="0" y="0"/>
+                </a:cubicBezTo>
+                <a:close/>
+              </a:path>
+              <a:path w="10853928" h="18288" stroke="0" extrusionOk="0">
+                <a:moveTo>
+                  <a:pt x="0" y="0"/>
+                </a:moveTo>
+                <a:cubicBezTo>
+                  <a:pt x="267322" y="15284"/>
+                  <a:pt x="415388" y="-21048"/>
+                  <a:pt x="569831" y="0"/>
+                </a:cubicBezTo>
+                <a:cubicBezTo>
+                  <a:pt x="724274" y="21048"/>
+                  <a:pt x="769333" y="-2353"/>
+                  <a:pt x="922584" y="0"/>
+                </a:cubicBezTo>
+                <a:cubicBezTo>
+                  <a:pt x="1075835" y="2353"/>
+                  <a:pt x="1399490" y="-145"/>
+                  <a:pt x="1818033" y="0"/>
+                </a:cubicBezTo>
+                <a:cubicBezTo>
+                  <a:pt x="2236576" y="145"/>
+                  <a:pt x="2145330" y="5482"/>
+                  <a:pt x="2387864" y="0"/>
+                </a:cubicBezTo>
+                <a:cubicBezTo>
+                  <a:pt x="2630398" y="-5482"/>
+                  <a:pt x="2793207" y="18487"/>
+                  <a:pt x="2957695" y="0"/>
+                </a:cubicBezTo>
+                <a:cubicBezTo>
+                  <a:pt x="3122183" y="-18487"/>
+                  <a:pt x="3579141" y="19003"/>
+                  <a:pt x="3853144" y="0"/>
+                </a:cubicBezTo>
+                <a:cubicBezTo>
+                  <a:pt x="4127147" y="-19003"/>
+                  <a:pt x="4209857" y="12211"/>
+                  <a:pt x="4314436" y="0"/>
+                </a:cubicBezTo>
+                <a:cubicBezTo>
+                  <a:pt x="4419015" y="-12211"/>
+                  <a:pt x="4762459" y="-17220"/>
+                  <a:pt x="5209885" y="0"/>
+                </a:cubicBezTo>
+                <a:cubicBezTo>
+                  <a:pt x="5657311" y="17220"/>
+                  <a:pt x="5692663" y="-3290"/>
+                  <a:pt x="6105335" y="0"/>
+                </a:cubicBezTo>
+                <a:cubicBezTo>
+                  <a:pt x="6518007" y="3290"/>
+                  <a:pt x="6455516" y="-5124"/>
+                  <a:pt x="6783705" y="0"/>
+                </a:cubicBezTo>
+                <a:cubicBezTo>
+                  <a:pt x="7111894" y="5124"/>
+                  <a:pt x="7441941" y="-17829"/>
+                  <a:pt x="7679154" y="0"/>
+                </a:cubicBezTo>
+                <a:cubicBezTo>
+                  <a:pt x="7916367" y="17829"/>
+                  <a:pt x="8102967" y="-24363"/>
+                  <a:pt x="8248985" y="0"/>
+                </a:cubicBezTo>
+                <a:cubicBezTo>
+                  <a:pt x="8395003" y="24363"/>
+                  <a:pt x="8552393" y="25505"/>
+                  <a:pt x="8818817" y="0"/>
+                </a:cubicBezTo>
+                <a:cubicBezTo>
+                  <a:pt x="9085241" y="-25505"/>
+                  <a:pt x="9411308" y="38000"/>
+                  <a:pt x="9605726" y="0"/>
+                </a:cubicBezTo>
+                <a:cubicBezTo>
+                  <a:pt x="9800144" y="-38000"/>
+                  <a:pt x="10006468" y="-25741"/>
+                  <a:pt x="10175558" y="0"/>
+                </a:cubicBezTo>
+                <a:cubicBezTo>
+                  <a:pt x="10344648" y="25741"/>
+                  <a:pt x="10696282" y="695"/>
+                  <a:pt x="10853928" y="0"/>
+                </a:cubicBezTo>
+                <a:cubicBezTo>
+                  <a:pt x="10853521" y="8690"/>
+                  <a:pt x="10853774" y="14141"/>
+                  <a:pt x="10853928" y="18288"/>
+                </a:cubicBezTo>
+                <a:cubicBezTo>
+                  <a:pt x="10608124" y="24255"/>
+                  <a:pt x="10343415" y="22307"/>
+                  <a:pt x="10067018" y="18288"/>
+                </a:cubicBezTo>
+                <a:cubicBezTo>
+                  <a:pt x="9790621" y="14270"/>
+                  <a:pt x="9843266" y="3564"/>
+                  <a:pt x="9714266" y="18288"/>
+                </a:cubicBezTo>
+                <a:cubicBezTo>
+                  <a:pt x="9585266" y="33012"/>
+                  <a:pt x="9379484" y="1875"/>
+                  <a:pt x="9252974" y="18288"/>
+                </a:cubicBezTo>
+                <a:cubicBezTo>
+                  <a:pt x="9126464" y="34701"/>
+                  <a:pt x="8580678" y="-4904"/>
+                  <a:pt x="8357525" y="18288"/>
+                </a:cubicBezTo>
+                <a:cubicBezTo>
+                  <a:pt x="8134372" y="41480"/>
+                  <a:pt x="7903199" y="26458"/>
+                  <a:pt x="7679154" y="18288"/>
+                </a:cubicBezTo>
+                <a:cubicBezTo>
+                  <a:pt x="7455109" y="10118"/>
+                  <a:pt x="7435944" y="27109"/>
+                  <a:pt x="7217862" y="18288"/>
+                </a:cubicBezTo>
+                <a:cubicBezTo>
+                  <a:pt x="6999780" y="9467"/>
+                  <a:pt x="6680409" y="18985"/>
+                  <a:pt x="6539492" y="18288"/>
+                </a:cubicBezTo>
+                <a:cubicBezTo>
+                  <a:pt x="6398575" y="17592"/>
+                  <a:pt x="6312077" y="33018"/>
+                  <a:pt x="6186739" y="18288"/>
+                </a:cubicBezTo>
+                <a:cubicBezTo>
+                  <a:pt x="6061401" y="3558"/>
+                  <a:pt x="5947033" y="12075"/>
+                  <a:pt x="5833986" y="18288"/>
+                </a:cubicBezTo>
+                <a:cubicBezTo>
+                  <a:pt x="5720939" y="24501"/>
+                  <a:pt x="5482226" y="8586"/>
+                  <a:pt x="5155616" y="18288"/>
+                </a:cubicBezTo>
+                <a:cubicBezTo>
+                  <a:pt x="4829006" y="27991"/>
+                  <a:pt x="4841274" y="29316"/>
+                  <a:pt x="4694324" y="18288"/>
+                </a:cubicBezTo>
+                <a:cubicBezTo>
+                  <a:pt x="4547374" y="7260"/>
+                  <a:pt x="4077675" y="7013"/>
+                  <a:pt x="3907414" y="18288"/>
+                </a:cubicBezTo>
+                <a:cubicBezTo>
+                  <a:pt x="3737153" y="29564"/>
+                  <a:pt x="3538393" y="21630"/>
+                  <a:pt x="3446122" y="18288"/>
+                </a:cubicBezTo>
+                <a:cubicBezTo>
+                  <a:pt x="3353851" y="14946"/>
+                  <a:pt x="2990320" y="-8091"/>
+                  <a:pt x="2659212" y="18288"/>
+                </a:cubicBezTo>
+                <a:cubicBezTo>
+                  <a:pt x="2328104" y="44667"/>
+                  <a:pt x="2427653" y="9607"/>
+                  <a:pt x="2306460" y="18288"/>
+                </a:cubicBezTo>
+                <a:cubicBezTo>
+                  <a:pt x="2185267" y="26969"/>
+                  <a:pt x="1719763" y="3717"/>
+                  <a:pt x="1519550" y="18288"/>
+                </a:cubicBezTo>
+                <a:cubicBezTo>
+                  <a:pt x="1319337" y="32860"/>
+                  <a:pt x="1167371" y="17040"/>
+                  <a:pt x="1058258" y="18288"/>
+                </a:cubicBezTo>
+                <a:cubicBezTo>
+                  <a:pt x="949145" y="19536"/>
+                  <a:pt x="780234" y="31447"/>
+                  <a:pt x="705505" y="18288"/>
+                </a:cubicBezTo>
+                <a:cubicBezTo>
+                  <a:pt x="630776" y="5129"/>
+                  <a:pt x="215796" y="30056"/>
+                  <a:pt x="0" y="18288"/>
+                </a:cubicBezTo>
+                <a:cubicBezTo>
+                  <a:pt x="-53" y="11301"/>
+                  <a:pt x="-649" y="7756"/>
+                  <a:pt x="0" y="0"/>
+                </a:cubicBezTo>
+                <a:close/>
+              </a:path>
+            </a:pathLst>
+          </a:custGeom>
+          <a:solidFill>
+            <a:schemeClr val="accent2"/>
+          </a:solidFill>
+          <a:ln w="41275" cap="rnd">
+            <a:solidFill>
+              <a:schemeClr val="accent2"/>
+            </a:solidFill>
+            <a:round/>
+            <a:extLst>
+              <a:ext uri="{C807C97D-BFC1-408E-A445-0C87EB9F89A2}">
+                <ask:lineSketchStyleProps xmlns:ask="http://schemas.microsoft.com/office/drawing/2018/sketchyshapes" sd="1219033472">
+                  <a:prstGeom prst="rect">
+                    <a:avLst/>
+                  </a:prstGeom>
+                  <ask:type>
+                    <ask:lineSketchFreehand/>
+                  </ask:type>
+                </ask:lineSketchStyleProps>
+              </a:ext>
+            </a:extLst>
+          </a:ln>
+        </p:spPr>
+        <p:style>
+          <a:lnRef idx="2">
+            <a:schemeClr val="accent1">
+              <a:shade val="50000"/>
+            </a:schemeClr>
+          </a:lnRef>
+          <a:fillRef idx="1">
+            <a:schemeClr val="accent1"/>
+          </a:fillRef>
+          <a:effectRef idx="0">
+            <a:schemeClr val="accent1"/>
+          </a:effectRef>
+          <a:fontRef idx="minor">
+            <a:schemeClr val="lt1"/>
+          </a:fontRef>
+        </p:style>
+        <p:txBody>
+          <a:bodyPr rtlCol="0" anchor="ctr"/>
+          <a:lstStyle/>
+          <a:p>
+            <a:pPr algn="ctr"/>
+            <a:endParaRPr lang="en-US"/>
+          </a:p>
+        </p:txBody>
+      </p:sp>
+      <p:sp>
+        <p:nvSpPr>
+          <p:cNvPr id="3" name="Content Placeholder 2">
+            <a:extLst>
+              <a:ext uri="{FF2B5EF4-FFF2-40B4-BE49-F238E27FC236}">
+                <a16:creationId xmlns:a16="http://schemas.microsoft.com/office/drawing/2014/main" id="{0782ACBB-3DDD-6BF8-A7B2-747AA4F19F88}"/>
+              </a:ext>
+            </a:extLst>
+          </p:cNvPr>
+          <p:cNvSpPr>
+            <a:spLocks noGrp="1"/>
+          </p:cNvSpPr>
+          <p:nvPr>
+            <p:ph idx="1"/>
+          </p:nvPr>
+        </p:nvSpPr>
+        <p:spPr>
+          <a:xfrm>
+            <a:off x="838200" y="1929384"/>
+            <a:ext cx="10684764" cy="4659018"/>
+          </a:xfrm>
+        </p:spPr>
+        <p:txBody>
+          <a:bodyPr>
+            <a:normAutofit lnSpcReduction="10000"/>
+          </a:bodyPr>
+          <a:lstStyle/>
+          <a:p>
+            <a:r>
+              <a:rPr lang="en-GB" sz="1200" b="0" i="0" dirty="0">
+                <a:effectLst/>
+              </a:rPr>
+              <a:t>Agentless snapshot based replication is divided into two main operations: </a:t>
+            </a:r>
+            <a:r>
+              <a:rPr lang="en-GB" sz="1200" b="1" i="0" dirty="0">
                 <a:effectLst/>
                 <a:highlight>
                   <a:srgbClr val="FFFF00"/>
                 </a:highlight>
-                <a:latin typeface="Amazon Ember"/>
               </a:rPr>
-              <a:t>Data </a:t>
-            </a:r>
-            <a:r>
-              <a:rPr lang="en-GB" b="1" i="0" dirty="0" err="1">
-                <a:solidFill>
-                  <a:srgbClr val="16191F"/>
-                </a:solidFill>
+              <a:t>discovery</a:t>
+            </a:r>
+            <a:r>
+              <a:rPr lang="en-GB" sz="1200" b="0" i="0" dirty="0">
                 <a:effectLst/>
                 <a:highlight>
                   <a:srgbClr val="FFFF00"/>
                 </a:highlight>
-                <a:latin typeface="Amazon Ember"/>
               </a:rPr>
-              <a:t>center</a:t>
-            </a:r>
-            <a:r>
-              <a:rPr lang="en-GB" b="1" i="0" dirty="0">
-                <a:solidFill>
-                  <a:srgbClr val="16191F"/>
-                </a:solidFill>
+              <a:t> and </a:t>
+            </a:r>
+            <a:r>
+              <a:rPr lang="en-GB" sz="1200" b="1" i="0" dirty="0">
                 <a:effectLst/>
                 <a:highlight>
                   <a:srgbClr val="FFFF00"/>
                 </a:highlight>
-                <a:latin typeface="Amazon Ember"/>
               </a:rPr>
-              <a:t> to cloud migration</a:t>
-            </a:r>
-          </a:p>
-          <a:p>
-            <a:pPr algn="l">
-              <a:spcAft>
-                <a:spcPts val="600"/>
-              </a:spcAft>
-            </a:pPr>
-            <a:endParaRPr lang="en-GB" b="0" i="0" dirty="0">
-              <a:solidFill>
-                <a:srgbClr val="16191F"/>
-              </a:solidFill>
+              <a:t>replication</a:t>
+            </a:r>
+            <a:endParaRPr lang="en-GB" sz="1200" b="0" i="0" dirty="0">
               <a:effectLst/>
-              <a:latin typeface="Amazon Ember"/>
+              <a:highlight>
+                <a:srgbClr val="FFFF00"/>
+              </a:highlight>
             </a:endParaRPr>
           </a:p>
           <a:p>
-            <a:pPr algn="l">
-              <a:spcAft>
-                <a:spcPts val="600"/>
-              </a:spcAft>
-            </a:pPr>
-            <a:r>
-              <a:rPr lang="en-GB" b="0" i="0" dirty="0">
-                <a:solidFill>
-                  <a:srgbClr val="16191F"/>
-                </a:solidFill>
+            <a:r>
+              <a:rPr lang="en-GB" sz="1200" b="0" i="0" dirty="0">
                 <a:effectLst/>
-                <a:latin typeface="Amazon Ember"/>
               </a:rPr>
-              <a:t>Use AWS Application Migration Service to rapidly move your virtual and physical servers to AWS. The automated rehosting capabilities of Application Migration Service help you avoid complications that can be caused by manual replication, reconfiguration, and rebuilds.</a:t>
-            </a:r>
-          </a:p>
-          <a:p>
-            <a:pPr algn="l">
-              <a:spcAft>
-                <a:spcPts val="600"/>
-              </a:spcAft>
-            </a:pPr>
-            <a:br>
-              <a:rPr lang="en-GB" b="0" i="0" dirty="0">
-                <a:solidFill>
-                  <a:srgbClr val="16191F"/>
-                </a:solidFill>
+              <a:t>The </a:t>
+            </a:r>
+            <a:r>
+              <a:rPr lang="en-GB" sz="1200" b="1" i="0" dirty="0">
                 <a:effectLst/>
-                <a:latin typeface="Amazon Ember"/>
               </a:rPr>
-            </a:br>
-            <a:endParaRPr lang="en-GB" b="0" i="0" dirty="0">
-              <a:solidFill>
-                <a:srgbClr val="16191F"/>
-              </a:solidFill>
-              <a:effectLst/>
-              <a:latin typeface="Amazon Ember"/>
-            </a:endParaRPr>
+              <a:t>discovery process </a:t>
+            </a:r>
+            <a:r>
+              <a:rPr lang="en-GB" sz="1200" b="0" i="0" dirty="0">
+                <a:effectLst/>
+              </a:rPr>
+              <a:t>involves </a:t>
+            </a:r>
+            <a:r>
+              <a:rPr lang="en-GB" sz="1200" b="1" i="0" dirty="0">
+                <a:effectLst/>
+              </a:rPr>
+              <a:t>periodically scanning your vCenter environment </a:t>
+            </a:r>
+            <a:r>
+              <a:rPr lang="en-GB" sz="1200" b="0" i="0" dirty="0">
+                <a:effectLst/>
+              </a:rPr>
+              <a:t>to </a:t>
+            </a:r>
+            <a:r>
+              <a:rPr lang="en-GB" sz="1200" b="1" i="0" dirty="0">
+                <a:effectLst/>
+              </a:rPr>
+              <a:t>detect source server </a:t>
+            </a:r>
+            <a:r>
+              <a:rPr lang="en-GB" sz="1200" b="0" i="0" dirty="0">
+                <a:effectLst/>
+              </a:rPr>
+              <a:t>VMs that are </a:t>
+            </a:r>
+            <a:r>
+              <a:rPr lang="en-GB" sz="1200" b="1" i="0" dirty="0">
+                <a:effectLst/>
+              </a:rPr>
+              <a:t>suitable for agentless replication</a:t>
+            </a:r>
+            <a:r>
+              <a:rPr lang="en-GB" sz="1200" b="0" i="0" dirty="0">
+                <a:effectLst/>
+              </a:rPr>
+              <a:t>, and </a:t>
+            </a:r>
+            <a:r>
+              <a:rPr lang="en-GB" sz="1200" b="1" i="0" dirty="0">
+                <a:effectLst/>
+              </a:rPr>
+              <a:t>adding these VMs to the AWS MGN Console</a:t>
+            </a:r>
+            <a:r>
+              <a:rPr lang="en-GB" sz="1200" b="0" i="0" dirty="0">
+                <a:effectLst/>
+              </a:rPr>
+              <a:t>. </a:t>
+            </a:r>
+          </a:p>
+          <a:p>
+            <a:r>
+              <a:rPr lang="en-GB" sz="1200" b="0" i="0" dirty="0">
+                <a:effectLst/>
+              </a:rPr>
+              <a:t>Once a source server has been added, </a:t>
+            </a:r>
+            <a:r>
+              <a:rPr lang="en-GB" sz="1200" b="1" i="0" dirty="0">
+                <a:effectLst/>
+              </a:rPr>
+              <a:t>you may choose to initiate agentless replication </a:t>
+            </a:r>
+            <a:r>
+              <a:rPr lang="en-GB" sz="1200" b="0" i="0" dirty="0">
+                <a:effectLst/>
+              </a:rPr>
+              <a:t>on the source VM using the MGN API or Console. </a:t>
+            </a:r>
+          </a:p>
+          <a:p>
+            <a:r>
+              <a:rPr lang="en-GB" sz="1200" b="0" i="0" dirty="0">
+                <a:effectLst/>
+              </a:rPr>
+              <a:t>The discovery process also collects all of the necessary information from vCenter in order to perform an agentless conversion process once a migration job is launched.</a:t>
+            </a:r>
+          </a:p>
+          <a:p>
+            <a:r>
+              <a:rPr lang="en-GB" sz="1200" b="0" i="0" dirty="0">
+                <a:effectLst/>
+              </a:rPr>
+              <a:t>The </a:t>
+            </a:r>
+            <a:r>
+              <a:rPr lang="en-GB" sz="1200" b="1" i="0" dirty="0">
+                <a:effectLst/>
+              </a:rPr>
+              <a:t>replication process </a:t>
+            </a:r>
+            <a:r>
+              <a:rPr lang="en-GB" sz="1200" b="0" i="0" dirty="0">
+                <a:effectLst/>
+              </a:rPr>
+              <a:t>involves </a:t>
+            </a:r>
+            <a:r>
+              <a:rPr lang="en-GB" sz="1200" b="1" i="0" dirty="0">
+                <a:effectLst/>
+              </a:rPr>
+              <a:t>continuously starting and monitoring the “snapshot shipping processes” </a:t>
+            </a:r>
+            <a:r>
+              <a:rPr lang="en-GB" sz="1200" b="0" i="0" dirty="0">
+                <a:effectLst/>
+              </a:rPr>
+              <a:t>on the source server VM being replicated. </a:t>
+            </a:r>
+          </a:p>
+          <a:p>
+            <a:r>
+              <a:rPr lang="en-GB" sz="1200" b="0" i="0" dirty="0">
+                <a:effectLst/>
+              </a:rPr>
+              <a:t>A “</a:t>
+            </a:r>
+            <a:r>
+              <a:rPr lang="en-GB" sz="1200" b="1" i="0" dirty="0">
+                <a:effectLst/>
+              </a:rPr>
+              <a:t>snapshot shipping process</a:t>
+            </a:r>
+            <a:r>
+              <a:rPr lang="en-GB" sz="1200" b="0" i="0" dirty="0">
+                <a:effectLst/>
+              </a:rPr>
+              <a:t>” is a long running logical operation which consists of </a:t>
+            </a:r>
+            <a:r>
+              <a:rPr lang="en-GB" sz="1200" b="1" i="0" dirty="0">
+                <a:effectLst/>
+              </a:rPr>
+              <a:t>taking a VMware snapshot on the replicated VM, and launching an ephemeral replication agent process </a:t>
+            </a:r>
+            <a:r>
+              <a:rPr lang="en-GB" sz="1200" b="0" i="0" dirty="0">
+                <a:effectLst/>
+              </a:rPr>
+              <a:t>which uses </a:t>
+            </a:r>
+            <a:r>
+              <a:rPr lang="en-GB" sz="1200" b="1" i="0" dirty="0">
+                <a:effectLst/>
+              </a:rPr>
+              <a:t>VMware’s Changed Block Tracking (CBT) feature to identify changed volume data location</a:t>
+            </a:r>
+            <a:r>
+              <a:rPr lang="en-GB" sz="1200" b="0" i="0" dirty="0">
+                <a:effectLst/>
+              </a:rPr>
+              <a:t>, using Virtual Disk Development Kit (VDDK) to read the modified data, and sending the data from the source environment to the customer’s target AWS account. </a:t>
+            </a:r>
+          </a:p>
+          <a:p>
+            <a:r>
+              <a:rPr lang="en-GB" sz="1200" b="0" i="0" dirty="0">
+                <a:effectLst/>
+              </a:rPr>
+              <a:t>The first snapshot shipping process performs an “initial sync” which sends the entire disk contents of the replicating VM into AWS. </a:t>
+            </a:r>
+          </a:p>
+          <a:p>
+            <a:r>
+              <a:rPr lang="en-GB" sz="1200" b="0" i="0" dirty="0">
+                <a:effectLst/>
+              </a:rPr>
+              <a:t>Following snapshot shipping processes will leverage CBT in order to only sync disk changes to the customer’s target AWS account. </a:t>
+            </a:r>
+          </a:p>
+          <a:p>
+            <a:r>
+              <a:rPr lang="en-GB" sz="1200" b="0" i="0" dirty="0">
+                <a:effectLst/>
+              </a:rPr>
+              <a:t>Each successful snapshot shipping process completes the replication operation by creating a group of consistent EBS snapshots in the customer’s AWS account, which can then be used by the customer to launch test and cutover instances through the regular MGN mechanisms.</a:t>
+            </a:r>
+          </a:p>
+          <a:p>
+            <a:r>
+              <a:rPr lang="en-GB" sz="1200" b="0" i="0" dirty="0">
+                <a:effectLst/>
+              </a:rPr>
+              <a:t>The following are the main system components of agentless replication:</a:t>
+            </a:r>
+          </a:p>
+          <a:p>
+            <a:pPr lvl="1"/>
+            <a:r>
+              <a:rPr lang="en-GB" sz="1200" b="0" i="0" dirty="0">
+                <a:effectLst/>
+              </a:rPr>
+              <a:t>AWS MGN vCenter Client – A software bundle that is installed on a dedicated VM in your vCenter environment in order to facilitate agentless replication.</a:t>
+            </a:r>
+          </a:p>
+          <a:p>
+            <a:pPr lvl="1"/>
+            <a:r>
+              <a:rPr lang="en-GB" sz="1200" b="0" i="0" dirty="0">
+                <a:effectLst/>
+              </a:rPr>
+              <a:t>vCenter Replication Agent – A java agent that is based on the AWS Replication Agent, which replicates a single VM using VDDK and CBT as the data source instead of the AWS MGN driver (that is used by the AWS Replication Agent)</a:t>
+            </a:r>
+          </a:p>
+          <a:p>
+            <a:pPr lvl="1"/>
+            <a:r>
+              <a:rPr lang="en-GB" sz="1200" b="0" i="0" dirty="0">
+                <a:effectLst/>
+              </a:rPr>
+              <a:t>AWS MGN Service</a:t>
+            </a:r>
+          </a:p>
+          <a:p>
+            <a:pPr lvl="1"/>
+            <a:r>
+              <a:rPr lang="en-GB" sz="1200" b="0" i="0" dirty="0">
+                <a:effectLst/>
+              </a:rPr>
+              <a:t>AWS MGN Console</a:t>
+            </a:r>
+          </a:p>
+        </p:txBody>
+      </p:sp>
+    </p:spTree>
+    <p:extLst>
+      <p:ext uri="{BB962C8B-B14F-4D97-AF65-F5344CB8AC3E}">
+        <p14:creationId xmlns:p14="http://schemas.microsoft.com/office/powerpoint/2010/main" val="3262801700"/>
+      </p:ext>
+    </p:extLst>
+  </p:cSld>
+  <p:clrMapOvr>
+    <a:masterClrMapping/>
+  </p:clrMapOvr>
+</p:sld>
+</file>
+
+<file path=ppt/slides/slide7.xml><?xml version="1.0" encoding="utf-8"?>
+<p:sld xmlns:a="http://schemas.openxmlformats.org/drawingml/2006/main" xmlns:r="http://schemas.openxmlformats.org/officeDocument/2006/relationships" xmlns:p="http://schemas.openxmlformats.org/presentationml/2006/main">
+  <p:cSld>
+    <p:bg>
+      <p:bgPr>
+        <a:solidFill>
+          <a:schemeClr val="bg1"/>
+        </a:solidFill>
+        <a:effectLst/>
+      </p:bgPr>
+    </p:bg>
+    <p:spTree>
+      <p:nvGrpSpPr>
+        <p:cNvPr id="1" name="">
+          <a:extLst>
+            <a:ext uri="{FF2B5EF4-FFF2-40B4-BE49-F238E27FC236}">
+              <a16:creationId xmlns:a16="http://schemas.microsoft.com/office/drawing/2014/main" id="{DF586EAC-3926-5519-F2A0-DB94DE0A8227}"/>
+            </a:ext>
+          </a:extLst>
+        </p:cNvPr>
+        <p:cNvGrpSpPr/>
+        <p:nvPr/>
+      </p:nvGrpSpPr>
+      <p:grpSpPr>
+        <a:xfrm>
+          <a:off x="0" y="0"/>
+          <a:ext cx="0" cy="0"/>
+          <a:chOff x="0" y="0"/>
+          <a:chExt cx="0" cy="0"/>
+        </a:xfrm>
+      </p:grpSpPr>
+      <p:sp>
+        <p:nvSpPr>
+          <p:cNvPr id="1031" name="Rectangle 1030">
+            <a:extLst>
+              <a:ext uri="{FF2B5EF4-FFF2-40B4-BE49-F238E27FC236}">
+                <a16:creationId xmlns:a16="http://schemas.microsoft.com/office/drawing/2014/main" id="{A4AC5506-6312-4701-8D3C-40187889A947}"/>
+              </a:ext>
+              <a:ext uri="{C183D7F6-B498-43B3-948B-1728B52AA6E4}">
+                <adec:decorative xmlns:adec="http://schemas.microsoft.com/office/drawing/2017/decorative" val="1"/>
+              </a:ext>
+            </a:extLst>
+          </p:cNvPr>
+          <p:cNvSpPr>
+            <a:spLocks noGrp="1" noRot="1" noChangeAspect="1" noMove="1" noResize="1" noEditPoints="1" noAdjustHandles="1" noChangeArrowheads="1" noChangeShapeType="1" noTextEdit="1"/>
+          </p:cNvSpPr>
+          <p:nvPr>
+            <p:extLst>
+              <p:ext uri="{386F3935-93C4-4BCD-93E2-E3B085C9AB24}">
+                <p16:designElem xmlns:p16="http://schemas.microsoft.com/office/powerpoint/2015/main" val="1"/>
+              </p:ext>
+            </p:extLst>
+          </p:nvPr>
+        </p:nvSpPr>
+        <p:spPr>
+          <a:xfrm>
+            <a:off x="0" y="651752"/>
+            <a:ext cx="12192000" cy="736551"/>
+          </a:xfrm>
+          <a:prstGeom prst="rect">
+            <a:avLst/>
+          </a:prstGeom>
+          <a:solidFill>
+            <a:schemeClr val="tx1"/>
+          </a:solidFill>
+          <a:ln>
+            <a:noFill/>
+          </a:ln>
+        </p:spPr>
+        <p:style>
+          <a:lnRef idx="2">
+            <a:schemeClr val="accent1">
+              <a:shade val="50000"/>
+            </a:schemeClr>
+          </a:lnRef>
+          <a:fillRef idx="1">
+            <a:schemeClr val="accent1"/>
+          </a:fillRef>
+          <a:effectRef idx="0">
+            <a:schemeClr val="accent1"/>
+          </a:effectRef>
+          <a:fontRef idx="minor">
+            <a:schemeClr val="lt1"/>
+          </a:fontRef>
+        </p:style>
+        <p:txBody>
+          <a:bodyPr rtlCol="0" anchor="ctr"/>
+          <a:lstStyle/>
+          <a:p>
+            <a:pPr algn="ctr"/>
+            <a:endParaRPr lang="en-US"/>
           </a:p>
         </p:txBody>
       </p:sp>
       <p:sp>
         <p:nvSpPr>
-          <p:cNvPr id="12" name="TextBox 11">
+          <p:cNvPr id="2" name="Title 1">
             <a:extLst>
               <a:ext uri="{FF2B5EF4-FFF2-40B4-BE49-F238E27FC236}">
-                <a16:creationId xmlns:a16="http://schemas.microsoft.com/office/drawing/2014/main" id="{D4F6BFF3-FAAD-3953-6D45-3CFB69CDEAF1}"/>
+                <a16:creationId xmlns:a16="http://schemas.microsoft.com/office/drawing/2014/main" id="{B7B21071-B83E-91FE-DEB1-E8382D113559}"/>
               </a:ext>
             </a:extLst>
           </p:cNvPr>
-          <p:cNvSpPr txBox="1"/>
-          <p:nvPr/>
+          <p:cNvSpPr>
+            <a:spLocks noGrp="1"/>
+          </p:cNvSpPr>
+          <p:nvPr>
+            <p:ph type="title"/>
+          </p:nvPr>
         </p:nvSpPr>
         <p:spPr>
           <a:xfrm>
-            <a:off x="9033641" y="2187410"/>
-            <a:ext cx="2701159" cy="3093154"/>
+            <a:off x="556532" y="643467"/>
+            <a:ext cx="11210925" cy="744836"/>
           </a:xfrm>
-          <a:prstGeom prst="rect">
-            <a:avLst/>
-          </a:prstGeom>
-          <a:noFill/>
         </p:spPr>
         <p:txBody>
-          <a:bodyPr wrap="square">
-            <a:spAutoFit/>
+          <a:bodyPr vert="horz" lIns="91440" tIns="45720" rIns="91440" bIns="45720" rtlCol="0" anchor="ctr">
+            <a:normAutofit/>
           </a:bodyPr>
           <a:lstStyle/>
           <a:p>
-            <a:pPr algn="l" rtl="0">
-              <a:spcAft>
-                <a:spcPts val="600"/>
-              </a:spcAft>
-            </a:pPr>
-            <a:r>
-              <a:rPr lang="en-GB" b="1" i="0" dirty="0">
+            <a:pPr algn="ctr"/>
+            <a:r>
+              <a:rPr lang="en-US" sz="3000" b="0" i="0" kern="1200" dirty="0">
                 <a:solidFill>
-                  <a:srgbClr val="16191F"/>
+                  <a:schemeClr val="bg1"/>
                 </a:solidFill>
                 <a:effectLst/>
-                <a:highlight>
-                  <a:srgbClr val="FFFF00"/>
-                </a:highlight>
-                <a:latin typeface="var(--font-family-base-m6jzpk,&quot;Amazon Ember&quot;,&quot;Helvetica Neue&quot;,Roboto,Arial,sans-serif)"/>
+                <a:latin typeface="+mj-lt"/>
+                <a:ea typeface="+mj-ea"/>
+                <a:cs typeface="+mj-cs"/>
               </a:rPr>
-              <a:t>Cross-region migration</a:t>
-            </a:r>
-          </a:p>
-          <a:p>
-            <a:pPr algn="l" rtl="0">
-              <a:spcAft>
-                <a:spcPts val="600"/>
-              </a:spcAft>
-            </a:pPr>
-            <a:endParaRPr lang="en-GB" b="0" i="0" dirty="0">
+              <a:t>Agentless snapshot based replication for vCenter source environments</a:t>
+            </a:r>
+            <a:endParaRPr lang="en-US" sz="3000" kern="1200" dirty="0">
               <a:solidFill>
-                <a:srgbClr val="16191F"/>
+                <a:schemeClr val="bg1"/>
               </a:solidFill>
-              <a:effectLst/>
-              <a:latin typeface="var(--font-family-base-m6jzpk,&quot;Amazon Ember&quot;,&quot;Helvetica Neue&quot;,Roboto,Arial,sans-serif)"/>
-            </a:endParaRPr>
-          </a:p>
-          <a:p>
-            <a:pPr algn="l" rtl="0">
-              <a:spcAft>
-                <a:spcPts val="600"/>
-              </a:spcAft>
-            </a:pPr>
-            <a:r>
-              <a:rPr lang="en-GB" b="0" i="0" dirty="0">
-                <a:solidFill>
-                  <a:srgbClr val="16191F"/>
-                </a:solidFill>
-                <a:effectLst/>
-                <a:latin typeface="var(--font-family-base-m6jzpk,&quot;Amazon Ember&quot;,&quot;Helvetica Neue&quot;,Roboto,Arial,sans-serif)"/>
-              </a:rPr>
-              <a:t>Use AWS Application Migration Service to simplify migration between different AWS accounts, Availability Zones, or regions.</a:t>
-            </a:r>
-          </a:p>
-          <a:p>
-            <a:pPr algn="l" rtl="0">
-              <a:spcAft>
-                <a:spcPts val="600"/>
-              </a:spcAft>
-            </a:pPr>
-            <a:br>
-              <a:rPr lang="en-GB" b="0" i="0" dirty="0">
-                <a:solidFill>
-                  <a:srgbClr val="16191F"/>
-                </a:solidFill>
-                <a:effectLst/>
-                <a:latin typeface="var(--font-family-base-m6jzpk,&quot;Amazon Ember&quot;,&quot;Helvetica Neue&quot;,Roboto,Arial,sans-serif)"/>
-              </a:rPr>
-            </a:br>
-            <a:endParaRPr lang="en-GB" b="0" i="0" dirty="0">
-              <a:solidFill>
-                <a:srgbClr val="16191F"/>
-              </a:solidFill>
-              <a:effectLst/>
-              <a:latin typeface="var(--font-family-base-m6jzpk,&quot;Amazon Ember&quot;,&quot;Helvetica Neue&quot;,Roboto,Arial,sans-serif)"/>
+              <a:latin typeface="+mj-lt"/>
+              <a:ea typeface="+mj-ea"/>
+              <a:cs typeface="+mj-cs"/>
             </a:endParaRPr>
           </a:p>
         </p:txBody>
       </p:sp>
       <p:pic>
         <p:nvPicPr>
-          <p:cNvPr id="16" name="Graphic 15" descr="Cloud Computing">
+          <p:cNvPr id="1026" name="Picture 2">
             <a:extLst>
               <a:ext uri="{FF2B5EF4-FFF2-40B4-BE49-F238E27FC236}">
-                <a16:creationId xmlns:a16="http://schemas.microsoft.com/office/drawing/2014/main" id="{4E37686B-DDB5-633E-4775-09DF07B82CC4}"/>
+                <a16:creationId xmlns:a16="http://schemas.microsoft.com/office/drawing/2014/main" id="{BDC6B671-E9C5-7493-E711-7823904E0443}"/>
               </a:ext>
             </a:extLst>
           </p:cNvPr>
           <p:cNvPicPr>
-            <a:picLocks noChangeAspect="1"/>
+            <a:picLocks noChangeAspect="1" noChangeArrowheads="1"/>
           </p:cNvPicPr>
           <p:nvPr/>
         </p:nvPicPr>
@@ -7360,29 +10619,36 @@
               <a:ext uri="{28A0092B-C50C-407E-A947-70E740481C1C}">
                 <a14:useLocalDpi xmlns:a14="http://schemas.microsoft.com/office/drawing/2010/main" val="0"/>
               </a:ext>
-              <a:ext uri="{96DAC541-7B7A-43D3-8B79-37D633B846F1}">
-                <asvg:svgBlip xmlns:asvg="http://schemas.microsoft.com/office/drawing/2016/SVG/main" r:embed="rId3"/>
-              </a:ext>
             </a:extLst>
           </a:blip>
           <a:stretch>
             <a:fillRect/>
           </a:stretch>
         </p:blipFill>
-        <p:spPr>
+        <p:spPr bwMode="auto">
           <a:xfrm>
-            <a:off x="0" y="0"/>
-            <a:ext cx="914400" cy="914400"/>
+            <a:off x="2207328" y="1681283"/>
+            <a:ext cx="7777343" cy="4394199"/>
           </a:xfrm>
           <a:prstGeom prst="rect">
             <a:avLst/>
           </a:prstGeom>
+          <a:noFill/>
+          <a:extLst>
+            <a:ext uri="{909E8E84-426E-40DD-AFC4-6F175D3DCCD1}">
+              <a14:hiddenFill xmlns:a14="http://schemas.microsoft.com/office/drawing/2010/main">
+                <a:solidFill>
+                  <a:srgbClr val="FFFFFF"/>
+                </a:solidFill>
+              </a14:hiddenFill>
+            </a:ext>
+          </a:extLst>
         </p:spPr>
       </p:pic>
     </p:spTree>
     <p:extLst>
       <p:ext uri="{BB962C8B-B14F-4D97-AF65-F5344CB8AC3E}">
-        <p14:creationId xmlns:p14="http://schemas.microsoft.com/office/powerpoint/2010/main" val="4259108487"/>
+        <p14:creationId xmlns:p14="http://schemas.microsoft.com/office/powerpoint/2010/main" val="1624780100"/>
       </p:ext>
     </p:extLst>
   </p:cSld>
@@ -7392,7 +10658,7 @@
 </p:sld>
 </file>
 
-<file path=ppt/slides/slide4.xml><?xml version="1.0" encoding="utf-8"?>
+<file path=ppt/slides/slide8.xml><?xml version="1.0" encoding="utf-8"?>
 <p:sld xmlns:a="http://schemas.openxmlformats.org/drawingml/2006/main" xmlns:r="http://schemas.openxmlformats.org/officeDocument/2006/relationships" xmlns:p="http://schemas.openxmlformats.org/presentationml/2006/main">
   <p:cSld>
     <p:bg>
@@ -9948,6 +13214,820 @@
 </p:sld>
 </file>
 
+<file path=ppt/slides/slide9.xml><?xml version="1.0" encoding="utf-8"?>
+<p:sld xmlns:a="http://schemas.openxmlformats.org/drawingml/2006/main" xmlns:r="http://schemas.openxmlformats.org/officeDocument/2006/relationships" xmlns:p="http://schemas.openxmlformats.org/presentationml/2006/main">
+  <p:cSld>
+    <p:bg>
+      <p:bgPr>
+        <a:solidFill>
+          <a:schemeClr val="bg1"/>
+        </a:solidFill>
+        <a:effectLst/>
+      </p:bgPr>
+    </p:bg>
+    <p:spTree>
+      <p:nvGrpSpPr>
+        <p:cNvPr id="1" name=""/>
+        <p:cNvGrpSpPr/>
+        <p:nvPr/>
+      </p:nvGrpSpPr>
+      <p:grpSpPr>
+        <a:xfrm>
+          <a:off x="0" y="0"/>
+          <a:ext cx="0" cy="0"/>
+          <a:chOff x="0" y="0"/>
+          <a:chExt cx="0" cy="0"/>
+        </a:xfrm>
+      </p:grpSpPr>
+      <p:sp useBgFill="1">
+        <p:nvSpPr>
+          <p:cNvPr id="19" name="Rectangle 18">
+            <a:extLst>
+              <a:ext uri="{FF2B5EF4-FFF2-40B4-BE49-F238E27FC236}">
+                <a16:creationId xmlns:a16="http://schemas.microsoft.com/office/drawing/2014/main" id="{C4879EFC-8E62-4E00-973C-C45EE9EC676D}"/>
+              </a:ext>
+              <a:ext uri="{C183D7F6-B498-43B3-948B-1728B52AA6E4}">
+                <adec:decorative xmlns:adec="http://schemas.microsoft.com/office/drawing/2017/decorative" val="1"/>
+              </a:ext>
+            </a:extLst>
+          </p:cNvPr>
+          <p:cNvSpPr>
+            <a:spLocks noGrp="1" noRot="1" noChangeAspect="1" noMove="1" noResize="1" noEditPoints="1" noAdjustHandles="1" noChangeArrowheads="1" noChangeShapeType="1" noTextEdit="1"/>
+          </p:cNvSpPr>
+          <p:nvPr>
+            <p:extLst>
+              <p:ext uri="{386F3935-93C4-4BCD-93E2-E3B085C9AB24}">
+                <p16:designElem xmlns:p16="http://schemas.microsoft.com/office/powerpoint/2015/main" val="1"/>
+              </p:ext>
+            </p:extLst>
+          </p:nvPr>
+        </p:nvSpPr>
+        <p:spPr>
+          <a:xfrm>
+            <a:off x="0" y="0"/>
+            <a:ext cx="12188952" cy="6858000"/>
+          </a:xfrm>
+          <a:prstGeom prst="rect">
+            <a:avLst/>
+          </a:prstGeom>
+          <a:ln>
+            <a:noFill/>
+          </a:ln>
+        </p:spPr>
+        <p:style>
+          <a:lnRef idx="2">
+            <a:schemeClr val="accent1">
+              <a:shade val="50000"/>
+            </a:schemeClr>
+          </a:lnRef>
+          <a:fillRef idx="1">
+            <a:schemeClr val="accent1"/>
+          </a:fillRef>
+          <a:effectRef idx="0">
+            <a:schemeClr val="accent1"/>
+          </a:effectRef>
+          <a:fontRef idx="minor">
+            <a:schemeClr val="lt1"/>
+          </a:fontRef>
+        </p:style>
+        <p:txBody>
+          <a:bodyPr rtlCol="0" anchor="ctr"/>
+          <a:lstStyle/>
+          <a:p>
+            <a:pPr algn="ctr"/>
+            <a:endParaRPr lang="en-US"/>
+          </a:p>
+        </p:txBody>
+      </p:sp>
+      <p:sp>
+        <p:nvSpPr>
+          <p:cNvPr id="2" name="Title 1">
+            <a:extLst>
+              <a:ext uri="{FF2B5EF4-FFF2-40B4-BE49-F238E27FC236}">
+                <a16:creationId xmlns:a16="http://schemas.microsoft.com/office/drawing/2014/main" id="{3DC2D6B8-DD22-0DE0-2C43-CCD64857FB2B}"/>
+              </a:ext>
+            </a:extLst>
+          </p:cNvPr>
+          <p:cNvSpPr>
+            <a:spLocks noGrp="1"/>
+          </p:cNvSpPr>
+          <p:nvPr>
+            <p:ph type="title"/>
+          </p:nvPr>
+        </p:nvSpPr>
+        <p:spPr>
+          <a:xfrm>
+            <a:off x="638881" y="457200"/>
+            <a:ext cx="10909640" cy="1368614"/>
+          </a:xfrm>
+        </p:spPr>
+        <p:txBody>
+          <a:bodyPr vert="horz" lIns="91440" tIns="45720" rIns="91440" bIns="45720" rtlCol="0" anchor="ctr">
+            <a:normAutofit/>
+          </a:bodyPr>
+          <a:lstStyle/>
+          <a:p>
+            <a:pPr algn="ctr"/>
+            <a:r>
+              <a:rPr lang="en-US" sz="4600" b="0" i="0" dirty="0">
+                <a:effectLst/>
+              </a:rPr>
+              <a:t>AWS Application Migration Service </a:t>
+            </a:r>
+            <a:r>
+              <a:rPr lang="en-US" sz="4600" i="0" u="none" strike="noStrike" dirty="0">
+                <a:effectLst/>
+              </a:rPr>
+              <a:t>Use cases</a:t>
+            </a:r>
+            <a:endParaRPr lang="en-US" sz="4600" dirty="0"/>
+          </a:p>
+        </p:txBody>
+      </p:sp>
+      <p:sp>
+        <p:nvSpPr>
+          <p:cNvPr id="10" name="TextBox 9">
+            <a:extLst>
+              <a:ext uri="{FF2B5EF4-FFF2-40B4-BE49-F238E27FC236}">
+                <a16:creationId xmlns:a16="http://schemas.microsoft.com/office/drawing/2014/main" id="{27C7B7A7-F29E-179C-C729-7BB980CCF8F5}"/>
+              </a:ext>
+            </a:extLst>
+          </p:cNvPr>
+          <p:cNvSpPr txBox="1"/>
+          <p:nvPr/>
+        </p:nvSpPr>
+        <p:spPr>
+          <a:xfrm>
+            <a:off x="4589826" y="2187410"/>
+            <a:ext cx="3291839" cy="3276638"/>
+          </a:xfrm>
+          <a:prstGeom prst="rect">
+            <a:avLst/>
+          </a:prstGeom>
+        </p:spPr>
+        <p:txBody>
+          <a:bodyPr vert="horz" lIns="91440" tIns="45720" rIns="91440" bIns="45720" rtlCol="0" anchor="ctr">
+            <a:noAutofit/>
+          </a:bodyPr>
+          <a:lstStyle/>
+          <a:p>
+            <a:pPr algn="ctr">
+              <a:lnSpc>
+                <a:spcPct val="90000"/>
+              </a:lnSpc>
+              <a:spcBef>
+                <a:spcPts val="1000"/>
+              </a:spcBef>
+            </a:pPr>
+            <a:r>
+              <a:rPr lang="en-US" b="1" i="0" dirty="0">
+                <a:effectLst/>
+                <a:highlight>
+                  <a:srgbClr val="FFFF00"/>
+                </a:highlight>
+              </a:rPr>
+              <a:t>Cross-cloud migration</a:t>
+            </a:r>
+            <a:endParaRPr lang="en-US" b="0" i="0" dirty="0">
+              <a:effectLst/>
+            </a:endParaRPr>
+          </a:p>
+          <a:p>
+            <a:pPr algn="ctr">
+              <a:lnSpc>
+                <a:spcPct val="90000"/>
+              </a:lnSpc>
+              <a:spcBef>
+                <a:spcPts val="1000"/>
+              </a:spcBef>
+            </a:pPr>
+            <a:r>
+              <a:rPr lang="en-US" b="0" i="0" dirty="0">
+                <a:effectLst/>
+              </a:rPr>
+              <a:t>Easily migrate workloads running on another public or private cloud to AWS. </a:t>
+            </a:r>
+          </a:p>
+          <a:p>
+            <a:pPr algn="ctr">
+              <a:lnSpc>
+                <a:spcPct val="90000"/>
+              </a:lnSpc>
+              <a:spcBef>
+                <a:spcPts val="1000"/>
+              </a:spcBef>
+            </a:pPr>
+            <a:r>
+              <a:rPr lang="en-US" b="0" i="0" dirty="0">
+                <a:effectLst/>
+              </a:rPr>
+              <a:t>AWS Application Migration Service automatically converts your cloud-based servers to run natively on AWS as EC2 instances.</a:t>
+            </a:r>
+          </a:p>
+          <a:p>
+            <a:pPr algn="ctr">
+              <a:lnSpc>
+                <a:spcPct val="90000"/>
+              </a:lnSpc>
+              <a:spcBef>
+                <a:spcPts val="1000"/>
+              </a:spcBef>
+            </a:pPr>
+            <a:br>
+              <a:rPr lang="en-US" b="0" i="0" dirty="0">
+                <a:effectLst/>
+              </a:rPr>
+            </a:br>
+            <a:endParaRPr lang="en-US" b="0" i="0" dirty="0">
+              <a:effectLst/>
+            </a:endParaRPr>
+          </a:p>
+        </p:txBody>
+      </p:sp>
+      <p:sp>
+        <p:nvSpPr>
+          <p:cNvPr id="21" name="sketch line">
+            <a:extLst>
+              <a:ext uri="{FF2B5EF4-FFF2-40B4-BE49-F238E27FC236}">
+                <a16:creationId xmlns:a16="http://schemas.microsoft.com/office/drawing/2014/main" id="{D6A9C53F-5F90-40A5-8C85-5412D39C8C68}"/>
+              </a:ext>
+              <a:ext uri="{C183D7F6-B498-43B3-948B-1728B52AA6E4}">
+                <adec:decorative xmlns:adec="http://schemas.microsoft.com/office/drawing/2017/decorative" val="1"/>
+              </a:ext>
+            </a:extLst>
+          </p:cNvPr>
+          <p:cNvSpPr>
+            <a:spLocks noGrp="1" noRot="1" noChangeAspect="1" noMove="1" noResize="1" noEditPoints="1" noAdjustHandles="1" noChangeArrowheads="1" noChangeShapeType="1" noTextEdit="1"/>
+          </p:cNvSpPr>
+          <p:nvPr>
+            <p:extLst>
+              <p:ext uri="{386F3935-93C4-4BCD-93E2-E3B085C9AB24}">
+                <p16:designElem xmlns:p16="http://schemas.microsoft.com/office/powerpoint/2015/main" val="1"/>
+              </p:ext>
+            </p:extLst>
+          </p:nvPr>
+        </p:nvSpPr>
+        <p:spPr>
+          <a:xfrm>
+            <a:off x="4450080" y="1850683"/>
+            <a:ext cx="3291840" cy="18288"/>
+          </a:xfrm>
+          <a:custGeom>
+            <a:avLst/>
+            <a:gdLst>
+              <a:gd name="connsiteX0" fmla="*/ 0 w 3291840"/>
+              <a:gd name="connsiteY0" fmla="*/ 0 h 18288"/>
+              <a:gd name="connsiteX1" fmla="*/ 658368 w 3291840"/>
+              <a:gd name="connsiteY1" fmla="*/ 0 h 18288"/>
+              <a:gd name="connsiteX2" fmla="*/ 1283818 w 3291840"/>
+              <a:gd name="connsiteY2" fmla="*/ 0 h 18288"/>
+              <a:gd name="connsiteX3" fmla="*/ 1909267 w 3291840"/>
+              <a:gd name="connsiteY3" fmla="*/ 0 h 18288"/>
+              <a:gd name="connsiteX4" fmla="*/ 2633472 w 3291840"/>
+              <a:gd name="connsiteY4" fmla="*/ 0 h 18288"/>
+              <a:gd name="connsiteX5" fmla="*/ 3291840 w 3291840"/>
+              <a:gd name="connsiteY5" fmla="*/ 0 h 18288"/>
+              <a:gd name="connsiteX6" fmla="*/ 3291840 w 3291840"/>
+              <a:gd name="connsiteY6" fmla="*/ 18288 h 18288"/>
+              <a:gd name="connsiteX7" fmla="*/ 2633472 w 3291840"/>
+              <a:gd name="connsiteY7" fmla="*/ 18288 h 18288"/>
+              <a:gd name="connsiteX8" fmla="*/ 2073859 w 3291840"/>
+              <a:gd name="connsiteY8" fmla="*/ 18288 h 18288"/>
+              <a:gd name="connsiteX9" fmla="*/ 1448410 w 3291840"/>
+              <a:gd name="connsiteY9" fmla="*/ 18288 h 18288"/>
+              <a:gd name="connsiteX10" fmla="*/ 822960 w 3291840"/>
+              <a:gd name="connsiteY10" fmla="*/ 18288 h 18288"/>
+              <a:gd name="connsiteX11" fmla="*/ 0 w 3291840"/>
+              <a:gd name="connsiteY11" fmla="*/ 18288 h 18288"/>
+              <a:gd name="connsiteX12" fmla="*/ 0 w 3291840"/>
+              <a:gd name="connsiteY12" fmla="*/ 0 h 18288"/>
+            </a:gdLst>
+            <a:ahLst/>
+            <a:cxnLst>
+              <a:cxn ang="0">
+                <a:pos x="connsiteX0" y="connsiteY0"/>
+              </a:cxn>
+              <a:cxn ang="0">
+                <a:pos x="connsiteX1" y="connsiteY1"/>
+              </a:cxn>
+              <a:cxn ang="0">
+                <a:pos x="connsiteX2" y="connsiteY2"/>
+              </a:cxn>
+              <a:cxn ang="0">
+                <a:pos x="connsiteX3" y="connsiteY3"/>
+              </a:cxn>
+              <a:cxn ang="0">
+                <a:pos x="connsiteX4" y="connsiteY4"/>
+              </a:cxn>
+              <a:cxn ang="0">
+                <a:pos x="connsiteX5" y="connsiteY5"/>
+              </a:cxn>
+              <a:cxn ang="0">
+                <a:pos x="connsiteX6" y="connsiteY6"/>
+              </a:cxn>
+              <a:cxn ang="0">
+                <a:pos x="connsiteX7" y="connsiteY7"/>
+              </a:cxn>
+              <a:cxn ang="0">
+                <a:pos x="connsiteX8" y="connsiteY8"/>
+              </a:cxn>
+              <a:cxn ang="0">
+                <a:pos x="connsiteX9" y="connsiteY9"/>
+              </a:cxn>
+              <a:cxn ang="0">
+                <a:pos x="connsiteX10" y="connsiteY10"/>
+              </a:cxn>
+              <a:cxn ang="0">
+                <a:pos x="connsiteX11" y="connsiteY11"/>
+              </a:cxn>
+              <a:cxn ang="0">
+                <a:pos x="connsiteX12" y="connsiteY12"/>
+              </a:cxn>
+            </a:cxnLst>
+            <a:rect l="l" t="t" r="r" b="b"/>
+            <a:pathLst>
+              <a:path w="3291840" h="18288" fill="none" extrusionOk="0">
+                <a:moveTo>
+                  <a:pt x="0" y="0"/>
+                </a:moveTo>
+                <a:cubicBezTo>
+                  <a:pt x="173077" y="-20031"/>
+                  <a:pt x="443104" y="6424"/>
+                  <a:pt x="658368" y="0"/>
+                </a:cubicBezTo>
+                <a:cubicBezTo>
+                  <a:pt x="873632" y="-6424"/>
+                  <a:pt x="1034028" y="11764"/>
+                  <a:pt x="1283818" y="0"/>
+                </a:cubicBezTo>
+                <a:cubicBezTo>
+                  <a:pt x="1533608" y="-11764"/>
+                  <a:pt x="1691227" y="-30112"/>
+                  <a:pt x="1909267" y="0"/>
+                </a:cubicBezTo>
+                <a:cubicBezTo>
+                  <a:pt x="2127307" y="30112"/>
+                  <a:pt x="2272465" y="-18735"/>
+                  <a:pt x="2633472" y="0"/>
+                </a:cubicBezTo>
+                <a:cubicBezTo>
+                  <a:pt x="2994479" y="18735"/>
+                  <a:pt x="3023324" y="-32030"/>
+                  <a:pt x="3291840" y="0"/>
+                </a:cubicBezTo>
+                <a:cubicBezTo>
+                  <a:pt x="3291406" y="7551"/>
+                  <a:pt x="3291373" y="9822"/>
+                  <a:pt x="3291840" y="18288"/>
+                </a:cubicBezTo>
+                <a:cubicBezTo>
+                  <a:pt x="3048445" y="38989"/>
+                  <a:pt x="2846548" y="-14400"/>
+                  <a:pt x="2633472" y="18288"/>
+                </a:cubicBezTo>
+                <a:cubicBezTo>
+                  <a:pt x="2420396" y="50976"/>
+                  <a:pt x="2304099" y="6336"/>
+                  <a:pt x="2073859" y="18288"/>
+                </a:cubicBezTo>
+                <a:cubicBezTo>
+                  <a:pt x="1843619" y="30240"/>
+                  <a:pt x="1706926" y="10778"/>
+                  <a:pt x="1448410" y="18288"/>
+                </a:cubicBezTo>
+                <a:cubicBezTo>
+                  <a:pt x="1189894" y="25798"/>
+                  <a:pt x="1002278" y="8992"/>
+                  <a:pt x="822960" y="18288"/>
+                </a:cubicBezTo>
+                <a:cubicBezTo>
+                  <a:pt x="643642" y="27585"/>
+                  <a:pt x="307039" y="38051"/>
+                  <a:pt x="0" y="18288"/>
+                </a:cubicBezTo>
+                <a:cubicBezTo>
+                  <a:pt x="60" y="11696"/>
+                  <a:pt x="66" y="3758"/>
+                  <a:pt x="0" y="0"/>
+                </a:cubicBezTo>
+                <a:close/>
+              </a:path>
+              <a:path w="3291840" h="18288" stroke="0" extrusionOk="0">
+                <a:moveTo>
+                  <a:pt x="0" y="0"/>
+                </a:moveTo>
+                <a:cubicBezTo>
+                  <a:pt x="195850" y="28018"/>
+                  <a:pt x="434891" y="17390"/>
+                  <a:pt x="592531" y="0"/>
+                </a:cubicBezTo>
+                <a:cubicBezTo>
+                  <a:pt x="750171" y="-17390"/>
+                  <a:pt x="1018709" y="32200"/>
+                  <a:pt x="1316736" y="0"/>
+                </a:cubicBezTo>
+                <a:cubicBezTo>
+                  <a:pt x="1614763" y="-32200"/>
+                  <a:pt x="1696480" y="-11367"/>
+                  <a:pt x="1876349" y="0"/>
+                </a:cubicBezTo>
+                <a:cubicBezTo>
+                  <a:pt x="2056218" y="11367"/>
+                  <a:pt x="2193364" y="13433"/>
+                  <a:pt x="2435962" y="0"/>
+                </a:cubicBezTo>
+                <a:cubicBezTo>
+                  <a:pt x="2678560" y="-13433"/>
+                  <a:pt x="3010901" y="-42367"/>
+                  <a:pt x="3291840" y="0"/>
+                </a:cubicBezTo>
+                <a:cubicBezTo>
+                  <a:pt x="3291758" y="4406"/>
+                  <a:pt x="3291751" y="9982"/>
+                  <a:pt x="3291840" y="18288"/>
+                </a:cubicBezTo>
+                <a:cubicBezTo>
+                  <a:pt x="3108993" y="14228"/>
+                  <a:pt x="2952658" y="46900"/>
+                  <a:pt x="2666390" y="18288"/>
+                </a:cubicBezTo>
+                <a:cubicBezTo>
+                  <a:pt x="2380122" y="-10324"/>
+                  <a:pt x="2263855" y="41055"/>
+                  <a:pt x="2040941" y="18288"/>
+                </a:cubicBezTo>
+                <a:cubicBezTo>
+                  <a:pt x="1818027" y="-4479"/>
+                  <a:pt x="1675097" y="6509"/>
+                  <a:pt x="1415491" y="18288"/>
+                </a:cubicBezTo>
+                <a:cubicBezTo>
+                  <a:pt x="1155885" y="30068"/>
+                  <a:pt x="852976" y="36210"/>
+                  <a:pt x="691286" y="18288"/>
+                </a:cubicBezTo>
+                <a:cubicBezTo>
+                  <a:pt x="529596" y="366"/>
+                  <a:pt x="187183" y="13912"/>
+                  <a:pt x="0" y="18288"/>
+                </a:cubicBezTo>
+                <a:cubicBezTo>
+                  <a:pt x="189" y="14288"/>
+                  <a:pt x="-703" y="3747"/>
+                  <a:pt x="0" y="0"/>
+                </a:cubicBezTo>
+                <a:close/>
+              </a:path>
+            </a:pathLst>
+          </a:custGeom>
+          <a:solidFill>
+            <a:schemeClr val="accent2"/>
+          </a:solidFill>
+          <a:ln w="41275" cap="rnd">
+            <a:solidFill>
+              <a:schemeClr val="accent2"/>
+            </a:solidFill>
+            <a:round/>
+            <a:extLst>
+              <a:ext uri="{C807C97D-BFC1-408E-A445-0C87EB9F89A2}">
+                <ask:lineSketchStyleProps xmlns:ask="http://schemas.microsoft.com/office/drawing/2018/sketchyshapes" sd="2863741219">
+                  <a:prstGeom prst="rect">
+                    <a:avLst/>
+                  </a:prstGeom>
+                  <ask:type>
+                    <ask:lineSketchFreehand/>
+                  </ask:type>
+                </ask:lineSketchStyleProps>
+              </a:ext>
+            </a:extLst>
+          </a:ln>
+        </p:spPr>
+        <p:style>
+          <a:lnRef idx="2">
+            <a:schemeClr val="accent1">
+              <a:shade val="50000"/>
+            </a:schemeClr>
+          </a:lnRef>
+          <a:fillRef idx="1">
+            <a:schemeClr val="accent1"/>
+          </a:fillRef>
+          <a:effectRef idx="0">
+            <a:schemeClr val="accent1"/>
+          </a:effectRef>
+          <a:fontRef idx="minor">
+            <a:schemeClr val="lt1"/>
+          </a:fontRef>
+        </p:style>
+        <p:txBody>
+          <a:bodyPr rtlCol="0" anchor="ctr"/>
+          <a:lstStyle/>
+          <a:p>
+            <a:pPr algn="ctr"/>
+            <a:endParaRPr lang="en-US"/>
+          </a:p>
+        </p:txBody>
+      </p:sp>
+      <p:sp>
+        <p:nvSpPr>
+          <p:cNvPr id="8" name="TextBox 7">
+            <a:extLst>
+              <a:ext uri="{FF2B5EF4-FFF2-40B4-BE49-F238E27FC236}">
+                <a16:creationId xmlns:a16="http://schemas.microsoft.com/office/drawing/2014/main" id="{4C7CE268-2AA4-C9C7-B42D-94A9D6E5CB5B}"/>
+              </a:ext>
+            </a:extLst>
+          </p:cNvPr>
+          <p:cNvSpPr txBox="1"/>
+          <p:nvPr/>
+        </p:nvSpPr>
+        <p:spPr>
+          <a:xfrm>
+            <a:off x="457200" y="2187410"/>
+            <a:ext cx="3384331" cy="4278094"/>
+          </a:xfrm>
+          <a:prstGeom prst="rect">
+            <a:avLst/>
+          </a:prstGeom>
+          <a:noFill/>
+        </p:spPr>
+        <p:txBody>
+          <a:bodyPr wrap="square">
+            <a:spAutoFit/>
+          </a:bodyPr>
+          <a:lstStyle/>
+          <a:p>
+            <a:pPr algn="l">
+              <a:spcAft>
+                <a:spcPts val="600"/>
+              </a:spcAft>
+            </a:pPr>
+            <a:r>
+              <a:rPr lang="en-GB" b="1" i="0" dirty="0">
+                <a:solidFill>
+                  <a:srgbClr val="16191F"/>
+                </a:solidFill>
+                <a:effectLst/>
+                <a:highlight>
+                  <a:srgbClr val="FFFF00"/>
+                </a:highlight>
+                <a:latin typeface="Amazon Ember"/>
+              </a:rPr>
+              <a:t>Data </a:t>
+            </a:r>
+            <a:r>
+              <a:rPr lang="en-GB" b="1" i="0" dirty="0" err="1">
+                <a:solidFill>
+                  <a:srgbClr val="16191F"/>
+                </a:solidFill>
+                <a:effectLst/>
+                <a:highlight>
+                  <a:srgbClr val="FFFF00"/>
+                </a:highlight>
+                <a:latin typeface="Amazon Ember"/>
+              </a:rPr>
+              <a:t>center</a:t>
+            </a:r>
+            <a:r>
+              <a:rPr lang="en-GB" b="1" i="0" dirty="0">
+                <a:solidFill>
+                  <a:srgbClr val="16191F"/>
+                </a:solidFill>
+                <a:effectLst/>
+                <a:highlight>
+                  <a:srgbClr val="FFFF00"/>
+                </a:highlight>
+                <a:latin typeface="Amazon Ember"/>
+              </a:rPr>
+              <a:t> to cloud migration</a:t>
+            </a:r>
+          </a:p>
+          <a:p>
+            <a:pPr algn="l">
+              <a:spcAft>
+                <a:spcPts val="600"/>
+              </a:spcAft>
+            </a:pPr>
+            <a:endParaRPr lang="en-GB" b="0" i="0" dirty="0">
+              <a:solidFill>
+                <a:srgbClr val="16191F"/>
+              </a:solidFill>
+              <a:effectLst/>
+              <a:latin typeface="Amazon Ember"/>
+            </a:endParaRPr>
+          </a:p>
+          <a:p>
+            <a:pPr algn="l">
+              <a:spcAft>
+                <a:spcPts val="600"/>
+              </a:spcAft>
+            </a:pPr>
+            <a:r>
+              <a:rPr lang="en-GB" b="0" i="0" dirty="0">
+                <a:solidFill>
+                  <a:srgbClr val="16191F"/>
+                </a:solidFill>
+                <a:effectLst/>
+                <a:latin typeface="Amazon Ember"/>
+              </a:rPr>
+              <a:t>Use AWS Application Migration Service to rapidly move your virtual and physical servers to AWS. </a:t>
+            </a:r>
+          </a:p>
+          <a:p>
+            <a:pPr algn="l">
+              <a:spcAft>
+                <a:spcPts val="600"/>
+              </a:spcAft>
+            </a:pPr>
+            <a:r>
+              <a:rPr lang="en-GB" b="0" i="0" dirty="0">
+                <a:solidFill>
+                  <a:srgbClr val="16191F"/>
+                </a:solidFill>
+                <a:effectLst/>
+                <a:latin typeface="Amazon Ember"/>
+              </a:rPr>
+              <a:t>The automated rehosting capabilities of Application Migration Service help you avoid complications that can be caused by manual replication, reconfiguration, and rebuilds.</a:t>
+            </a:r>
+          </a:p>
+          <a:p>
+            <a:pPr algn="l">
+              <a:spcAft>
+                <a:spcPts val="600"/>
+              </a:spcAft>
+            </a:pPr>
+            <a:br>
+              <a:rPr lang="en-GB" b="0" i="0" dirty="0">
+                <a:solidFill>
+                  <a:srgbClr val="16191F"/>
+                </a:solidFill>
+                <a:effectLst/>
+                <a:latin typeface="Amazon Ember"/>
+              </a:rPr>
+            </a:br>
+            <a:endParaRPr lang="en-GB" b="0" i="0" dirty="0">
+              <a:solidFill>
+                <a:srgbClr val="16191F"/>
+              </a:solidFill>
+              <a:effectLst/>
+              <a:latin typeface="Amazon Ember"/>
+            </a:endParaRPr>
+          </a:p>
+        </p:txBody>
+      </p:sp>
+      <p:sp>
+        <p:nvSpPr>
+          <p:cNvPr id="12" name="TextBox 11">
+            <a:extLst>
+              <a:ext uri="{FF2B5EF4-FFF2-40B4-BE49-F238E27FC236}">
+                <a16:creationId xmlns:a16="http://schemas.microsoft.com/office/drawing/2014/main" id="{D4F6BFF3-FAAD-3953-6D45-3CFB69CDEAF1}"/>
+              </a:ext>
+            </a:extLst>
+          </p:cNvPr>
+          <p:cNvSpPr txBox="1"/>
+          <p:nvPr/>
+        </p:nvSpPr>
+        <p:spPr>
+          <a:xfrm>
+            <a:off x="9033641" y="2187410"/>
+            <a:ext cx="2701159" cy="3093154"/>
+          </a:xfrm>
+          <a:prstGeom prst="rect">
+            <a:avLst/>
+          </a:prstGeom>
+          <a:noFill/>
+        </p:spPr>
+        <p:txBody>
+          <a:bodyPr wrap="square">
+            <a:spAutoFit/>
+          </a:bodyPr>
+          <a:lstStyle/>
+          <a:p>
+            <a:pPr algn="l" rtl="0">
+              <a:spcAft>
+                <a:spcPts val="600"/>
+              </a:spcAft>
+            </a:pPr>
+            <a:r>
+              <a:rPr lang="en-GB" b="1" i="0" dirty="0">
+                <a:solidFill>
+                  <a:srgbClr val="16191F"/>
+                </a:solidFill>
+                <a:effectLst/>
+                <a:highlight>
+                  <a:srgbClr val="FFFF00"/>
+                </a:highlight>
+                <a:latin typeface="var(--font-family-base-m6jzpk,&quot;Amazon Ember&quot;,&quot;Helvetica Neue&quot;,Roboto,Arial,sans-serif)"/>
+              </a:rPr>
+              <a:t>Cross-region migration</a:t>
+            </a:r>
+          </a:p>
+          <a:p>
+            <a:pPr algn="l" rtl="0">
+              <a:spcAft>
+                <a:spcPts val="600"/>
+              </a:spcAft>
+            </a:pPr>
+            <a:endParaRPr lang="en-GB" b="0" i="0" dirty="0">
+              <a:solidFill>
+                <a:srgbClr val="16191F"/>
+              </a:solidFill>
+              <a:effectLst/>
+              <a:latin typeface="var(--font-family-base-m6jzpk,&quot;Amazon Ember&quot;,&quot;Helvetica Neue&quot;,Roboto,Arial,sans-serif)"/>
+            </a:endParaRPr>
+          </a:p>
+          <a:p>
+            <a:pPr algn="l" rtl="0">
+              <a:spcAft>
+                <a:spcPts val="600"/>
+              </a:spcAft>
+            </a:pPr>
+            <a:r>
+              <a:rPr lang="en-GB" b="0" i="0" dirty="0">
+                <a:solidFill>
+                  <a:srgbClr val="16191F"/>
+                </a:solidFill>
+                <a:effectLst/>
+                <a:latin typeface="var(--font-family-base-m6jzpk,&quot;Amazon Ember&quot;,&quot;Helvetica Neue&quot;,Roboto,Arial,sans-serif)"/>
+              </a:rPr>
+              <a:t>Use AWS Application Migration Service to simplify migration between different AWS accounts, Availability Zones, or regions.</a:t>
+            </a:r>
+          </a:p>
+          <a:p>
+            <a:pPr algn="l" rtl="0">
+              <a:spcAft>
+                <a:spcPts val="600"/>
+              </a:spcAft>
+            </a:pPr>
+            <a:br>
+              <a:rPr lang="en-GB" b="0" i="0" dirty="0">
+                <a:solidFill>
+                  <a:srgbClr val="16191F"/>
+                </a:solidFill>
+                <a:effectLst/>
+                <a:latin typeface="var(--font-family-base-m6jzpk,&quot;Amazon Ember&quot;,&quot;Helvetica Neue&quot;,Roboto,Arial,sans-serif)"/>
+              </a:rPr>
+            </a:br>
+            <a:endParaRPr lang="en-GB" b="0" i="0" dirty="0">
+              <a:solidFill>
+                <a:srgbClr val="16191F"/>
+              </a:solidFill>
+              <a:effectLst/>
+              <a:latin typeface="var(--font-family-base-m6jzpk,&quot;Amazon Ember&quot;,&quot;Helvetica Neue&quot;,Roboto,Arial,sans-serif)"/>
+            </a:endParaRPr>
+          </a:p>
+        </p:txBody>
+      </p:sp>
+      <p:pic>
+        <p:nvPicPr>
+          <p:cNvPr id="16" name="Graphic 15" descr="Cloud Computing">
+            <a:extLst>
+              <a:ext uri="{FF2B5EF4-FFF2-40B4-BE49-F238E27FC236}">
+                <a16:creationId xmlns:a16="http://schemas.microsoft.com/office/drawing/2014/main" id="{4E37686B-DDB5-633E-4775-09DF07B82CC4}"/>
+              </a:ext>
+            </a:extLst>
+          </p:cNvPr>
+          <p:cNvPicPr>
+            <a:picLocks noChangeAspect="1"/>
+          </p:cNvPicPr>
+          <p:nvPr/>
+        </p:nvPicPr>
+        <p:blipFill>
+          <a:blip r:embed="rId2">
+            <a:extLst>
+              <a:ext uri="{28A0092B-C50C-407E-A947-70E740481C1C}">
+                <a14:useLocalDpi xmlns:a14="http://schemas.microsoft.com/office/drawing/2010/main" val="0"/>
+              </a:ext>
+              <a:ext uri="{96DAC541-7B7A-43D3-8B79-37D633B846F1}">
+                <asvg:svgBlip xmlns:asvg="http://schemas.microsoft.com/office/drawing/2016/SVG/main" r:embed="rId3"/>
+              </a:ext>
+            </a:extLst>
+          </a:blip>
+          <a:stretch>
+            <a:fillRect/>
+          </a:stretch>
+        </p:blipFill>
+        <p:spPr>
+          <a:xfrm>
+            <a:off x="0" y="0"/>
+            <a:ext cx="914400" cy="914400"/>
+          </a:xfrm>
+          <a:prstGeom prst="rect">
+            <a:avLst/>
+          </a:prstGeom>
+        </p:spPr>
+      </p:pic>
+    </p:spTree>
+    <p:extLst>
+      <p:ext uri="{BB962C8B-B14F-4D97-AF65-F5344CB8AC3E}">
+        <p14:creationId xmlns:p14="http://schemas.microsoft.com/office/powerpoint/2010/main" val="4259108487"/>
+      </p:ext>
+    </p:extLst>
+  </p:cSld>
+  <p:clrMapOvr>
+    <a:masterClrMapping/>
+  </p:clrMapOvr>
+</p:sld>
+</file>
+
 <file path=ppt/theme/theme1.xml><?xml version="1.0" encoding="utf-8"?>
 <a:theme xmlns:a="http://schemas.openxmlformats.org/drawingml/2006/main" name="Office Theme">
   <a:themeElements>
